--- a/lectures3/gr/Pythonlearn-05-Iterations.pptx
+++ b/lectures3/gr/Pythonlearn-05-Iterations.pptx
@@ -60,7 +60,7 @@
     <p:sldId id="304" r:id="rId51"/>
     <p:sldId id="305" r:id="rId52"/>
     <p:sldId id="306" r:id="rId53"/>
-    <p:sldId id="320" r:id="rId54"/>
+    <p:sldId id="322" r:id="rId54"/>
   </p:sldIdLst>
   <p:sldSz cx="16256000" cy="9144000"/>
   <p:notesSz cx="6858000" cy="9144000"/>
@@ -8873,7 +8873,31 @@
                 <a:cs typeface="Arial" charset="0"/>
                 <a:sym typeface="Cabin"/>
               </a:rPr>
-              <a:t>print('Done')</a:t>
+              <a:t>print('</a:t>
+            </a:r>
+            <a:r>
+              <a:rPr lang="el-GR" sz="3500" u="none" strike="noStrike" cap="none" dirty="0">
+                <a:solidFill>
+                  <a:schemeClr val="lt1"/>
+                </a:solidFill>
+                <a:latin typeface="Arial" charset="0"/>
+                <a:ea typeface="Arial" charset="0"/>
+                <a:cs typeface="Arial" charset="0"/>
+                <a:sym typeface="Cabin"/>
+              </a:rPr>
+              <a:t>Τέλος!</a:t>
+            </a:r>
+            <a:r>
+              <a:rPr lang="en-US" sz="3500" u="none" strike="noStrike" cap="none" dirty="0">
+                <a:solidFill>
+                  <a:schemeClr val="lt1"/>
+                </a:solidFill>
+                <a:latin typeface="Arial" charset="0"/>
+                <a:ea typeface="Arial" charset="0"/>
+                <a:cs typeface="Arial" charset="0"/>
+                <a:sym typeface="Cabin"/>
+              </a:rPr>
+              <a:t>')</a:t>
             </a:r>
           </a:p>
         </p:txBody>
@@ -9092,9 +9116,9 @@
               <a:buNone/>
             </a:pPr>
             <a:r>
-              <a:rPr lang="en-US" sz="3000" i="0" u="none" strike="noStrike" cap="none" dirty="0">
-                <a:solidFill>
-                  <a:schemeClr val="lt1"/>
+              <a:rPr lang="el-GR" sz="3000" dirty="0">
+                <a:solidFill>
+                  <a:srgbClr val="00FF00"/>
                 </a:solidFill>
                 <a:latin typeface="Courier"/>
                 <a:ea typeface="Courier"/>
@@ -9104,7 +9128,7 @@
               <a:t>   </a:t>
             </a:r>
             <a:r>
-              <a:rPr lang="en-US" sz="3000" i="0" u="none" strike="noStrike" cap="none" dirty="0">
+              <a:rPr lang="el-GR" sz="3000" i="0" u="none" strike="noStrike" cap="none" dirty="0">
                 <a:solidFill>
                   <a:srgbClr val="00FF00"/>
                 </a:solidFill>
@@ -9113,7 +9137,7 @@
                 <a:cs typeface="Courier"/>
                 <a:sym typeface="Courier New"/>
               </a:rPr>
-              <a:t>line</a:t>
+              <a:t>γραμμή</a:t>
             </a:r>
             <a:r>
               <a:rPr lang="en-US" sz="3000" i="0" u="none" strike="noStrike" cap="none" dirty="0">
@@ -9264,7 +9288,31 @@
                 <a:cs typeface="Courier"/>
                 <a:sym typeface="Courier New"/>
               </a:rPr>
-              <a:t> line[0]</a:t>
+              <a:t> </a:t>
+            </a:r>
+            <a:r>
+              <a:rPr lang="el-GR" sz="3000" i="0" u="none" strike="noStrike" cap="none" dirty="0">
+                <a:solidFill>
+                  <a:srgbClr val="00FF00"/>
+                </a:solidFill>
+                <a:latin typeface="Courier"/>
+                <a:ea typeface="Courier"/>
+                <a:cs typeface="Courier"/>
+                <a:sym typeface="Courier New"/>
+              </a:rPr>
+              <a:t>γραμμή</a:t>
+            </a:r>
+            <a:r>
+              <a:rPr lang="en-US" sz="3000" i="0" u="none" strike="noStrike" cap="none" dirty="0">
+                <a:solidFill>
+                  <a:srgbClr val="00FF00"/>
+                </a:solidFill>
+                <a:latin typeface="Courier"/>
+                <a:ea typeface="Courier"/>
+                <a:cs typeface="Courier"/>
+                <a:sym typeface="Courier New"/>
+              </a:rPr>
+              <a:t>[0]</a:t>
             </a:r>
             <a:r>
               <a:rPr lang="en-US" sz="3000" i="0" u="none" strike="noStrike" cap="none" dirty="0">
@@ -9401,20 +9449,44 @@
               <a:t>if </a:t>
             </a:r>
             <a:r>
+              <a:rPr lang="el-GR" sz="3000" i="0" u="none" strike="noStrike" cap="none" dirty="0">
+                <a:solidFill>
+                  <a:srgbClr val="00FF00"/>
+                </a:solidFill>
+                <a:latin typeface="Courier"/>
+                <a:ea typeface="Courier"/>
+                <a:cs typeface="Courier"/>
+                <a:sym typeface="Courier New"/>
+              </a:rPr>
+              <a:t>γραμμή</a:t>
+            </a:r>
+            <a:r>
               <a:rPr lang="en-US" sz="3000" i="0" u="none" strike="noStrike" cap="none" dirty="0">
                 <a:solidFill>
-                  <a:srgbClr val="00FF00"/>
-                </a:solidFill>
-                <a:latin typeface="Courier"/>
-                <a:ea typeface="Courier"/>
-                <a:cs typeface="Courier"/>
-                <a:sym typeface="Courier New"/>
-              </a:rPr>
-              <a:t>line</a:t>
+                  <a:schemeClr val="lt1"/>
+                </a:solidFill>
+                <a:latin typeface="Courier"/>
+                <a:ea typeface="Courier"/>
+                <a:cs typeface="Courier"/>
+                <a:sym typeface="Courier New"/>
+              </a:rPr>
+              <a:t> </a:t>
             </a:r>
             <a:r>
               <a:rPr lang="en-US" sz="3000" i="0" u="none" strike="noStrike" cap="none" dirty="0">
                 <a:solidFill>
+                  <a:srgbClr val="00FFFF"/>
+                </a:solidFill>
+                <a:latin typeface="Courier"/>
+                <a:ea typeface="Courier"/>
+                <a:cs typeface="Courier"/>
+                <a:sym typeface="Courier New"/>
+              </a:rPr>
+              <a:t>==</a:t>
+            </a:r>
+            <a:r>
+              <a:rPr lang="en-US" sz="3000" i="0" u="none" strike="noStrike" cap="none" dirty="0">
+                <a:solidFill>
                   <a:schemeClr val="lt1"/>
                 </a:solidFill>
                 <a:latin typeface="Courier"/>
@@ -9427,30 +9499,30 @@
             <a:r>
               <a:rPr lang="en-US" sz="3000" i="0" u="none" strike="noStrike" cap="none" dirty="0">
                 <a:solidFill>
-                  <a:srgbClr val="00FFFF"/>
-                </a:solidFill>
-                <a:latin typeface="Courier"/>
-                <a:ea typeface="Courier"/>
-                <a:cs typeface="Courier"/>
-                <a:sym typeface="Courier New"/>
-              </a:rPr>
-              <a:t>==</a:t>
+                  <a:srgbClr val="FFFFFF"/>
+                </a:solidFill>
+                <a:latin typeface="Courier"/>
+                <a:ea typeface="Courier"/>
+                <a:cs typeface="Courier"/>
+                <a:sym typeface="Courier New"/>
+              </a:rPr>
+              <a:t>'</a:t>
+            </a:r>
+            <a:r>
+              <a:rPr lang="el-GR" sz="3000" i="0" u="none" strike="noStrike" cap="none" dirty="0">
+                <a:solidFill>
+                  <a:srgbClr val="FFFFFF"/>
+                </a:solidFill>
+                <a:latin typeface="Courier"/>
+                <a:ea typeface="Courier"/>
+                <a:cs typeface="Courier"/>
+                <a:sym typeface="Courier New"/>
+              </a:rPr>
+              <a:t>τέλος</a:t>
             </a:r>
             <a:r>
               <a:rPr lang="en-US" sz="3000" i="0" u="none" strike="noStrike" cap="none" dirty="0">
                 <a:solidFill>
-                  <a:schemeClr val="lt1"/>
-                </a:solidFill>
-                <a:latin typeface="Courier"/>
-                <a:ea typeface="Courier"/>
-                <a:cs typeface="Courier"/>
-                <a:sym typeface="Courier New"/>
-              </a:rPr>
-              <a:t> </a:t>
-            </a:r>
-            <a:r>
-              <a:rPr lang="en-US" sz="3000" i="0" u="none" strike="noStrike" cap="none" dirty="0">
-                <a:solidFill>
                   <a:srgbClr val="FFFFFF"/>
                 </a:solidFill>
                 <a:latin typeface="Courier"/>
@@ -9458,7 +9530,7 @@
                 <a:cs typeface="Courier"/>
                 <a:sym typeface="Courier New"/>
               </a:rPr>
-              <a:t>'done' </a:t>
+              <a:t>' </a:t>
             </a:r>
             <a:r>
               <a:rPr lang="en-US" sz="3000" i="0" u="none" strike="noStrike" cap="none" dirty="0">
@@ -9571,7 +9643,7 @@
               <a:t>(</a:t>
             </a:r>
             <a:r>
-              <a:rPr lang="en-US" sz="3000" i="0" u="none" strike="noStrike" cap="none" dirty="0">
+              <a:rPr lang="el-GR" sz="3000" i="0" u="none" strike="noStrike" cap="none" dirty="0">
                 <a:solidFill>
                   <a:srgbClr val="00FF00"/>
                 </a:solidFill>
@@ -9580,7 +9652,7 @@
                 <a:cs typeface="Courier"/>
                 <a:sym typeface="Courier New"/>
               </a:rPr>
-              <a:t>line</a:t>
+              <a:t>γραμμή</a:t>
             </a:r>
             <a:r>
               <a:rPr lang="en-US" sz="3000" i="0" u="none" strike="noStrike" cap="none" dirty="0">
@@ -9647,7 +9719,31 @@
                 <a:cs typeface="Courier"/>
                 <a:sym typeface="Courier New"/>
               </a:rPr>
-              <a:t>'Done!')</a:t>
+              <a:t>'</a:t>
+            </a:r>
+            <a:r>
+              <a:rPr lang="el-GR" sz="3000" i="0" u="none" strike="noStrike" cap="none" dirty="0">
+                <a:solidFill>
+                  <a:srgbClr val="FFFFFF"/>
+                </a:solidFill>
+                <a:latin typeface="Courier"/>
+                <a:ea typeface="Courier"/>
+                <a:cs typeface="Courier"/>
+                <a:sym typeface="Courier New"/>
+              </a:rPr>
+              <a:t>Τέλος</a:t>
+            </a:r>
+            <a:r>
+              <a:rPr lang="en-US" sz="3000" i="0" u="none" strike="noStrike" cap="none" dirty="0">
+                <a:solidFill>
+                  <a:srgbClr val="FFFFFF"/>
+                </a:solidFill>
+                <a:latin typeface="Courier"/>
+                <a:ea typeface="Courier"/>
+                <a:cs typeface="Courier"/>
+                <a:sym typeface="Courier New"/>
+              </a:rPr>
+              <a:t>!')</a:t>
             </a:r>
           </a:p>
         </p:txBody>
@@ -11735,7 +11831,7 @@
               <a:buNone/>
             </a:pPr>
             <a:r>
-              <a:rPr lang="en-US" sz="3000" i="0" u="none" strike="noStrike" cap="none" dirty="0">
+              <a:rPr lang="el-GR" sz="3000" i="0" u="none" strike="noStrike" cap="none" dirty="0">
                 <a:solidFill>
                   <a:srgbClr val="00FF00"/>
                 </a:solidFill>
@@ -11744,7 +11840,7 @@
                 <a:cs typeface="Courier"/>
                 <a:sym typeface="Courier New"/>
               </a:rPr>
-              <a:t>friends</a:t>
+              <a:t>φίλοι</a:t>
             </a:r>
             <a:r>
               <a:rPr lang="en-US" sz="3000" i="0" u="none" strike="noStrike" cap="none" dirty="0">
@@ -11886,8 +11982,56 @@
               <a:t> </a:t>
             </a:r>
             <a:r>
+              <a:rPr lang="el-GR" sz="3000" i="0" u="none" strike="noStrike" cap="none" dirty="0">
+                <a:solidFill>
+                  <a:srgbClr val="00FF00"/>
+                </a:solidFill>
+                <a:latin typeface="Courier"/>
+                <a:ea typeface="Courier"/>
+                <a:cs typeface="Courier"/>
+                <a:sym typeface="Courier New"/>
+              </a:rPr>
+              <a:t>φίλος</a:t>
+            </a:r>
+            <a:r>
               <a:rPr lang="en-US" sz="3000" i="0" u="none" strike="noStrike" cap="none" dirty="0">
                 <a:solidFill>
+                  <a:schemeClr val="lt1"/>
+                </a:solidFill>
+                <a:latin typeface="Courier"/>
+                <a:ea typeface="Courier"/>
+                <a:cs typeface="Courier"/>
+                <a:sym typeface="Courier New"/>
+              </a:rPr>
+              <a:t> </a:t>
+            </a:r>
+            <a:r>
+              <a:rPr lang="en-US" sz="3000" i="0" u="none" strike="noStrike" cap="none" dirty="0">
+                <a:solidFill>
+                  <a:srgbClr val="FFFF00"/>
+                </a:solidFill>
+                <a:latin typeface="Courier"/>
+                <a:ea typeface="Courier"/>
+                <a:cs typeface="Courier"/>
+                <a:sym typeface="Courier New"/>
+              </a:rPr>
+              <a:t>in</a:t>
+            </a:r>
+            <a:r>
+              <a:rPr lang="en-US" sz="3000" i="0" u="none" strike="noStrike" cap="none" dirty="0">
+                <a:solidFill>
+                  <a:schemeClr val="lt1"/>
+                </a:solidFill>
+                <a:latin typeface="Courier"/>
+                <a:ea typeface="Courier"/>
+                <a:cs typeface="Courier"/>
+                <a:sym typeface="Courier New"/>
+              </a:rPr>
+              <a:t> </a:t>
+            </a:r>
+            <a:r>
+              <a:rPr lang="el-GR" sz="3000" i="0" u="none" strike="noStrike" cap="none" dirty="0">
+                <a:solidFill>
                   <a:srgbClr val="00FF00"/>
                 </a:solidFill>
                 <a:latin typeface="Courier"/>
@@ -11895,12 +12039,12 @@
                 <a:cs typeface="Courier"/>
                 <a:sym typeface="Courier New"/>
               </a:rPr>
-              <a:t>friend</a:t>
+              <a:t>φίλοι</a:t>
             </a:r>
             <a:r>
               <a:rPr lang="en-US" sz="3000" i="0" u="none" strike="noStrike" cap="none" dirty="0">
                 <a:solidFill>
-                  <a:schemeClr val="lt1"/>
+                  <a:srgbClr val="00FF00"/>
                 </a:solidFill>
                 <a:latin typeface="Courier"/>
                 <a:ea typeface="Courier"/>
@@ -11908,42 +12052,6 @@
                 <a:sym typeface="Courier New"/>
               </a:rPr>
               <a:t> </a:t>
-            </a:r>
-            <a:r>
-              <a:rPr lang="en-US" sz="3000" i="0" u="none" strike="noStrike" cap="none" dirty="0">
-                <a:solidFill>
-                  <a:srgbClr val="FFFF00"/>
-                </a:solidFill>
-                <a:latin typeface="Courier"/>
-                <a:ea typeface="Courier"/>
-                <a:cs typeface="Courier"/>
-                <a:sym typeface="Courier New"/>
-              </a:rPr>
-              <a:t>in</a:t>
-            </a:r>
-            <a:r>
-              <a:rPr lang="en-US" sz="3000" i="0" u="none" strike="noStrike" cap="none" dirty="0">
-                <a:solidFill>
-                  <a:schemeClr val="lt1"/>
-                </a:solidFill>
-                <a:latin typeface="Courier"/>
-                <a:ea typeface="Courier"/>
-                <a:cs typeface="Courier"/>
-                <a:sym typeface="Courier New"/>
-              </a:rPr>
-              <a:t> </a:t>
-            </a:r>
-            <a:r>
-              <a:rPr lang="en-US" sz="3000" i="0" u="none" strike="noStrike" cap="none" dirty="0">
-                <a:solidFill>
-                  <a:srgbClr val="00FF00"/>
-                </a:solidFill>
-                <a:latin typeface="Courier"/>
-                <a:ea typeface="Courier"/>
-                <a:cs typeface="Courier"/>
-                <a:sym typeface="Courier New"/>
-              </a:rPr>
-              <a:t>friends </a:t>
             </a:r>
             <a:r>
               <a:rPr lang="en-US" sz="3000" i="0" u="none" strike="noStrike" cap="none" dirty="0">
@@ -12061,7 +12169,7 @@
               <a:t>, </a:t>
             </a:r>
             <a:r>
-              <a:rPr lang="en-US" sz="3000" i="0" u="none" strike="noStrike" cap="none" dirty="0">
+              <a:rPr lang="el-GR" sz="3000" i="0" u="none" strike="noStrike" cap="none" dirty="0">
                 <a:solidFill>
                   <a:srgbClr val="00FF00"/>
                 </a:solidFill>
@@ -12070,7 +12178,7 @@
                 <a:cs typeface="Courier"/>
                 <a:sym typeface="Courier New"/>
               </a:rPr>
-              <a:t>friend</a:t>
+              <a:t>φίλος</a:t>
             </a:r>
             <a:r>
               <a:rPr lang="en-US" sz="3000" i="0" u="none" strike="noStrike" cap="none" dirty="0">
@@ -21002,8 +21110,8 @@
         </p:nvSpPr>
         <p:spPr>
           <a:xfrm>
-            <a:off x="9159875" y="3911600"/>
-            <a:ext cx="3398838" cy="622299"/>
+            <a:off x="9159874" y="3911600"/>
+            <a:ext cx="4281805" cy="622299"/>
           </a:xfrm>
           <a:prstGeom prst="rect">
             <a:avLst/>
@@ -21037,7 +21145,7 @@
               <a:buNone/>
             </a:pPr>
             <a:r>
-              <a:rPr lang="en-US" sz="3600" u="none" strike="noStrike" cap="none">
+              <a:rPr lang="en-US" sz="3600" u="none" strike="noStrike" cap="none" dirty="0">
                 <a:solidFill>
                   <a:srgbClr val="FFFF00"/>
                 </a:solidFill>
@@ -21049,7 +21157,7 @@
               <a:t>for </a:t>
             </a:r>
             <a:r>
-              <a:rPr lang="en-US" sz="3600" u="none" strike="noStrike" cap="none">
+              <a:rPr lang="el-GR" sz="3600" u="none" strike="noStrike" cap="none" dirty="0">
                 <a:solidFill>
                   <a:srgbClr val="00FFFF"/>
                 </a:solidFill>
@@ -21058,10 +21166,10 @@
                 <a:cs typeface="Arial" charset="0"/>
                 <a:sym typeface="Cabin"/>
               </a:rPr>
-              <a:t>thing</a:t>
-            </a:r>
-            <a:r>
-              <a:rPr lang="en-US" sz="3600" u="none" strike="noStrike" cap="none">
+              <a:t>κάτι</a:t>
+            </a:r>
+            <a:r>
+              <a:rPr lang="en-US" sz="3600" u="none" strike="noStrike" cap="none" dirty="0">
                 <a:solidFill>
                   <a:srgbClr val="FFFF00"/>
                 </a:solidFill>
@@ -21070,7 +21178,31 @@
                 <a:cs typeface="Arial" charset="0"/>
                 <a:sym typeface="Cabin"/>
               </a:rPr>
-              <a:t> in data:</a:t>
+              <a:t> in </a:t>
+            </a:r>
+            <a:r>
+              <a:rPr lang="el-GR" sz="3600" u="none" strike="noStrike" cap="none" dirty="0">
+                <a:solidFill>
+                  <a:srgbClr val="FFFF00"/>
+                </a:solidFill>
+                <a:latin typeface="Arial" charset="0"/>
+                <a:ea typeface="Arial" charset="0"/>
+                <a:cs typeface="Arial" charset="0"/>
+                <a:sym typeface="Cabin"/>
+              </a:rPr>
+              <a:t>δεδομένα</a:t>
+            </a:r>
+            <a:r>
+              <a:rPr lang="en-US" sz="3600" u="none" strike="noStrike" cap="none" dirty="0">
+                <a:solidFill>
+                  <a:srgbClr val="FFFF00"/>
+                </a:solidFill>
+                <a:latin typeface="Arial" charset="0"/>
+                <a:ea typeface="Arial" charset="0"/>
+                <a:cs typeface="Arial" charset="0"/>
+                <a:sym typeface="Cabin"/>
+              </a:rPr>
+              <a:t>:</a:t>
             </a:r>
           </a:p>
         </p:txBody>
@@ -21394,7 +21526,7 @@
               <a:t> </a:t>
             </a:r>
             <a:r>
-              <a:rPr lang="en-US" sz="2600" i="0" u="none" strike="noStrike" cap="none" dirty="0">
+              <a:rPr lang="el-GR" sz="2600" i="0" u="none" strike="noStrike" cap="none" dirty="0">
                 <a:solidFill>
                   <a:srgbClr val="00FFFF"/>
                 </a:solidFill>
@@ -21403,7 +21535,7 @@
                 <a:cs typeface="Courier"/>
                 <a:sym typeface="Courier New"/>
               </a:rPr>
-              <a:t>thing</a:t>
+              <a:t>κάτι</a:t>
             </a:r>
             <a:r>
               <a:rPr lang="en-US" sz="2600" i="0" u="none" strike="noStrike" cap="none" dirty="0">
@@ -21521,7 +21653,7 @@
               <a:t>(</a:t>
             </a:r>
             <a:r>
-              <a:rPr lang="en-US" sz="2600" i="0" u="none" strike="noStrike" cap="none" dirty="0">
+              <a:rPr lang="el-GR" sz="2600" i="0" u="none" strike="noStrike" cap="none" dirty="0">
                 <a:solidFill>
                   <a:srgbClr val="00FFFF"/>
                 </a:solidFill>
@@ -21530,7 +21662,7 @@
                 <a:cs typeface="Courier"/>
                 <a:sym typeface="Courier New"/>
               </a:rPr>
-              <a:t>thing</a:t>
+              <a:t>κάτι</a:t>
             </a:r>
             <a:r>
               <a:rPr lang="en-US" sz="2600" i="0" u="none" strike="noStrike" cap="none" dirty="0">
@@ -25217,8 +25349,8 @@
         </p:nvSpPr>
         <p:spPr>
           <a:xfrm>
-            <a:off x="2841624" y="6502400"/>
-            <a:ext cx="3344863" cy="622199"/>
+            <a:off x="457200" y="6502400"/>
+            <a:ext cx="5729287" cy="622199"/>
           </a:xfrm>
           <a:prstGeom prst="rect">
             <a:avLst/>
@@ -25252,7 +25384,7 @@
               <a:buNone/>
             </a:pPr>
             <a:r>
-              <a:rPr lang="en-US" sz="3600" u="none" strike="noStrike" cap="none" dirty="0" err="1">
+              <a:rPr lang="el-GR" sz="3600" u="none" strike="noStrike" cap="none" dirty="0" err="1">
                 <a:solidFill>
                   <a:schemeClr val="lt1"/>
                 </a:solidFill>
@@ -25261,7 +25393,19 @@
                 <a:cs typeface="Arial" charset="0"/>
                 <a:sym typeface="Cabin"/>
               </a:rPr>
-              <a:t>largest_so_far</a:t>
+              <a:t>μεγαλύτερος_μέχρι</a:t>
+            </a:r>
+            <a:r>
+              <a:rPr lang="el-GR" sz="3600" dirty="0" err="1">
+                <a:solidFill>
+                  <a:schemeClr val="lt1"/>
+                </a:solidFill>
+                <a:latin typeface="Arial" charset="0"/>
+                <a:ea typeface="Arial" charset="0"/>
+                <a:cs typeface="Arial" charset="0"/>
+                <a:sym typeface="Cabin"/>
+              </a:rPr>
+              <a:t>_στιγμής</a:t>
             </a:r>
             <a:endParaRPr lang="en-US" sz="3600" u="none" strike="noStrike" cap="none" dirty="0">
               <a:solidFill>
@@ -25538,72 +25682,6 @@
       </p:sp>
       <p:sp>
         <p:nvSpPr>
-          <p:cNvPr id="5" name="Shape 598"/>
-          <p:cNvSpPr txBox="1"/>
-          <p:nvPr/>
-        </p:nvSpPr>
-        <p:spPr>
-          <a:xfrm>
-            <a:off x="2841624" y="6502400"/>
-            <a:ext cx="3344863" cy="622199"/>
-          </a:xfrm>
-          <a:prstGeom prst="rect">
-            <a:avLst/>
-          </a:prstGeom>
-          <a:noFill/>
-          <a:ln>
-            <a:noFill/>
-          </a:ln>
-        </p:spPr>
-        <p:txBody>
-          <a:bodyPr lIns="0" tIns="0" rIns="0" bIns="0" anchor="ctr" anchorCtr="0">
-            <a:noAutofit/>
-          </a:bodyPr>
-          <a:lstStyle/>
-          <a:p>
-            <a:pPr marL="0" marR="0" lvl="0" indent="0" algn="ctr" rtl="0">
-              <a:lnSpc>
-                <a:spcPct val="100000"/>
-              </a:lnSpc>
-              <a:spcBef>
-                <a:spcPts val="0"/>
-              </a:spcBef>
-              <a:spcAft>
-                <a:spcPts val="0"/>
-              </a:spcAft>
-              <a:buClr>
-                <a:schemeClr val="lt1"/>
-              </a:buClr>
-              <a:buSzPct val="25000"/>
-              <a:buFont typeface="Cabin"/>
-              <a:buNone/>
-            </a:pPr>
-            <a:r>
-              <a:rPr lang="en-US" sz="3600" u="none" strike="noStrike" cap="none" dirty="0" err="1">
-                <a:solidFill>
-                  <a:schemeClr val="lt1"/>
-                </a:solidFill>
-                <a:latin typeface="Arial" charset="0"/>
-                <a:ea typeface="Arial" charset="0"/>
-                <a:cs typeface="Arial" charset="0"/>
-                <a:sym typeface="Cabin"/>
-              </a:rPr>
-              <a:t>largest_so_far</a:t>
-            </a:r>
-            <a:endParaRPr lang="en-US" sz="3600" u="none" strike="noStrike" cap="none" dirty="0">
-              <a:solidFill>
-                <a:schemeClr val="lt1"/>
-              </a:solidFill>
-              <a:latin typeface="Arial" charset="0"/>
-              <a:ea typeface="Arial" charset="0"/>
-              <a:cs typeface="Arial" charset="0"/>
-              <a:sym typeface="Cabin"/>
-            </a:endParaRPr>
-          </a:p>
-        </p:txBody>
-      </p:sp>
-      <p:sp>
-        <p:nvSpPr>
           <p:cNvPr id="6" name="Shape 599"/>
           <p:cNvSpPr txBox="1"/>
           <p:nvPr/>
@@ -25656,6 +25734,90 @@
               </a:rPr>
               <a:t>3</a:t>
             </a:r>
+          </a:p>
+        </p:txBody>
+      </p:sp>
+      <p:sp>
+        <p:nvSpPr>
+          <p:cNvPr id="7" name="Shape 598">
+            <a:extLst>
+              <a:ext uri="{FF2B5EF4-FFF2-40B4-BE49-F238E27FC236}">
+                <a16:creationId xmlns:a16="http://schemas.microsoft.com/office/drawing/2014/main" id="{26A712A0-F175-407C-9564-E22D32E41574}"/>
+              </a:ext>
+            </a:extLst>
+          </p:cNvPr>
+          <p:cNvSpPr txBox="1"/>
+          <p:nvPr/>
+        </p:nvSpPr>
+        <p:spPr>
+          <a:xfrm>
+            <a:off x="457200" y="6502400"/>
+            <a:ext cx="5729287" cy="622199"/>
+          </a:xfrm>
+          <a:prstGeom prst="rect">
+            <a:avLst/>
+          </a:prstGeom>
+          <a:noFill/>
+          <a:ln>
+            <a:noFill/>
+          </a:ln>
+        </p:spPr>
+        <p:txBody>
+          <a:bodyPr lIns="0" tIns="0" rIns="0" bIns="0" anchor="ctr" anchorCtr="0">
+            <a:noAutofit/>
+          </a:bodyPr>
+          <a:lstStyle/>
+          <a:p>
+            <a:pPr marL="0" marR="0" lvl="0" indent="0" algn="ctr" rtl="0">
+              <a:lnSpc>
+                <a:spcPct val="100000"/>
+              </a:lnSpc>
+              <a:spcBef>
+                <a:spcPts val="0"/>
+              </a:spcBef>
+              <a:spcAft>
+                <a:spcPts val="0"/>
+              </a:spcAft>
+              <a:buClr>
+                <a:schemeClr val="lt1"/>
+              </a:buClr>
+              <a:buSzPct val="25000"/>
+              <a:buFont typeface="Cabin"/>
+              <a:buNone/>
+            </a:pPr>
+            <a:r>
+              <a:rPr lang="el-GR" sz="3600" u="none" strike="noStrike" cap="none" dirty="0" err="1">
+                <a:solidFill>
+                  <a:schemeClr val="lt1"/>
+                </a:solidFill>
+                <a:latin typeface="Arial" charset="0"/>
+                <a:ea typeface="Arial" charset="0"/>
+                <a:cs typeface="Arial" charset="0"/>
+                <a:sym typeface="Cabin"/>
+              </a:rPr>
+              <a:t>μεγαλύτερος_μέχρι</a:t>
+            </a:r>
+            <a:r>
+              <a:rPr lang="el-GR" sz="3600" dirty="0" err="1">
+                <a:solidFill>
+                  <a:schemeClr val="lt1"/>
+                </a:solidFill>
+                <a:latin typeface="Arial" charset="0"/>
+                <a:ea typeface="Arial" charset="0"/>
+                <a:cs typeface="Arial" charset="0"/>
+                <a:sym typeface="Cabin"/>
+              </a:rPr>
+              <a:t>_στιγμής</a:t>
+            </a:r>
+            <a:endParaRPr lang="en-US" sz="3600" u="none" strike="noStrike" cap="none" dirty="0">
+              <a:solidFill>
+                <a:schemeClr val="lt1"/>
+              </a:solidFill>
+              <a:latin typeface="Arial" charset="0"/>
+              <a:ea typeface="Arial" charset="0"/>
+              <a:cs typeface="Arial" charset="0"/>
+              <a:sym typeface="Cabin"/>
+            </a:endParaRPr>
           </a:p>
         </p:txBody>
       </p:sp>
@@ -25865,72 +26027,6 @@
       </p:sp>
       <p:sp>
         <p:nvSpPr>
-          <p:cNvPr id="5" name="Shape 598"/>
-          <p:cNvSpPr txBox="1"/>
-          <p:nvPr/>
-        </p:nvSpPr>
-        <p:spPr>
-          <a:xfrm>
-            <a:off x="2841624" y="6502400"/>
-            <a:ext cx="3344863" cy="622199"/>
-          </a:xfrm>
-          <a:prstGeom prst="rect">
-            <a:avLst/>
-          </a:prstGeom>
-          <a:noFill/>
-          <a:ln>
-            <a:noFill/>
-          </a:ln>
-        </p:spPr>
-        <p:txBody>
-          <a:bodyPr lIns="0" tIns="0" rIns="0" bIns="0" anchor="ctr" anchorCtr="0">
-            <a:noAutofit/>
-          </a:bodyPr>
-          <a:lstStyle/>
-          <a:p>
-            <a:pPr marL="0" marR="0" lvl="0" indent="0" algn="ctr" rtl="0">
-              <a:lnSpc>
-                <a:spcPct val="100000"/>
-              </a:lnSpc>
-              <a:spcBef>
-                <a:spcPts val="0"/>
-              </a:spcBef>
-              <a:spcAft>
-                <a:spcPts val="0"/>
-              </a:spcAft>
-              <a:buClr>
-                <a:schemeClr val="lt1"/>
-              </a:buClr>
-              <a:buSzPct val="25000"/>
-              <a:buFont typeface="Cabin"/>
-              <a:buNone/>
-            </a:pPr>
-            <a:r>
-              <a:rPr lang="en-US" sz="3600" u="none" strike="noStrike" cap="none" dirty="0" err="1">
-                <a:solidFill>
-                  <a:schemeClr val="lt1"/>
-                </a:solidFill>
-                <a:latin typeface="Arial" charset="0"/>
-                <a:ea typeface="Arial" charset="0"/>
-                <a:cs typeface="Arial" charset="0"/>
-                <a:sym typeface="Cabin"/>
-              </a:rPr>
-              <a:t>largest_so_far</a:t>
-            </a:r>
-            <a:endParaRPr lang="en-US" sz="3600" u="none" strike="noStrike" cap="none" dirty="0">
-              <a:solidFill>
-                <a:schemeClr val="lt1"/>
-              </a:solidFill>
-              <a:latin typeface="Arial" charset="0"/>
-              <a:ea typeface="Arial" charset="0"/>
-              <a:cs typeface="Arial" charset="0"/>
-              <a:sym typeface="Cabin"/>
-            </a:endParaRPr>
-          </a:p>
-        </p:txBody>
-      </p:sp>
-      <p:sp>
-        <p:nvSpPr>
           <p:cNvPr id="6" name="Shape 599"/>
           <p:cNvSpPr txBox="1"/>
           <p:nvPr/>
@@ -25986,6 +26082,90 @@
             <a:endParaRPr lang="en-US" sz="5400" u="none" strike="noStrike" cap="none" dirty="0">
               <a:solidFill>
                 <a:srgbClr val="FF00FF"/>
+              </a:solidFill>
+              <a:latin typeface="Arial" charset="0"/>
+              <a:ea typeface="Arial" charset="0"/>
+              <a:cs typeface="Arial" charset="0"/>
+              <a:sym typeface="Cabin"/>
+            </a:endParaRPr>
+          </a:p>
+        </p:txBody>
+      </p:sp>
+      <p:sp>
+        <p:nvSpPr>
+          <p:cNvPr id="7" name="Shape 598">
+            <a:extLst>
+              <a:ext uri="{FF2B5EF4-FFF2-40B4-BE49-F238E27FC236}">
+                <a16:creationId xmlns:a16="http://schemas.microsoft.com/office/drawing/2014/main" id="{8CB65F9E-28FE-4094-AB59-5F9D1FF3045D}"/>
+              </a:ext>
+            </a:extLst>
+          </p:cNvPr>
+          <p:cNvSpPr txBox="1"/>
+          <p:nvPr/>
+        </p:nvSpPr>
+        <p:spPr>
+          <a:xfrm>
+            <a:off x="457200" y="6502400"/>
+            <a:ext cx="5729287" cy="622199"/>
+          </a:xfrm>
+          <a:prstGeom prst="rect">
+            <a:avLst/>
+          </a:prstGeom>
+          <a:noFill/>
+          <a:ln>
+            <a:noFill/>
+          </a:ln>
+        </p:spPr>
+        <p:txBody>
+          <a:bodyPr lIns="0" tIns="0" rIns="0" bIns="0" anchor="ctr" anchorCtr="0">
+            <a:noAutofit/>
+          </a:bodyPr>
+          <a:lstStyle/>
+          <a:p>
+            <a:pPr marL="0" marR="0" lvl="0" indent="0" algn="ctr" rtl="0">
+              <a:lnSpc>
+                <a:spcPct val="100000"/>
+              </a:lnSpc>
+              <a:spcBef>
+                <a:spcPts val="0"/>
+              </a:spcBef>
+              <a:spcAft>
+                <a:spcPts val="0"/>
+              </a:spcAft>
+              <a:buClr>
+                <a:schemeClr val="lt1"/>
+              </a:buClr>
+              <a:buSzPct val="25000"/>
+              <a:buFont typeface="Cabin"/>
+              <a:buNone/>
+            </a:pPr>
+            <a:r>
+              <a:rPr lang="el-GR" sz="3600" u="none" strike="noStrike" cap="none" dirty="0" err="1">
+                <a:solidFill>
+                  <a:schemeClr val="lt1"/>
+                </a:solidFill>
+                <a:latin typeface="Arial" charset="0"/>
+                <a:ea typeface="Arial" charset="0"/>
+                <a:cs typeface="Arial" charset="0"/>
+                <a:sym typeface="Cabin"/>
+              </a:rPr>
+              <a:t>μεγαλύτερος_μέχρι</a:t>
+            </a:r>
+            <a:r>
+              <a:rPr lang="el-GR" sz="3600" dirty="0" err="1">
+                <a:solidFill>
+                  <a:schemeClr val="lt1"/>
+                </a:solidFill>
+                <a:latin typeface="Arial" charset="0"/>
+                <a:ea typeface="Arial" charset="0"/>
+                <a:cs typeface="Arial" charset="0"/>
+                <a:sym typeface="Cabin"/>
+              </a:rPr>
+              <a:t>_στιγμής</a:t>
+            </a:r>
+            <a:endParaRPr lang="en-US" sz="3600" u="none" strike="noStrike" cap="none" dirty="0">
+              <a:solidFill>
+                <a:schemeClr val="lt1"/>
               </a:solidFill>
               <a:latin typeface="Arial" charset="0"/>
               <a:ea typeface="Arial" charset="0"/>
@@ -26201,72 +26381,6 @@
       </p:sp>
       <p:sp>
         <p:nvSpPr>
-          <p:cNvPr id="5" name="Shape 598"/>
-          <p:cNvSpPr txBox="1"/>
-          <p:nvPr/>
-        </p:nvSpPr>
-        <p:spPr>
-          <a:xfrm>
-            <a:off x="2841624" y="6502400"/>
-            <a:ext cx="3344863" cy="622199"/>
-          </a:xfrm>
-          <a:prstGeom prst="rect">
-            <a:avLst/>
-          </a:prstGeom>
-          <a:noFill/>
-          <a:ln>
-            <a:noFill/>
-          </a:ln>
-        </p:spPr>
-        <p:txBody>
-          <a:bodyPr lIns="0" tIns="0" rIns="0" bIns="0" anchor="ctr" anchorCtr="0">
-            <a:noAutofit/>
-          </a:bodyPr>
-          <a:lstStyle/>
-          <a:p>
-            <a:pPr marL="0" marR="0" lvl="0" indent="0" algn="ctr" rtl="0">
-              <a:lnSpc>
-                <a:spcPct val="100000"/>
-              </a:lnSpc>
-              <a:spcBef>
-                <a:spcPts val="0"/>
-              </a:spcBef>
-              <a:spcAft>
-                <a:spcPts val="0"/>
-              </a:spcAft>
-              <a:buClr>
-                <a:schemeClr val="lt1"/>
-              </a:buClr>
-              <a:buSzPct val="25000"/>
-              <a:buFont typeface="Cabin"/>
-              <a:buNone/>
-            </a:pPr>
-            <a:r>
-              <a:rPr lang="en-US" sz="3600" u="none" strike="noStrike" cap="none" dirty="0" err="1">
-                <a:solidFill>
-                  <a:schemeClr val="lt1"/>
-                </a:solidFill>
-                <a:latin typeface="Arial" charset="0"/>
-                <a:ea typeface="Arial" charset="0"/>
-                <a:cs typeface="Arial" charset="0"/>
-                <a:sym typeface="Cabin"/>
-              </a:rPr>
-              <a:t>largest_so_far</a:t>
-            </a:r>
-            <a:endParaRPr lang="en-US" sz="3600" u="none" strike="noStrike" cap="none" dirty="0">
-              <a:solidFill>
-                <a:schemeClr val="lt1"/>
-              </a:solidFill>
-              <a:latin typeface="Arial" charset="0"/>
-              <a:ea typeface="Arial" charset="0"/>
-              <a:cs typeface="Arial" charset="0"/>
-              <a:sym typeface="Cabin"/>
-            </a:endParaRPr>
-          </a:p>
-        </p:txBody>
-      </p:sp>
-      <p:sp>
-        <p:nvSpPr>
           <p:cNvPr id="6" name="Shape 599"/>
           <p:cNvSpPr txBox="1"/>
           <p:nvPr/>
@@ -26319,6 +26433,90 @@
               </a:rPr>
               <a:t>41</a:t>
             </a:r>
+          </a:p>
+        </p:txBody>
+      </p:sp>
+      <p:sp>
+        <p:nvSpPr>
+          <p:cNvPr id="7" name="Shape 598">
+            <a:extLst>
+              <a:ext uri="{FF2B5EF4-FFF2-40B4-BE49-F238E27FC236}">
+                <a16:creationId xmlns:a16="http://schemas.microsoft.com/office/drawing/2014/main" id="{0ECCFF9B-ABD6-4EEF-B74B-5FB16E869B86}"/>
+              </a:ext>
+            </a:extLst>
+          </p:cNvPr>
+          <p:cNvSpPr txBox="1"/>
+          <p:nvPr/>
+        </p:nvSpPr>
+        <p:spPr>
+          <a:xfrm>
+            <a:off x="457200" y="6502400"/>
+            <a:ext cx="5729287" cy="622199"/>
+          </a:xfrm>
+          <a:prstGeom prst="rect">
+            <a:avLst/>
+          </a:prstGeom>
+          <a:noFill/>
+          <a:ln>
+            <a:noFill/>
+          </a:ln>
+        </p:spPr>
+        <p:txBody>
+          <a:bodyPr lIns="0" tIns="0" rIns="0" bIns="0" anchor="ctr" anchorCtr="0">
+            <a:noAutofit/>
+          </a:bodyPr>
+          <a:lstStyle/>
+          <a:p>
+            <a:pPr marL="0" marR="0" lvl="0" indent="0" algn="ctr" rtl="0">
+              <a:lnSpc>
+                <a:spcPct val="100000"/>
+              </a:lnSpc>
+              <a:spcBef>
+                <a:spcPts val="0"/>
+              </a:spcBef>
+              <a:spcAft>
+                <a:spcPts val="0"/>
+              </a:spcAft>
+              <a:buClr>
+                <a:schemeClr val="lt1"/>
+              </a:buClr>
+              <a:buSzPct val="25000"/>
+              <a:buFont typeface="Cabin"/>
+              <a:buNone/>
+            </a:pPr>
+            <a:r>
+              <a:rPr lang="el-GR" sz="3600" u="none" strike="noStrike" cap="none" dirty="0" err="1">
+                <a:solidFill>
+                  <a:schemeClr val="lt1"/>
+                </a:solidFill>
+                <a:latin typeface="Arial" charset="0"/>
+                <a:ea typeface="Arial" charset="0"/>
+                <a:cs typeface="Arial" charset="0"/>
+                <a:sym typeface="Cabin"/>
+              </a:rPr>
+              <a:t>μεγαλύτερος_μέχρι</a:t>
+            </a:r>
+            <a:r>
+              <a:rPr lang="el-GR" sz="3600" dirty="0" err="1">
+                <a:solidFill>
+                  <a:schemeClr val="lt1"/>
+                </a:solidFill>
+                <a:latin typeface="Arial" charset="0"/>
+                <a:ea typeface="Arial" charset="0"/>
+                <a:cs typeface="Arial" charset="0"/>
+                <a:sym typeface="Cabin"/>
+              </a:rPr>
+              <a:t>_στιγμής</a:t>
+            </a:r>
+            <a:endParaRPr lang="en-US" sz="3600" u="none" strike="noStrike" cap="none" dirty="0">
+              <a:solidFill>
+                <a:schemeClr val="lt1"/>
+              </a:solidFill>
+              <a:latin typeface="Arial" charset="0"/>
+              <a:ea typeface="Arial" charset="0"/>
+              <a:cs typeface="Arial" charset="0"/>
+              <a:sym typeface="Cabin"/>
+            </a:endParaRPr>
           </a:p>
         </p:txBody>
       </p:sp>
@@ -26528,72 +26726,6 @@
       </p:sp>
       <p:sp>
         <p:nvSpPr>
-          <p:cNvPr id="5" name="Shape 598"/>
-          <p:cNvSpPr txBox="1"/>
-          <p:nvPr/>
-        </p:nvSpPr>
-        <p:spPr>
-          <a:xfrm>
-            <a:off x="2841624" y="6502400"/>
-            <a:ext cx="3344863" cy="622199"/>
-          </a:xfrm>
-          <a:prstGeom prst="rect">
-            <a:avLst/>
-          </a:prstGeom>
-          <a:noFill/>
-          <a:ln>
-            <a:noFill/>
-          </a:ln>
-        </p:spPr>
-        <p:txBody>
-          <a:bodyPr lIns="0" tIns="0" rIns="0" bIns="0" anchor="ctr" anchorCtr="0">
-            <a:noAutofit/>
-          </a:bodyPr>
-          <a:lstStyle/>
-          <a:p>
-            <a:pPr marL="0" marR="0" lvl="0" indent="0" algn="ctr" rtl="0">
-              <a:lnSpc>
-                <a:spcPct val="100000"/>
-              </a:lnSpc>
-              <a:spcBef>
-                <a:spcPts val="0"/>
-              </a:spcBef>
-              <a:spcAft>
-                <a:spcPts val="0"/>
-              </a:spcAft>
-              <a:buClr>
-                <a:schemeClr val="lt1"/>
-              </a:buClr>
-              <a:buSzPct val="25000"/>
-              <a:buFont typeface="Cabin"/>
-              <a:buNone/>
-            </a:pPr>
-            <a:r>
-              <a:rPr lang="en-US" sz="3600" u="none" strike="noStrike" cap="none" dirty="0" err="1">
-                <a:solidFill>
-                  <a:schemeClr val="lt1"/>
-                </a:solidFill>
-                <a:latin typeface="Arial" charset="0"/>
-                <a:ea typeface="Arial" charset="0"/>
-                <a:cs typeface="Arial" charset="0"/>
-                <a:sym typeface="Cabin"/>
-              </a:rPr>
-              <a:t>largest_so_far</a:t>
-            </a:r>
-            <a:endParaRPr lang="en-US" sz="3600" u="none" strike="noStrike" cap="none" dirty="0">
-              <a:solidFill>
-                <a:schemeClr val="lt1"/>
-              </a:solidFill>
-              <a:latin typeface="Arial" charset="0"/>
-              <a:ea typeface="Arial" charset="0"/>
-              <a:cs typeface="Arial" charset="0"/>
-              <a:sym typeface="Cabin"/>
-            </a:endParaRPr>
-          </a:p>
-        </p:txBody>
-      </p:sp>
-      <p:sp>
-        <p:nvSpPr>
           <p:cNvPr id="6" name="Shape 599"/>
           <p:cNvSpPr txBox="1"/>
           <p:nvPr/>
@@ -26649,6 +26781,90 @@
             <a:endParaRPr lang="en-US" sz="5400" u="none" strike="noStrike" cap="none" dirty="0">
               <a:solidFill>
                 <a:srgbClr val="FF00FF"/>
+              </a:solidFill>
+              <a:latin typeface="Arial" charset="0"/>
+              <a:ea typeface="Arial" charset="0"/>
+              <a:cs typeface="Arial" charset="0"/>
+              <a:sym typeface="Cabin"/>
+            </a:endParaRPr>
+          </a:p>
+        </p:txBody>
+      </p:sp>
+      <p:sp>
+        <p:nvSpPr>
+          <p:cNvPr id="7" name="Shape 598">
+            <a:extLst>
+              <a:ext uri="{FF2B5EF4-FFF2-40B4-BE49-F238E27FC236}">
+                <a16:creationId xmlns:a16="http://schemas.microsoft.com/office/drawing/2014/main" id="{E127DA5F-B542-4FD5-804E-EE7D91A89E39}"/>
+              </a:ext>
+            </a:extLst>
+          </p:cNvPr>
+          <p:cNvSpPr txBox="1"/>
+          <p:nvPr/>
+        </p:nvSpPr>
+        <p:spPr>
+          <a:xfrm>
+            <a:off x="457200" y="6502400"/>
+            <a:ext cx="5729287" cy="622199"/>
+          </a:xfrm>
+          <a:prstGeom prst="rect">
+            <a:avLst/>
+          </a:prstGeom>
+          <a:noFill/>
+          <a:ln>
+            <a:noFill/>
+          </a:ln>
+        </p:spPr>
+        <p:txBody>
+          <a:bodyPr lIns="0" tIns="0" rIns="0" bIns="0" anchor="ctr" anchorCtr="0">
+            <a:noAutofit/>
+          </a:bodyPr>
+          <a:lstStyle/>
+          <a:p>
+            <a:pPr marL="0" marR="0" lvl="0" indent="0" algn="ctr" rtl="0">
+              <a:lnSpc>
+                <a:spcPct val="100000"/>
+              </a:lnSpc>
+              <a:spcBef>
+                <a:spcPts val="0"/>
+              </a:spcBef>
+              <a:spcAft>
+                <a:spcPts val="0"/>
+              </a:spcAft>
+              <a:buClr>
+                <a:schemeClr val="lt1"/>
+              </a:buClr>
+              <a:buSzPct val="25000"/>
+              <a:buFont typeface="Cabin"/>
+              <a:buNone/>
+            </a:pPr>
+            <a:r>
+              <a:rPr lang="el-GR" sz="3600" u="none" strike="noStrike" cap="none" dirty="0" err="1">
+                <a:solidFill>
+                  <a:schemeClr val="lt1"/>
+                </a:solidFill>
+                <a:latin typeface="Arial" charset="0"/>
+                <a:ea typeface="Arial" charset="0"/>
+                <a:cs typeface="Arial" charset="0"/>
+                <a:sym typeface="Cabin"/>
+              </a:rPr>
+              <a:t>μεγαλύτερος_μέχρι</a:t>
+            </a:r>
+            <a:r>
+              <a:rPr lang="el-GR" sz="3600" dirty="0" err="1">
+                <a:solidFill>
+                  <a:schemeClr val="lt1"/>
+                </a:solidFill>
+                <a:latin typeface="Arial" charset="0"/>
+                <a:ea typeface="Arial" charset="0"/>
+                <a:cs typeface="Arial" charset="0"/>
+                <a:sym typeface="Cabin"/>
+              </a:rPr>
+              <a:t>_στιγμής</a:t>
+            </a:r>
+            <a:endParaRPr lang="en-US" sz="3600" u="none" strike="noStrike" cap="none" dirty="0">
+              <a:solidFill>
+                <a:schemeClr val="lt1"/>
               </a:solidFill>
               <a:latin typeface="Arial" charset="0"/>
               <a:ea typeface="Arial" charset="0"/>
@@ -26864,72 +27080,6 @@
       </p:sp>
       <p:sp>
         <p:nvSpPr>
-          <p:cNvPr id="5" name="Shape 598"/>
-          <p:cNvSpPr txBox="1"/>
-          <p:nvPr/>
-        </p:nvSpPr>
-        <p:spPr>
-          <a:xfrm>
-            <a:off x="2841624" y="6502400"/>
-            <a:ext cx="3344863" cy="622199"/>
-          </a:xfrm>
-          <a:prstGeom prst="rect">
-            <a:avLst/>
-          </a:prstGeom>
-          <a:noFill/>
-          <a:ln>
-            <a:noFill/>
-          </a:ln>
-        </p:spPr>
-        <p:txBody>
-          <a:bodyPr lIns="0" tIns="0" rIns="0" bIns="0" anchor="ctr" anchorCtr="0">
-            <a:noAutofit/>
-          </a:bodyPr>
-          <a:lstStyle/>
-          <a:p>
-            <a:pPr marL="0" marR="0" lvl="0" indent="0" algn="ctr" rtl="0">
-              <a:lnSpc>
-                <a:spcPct val="100000"/>
-              </a:lnSpc>
-              <a:spcBef>
-                <a:spcPts val="0"/>
-              </a:spcBef>
-              <a:spcAft>
-                <a:spcPts val="0"/>
-              </a:spcAft>
-              <a:buClr>
-                <a:schemeClr val="lt1"/>
-              </a:buClr>
-              <a:buSzPct val="25000"/>
-              <a:buFont typeface="Cabin"/>
-              <a:buNone/>
-            </a:pPr>
-            <a:r>
-              <a:rPr lang="en-US" sz="3600" u="none" strike="noStrike" cap="none" dirty="0" err="1">
-                <a:solidFill>
-                  <a:schemeClr val="lt1"/>
-                </a:solidFill>
-                <a:latin typeface="Arial" charset="0"/>
-                <a:ea typeface="Arial" charset="0"/>
-                <a:cs typeface="Arial" charset="0"/>
-                <a:sym typeface="Cabin"/>
-              </a:rPr>
-              <a:t>largest_so_far</a:t>
-            </a:r>
-            <a:endParaRPr lang="en-US" sz="3600" u="none" strike="noStrike" cap="none" dirty="0">
-              <a:solidFill>
-                <a:schemeClr val="lt1"/>
-              </a:solidFill>
-              <a:latin typeface="Arial" charset="0"/>
-              <a:ea typeface="Arial" charset="0"/>
-              <a:cs typeface="Arial" charset="0"/>
-              <a:sym typeface="Cabin"/>
-            </a:endParaRPr>
-          </a:p>
-        </p:txBody>
-      </p:sp>
-      <p:sp>
-        <p:nvSpPr>
           <p:cNvPr id="6" name="Shape 599"/>
           <p:cNvSpPr txBox="1"/>
           <p:nvPr/>
@@ -26982,6 +27132,90 @@
               </a:rPr>
               <a:t>74</a:t>
             </a:r>
+          </a:p>
+        </p:txBody>
+      </p:sp>
+      <p:sp>
+        <p:nvSpPr>
+          <p:cNvPr id="7" name="Shape 598">
+            <a:extLst>
+              <a:ext uri="{FF2B5EF4-FFF2-40B4-BE49-F238E27FC236}">
+                <a16:creationId xmlns:a16="http://schemas.microsoft.com/office/drawing/2014/main" id="{D08457CB-2F26-4EAD-9640-77F716259996}"/>
+              </a:ext>
+            </a:extLst>
+          </p:cNvPr>
+          <p:cNvSpPr txBox="1"/>
+          <p:nvPr/>
+        </p:nvSpPr>
+        <p:spPr>
+          <a:xfrm>
+            <a:off x="457200" y="6502400"/>
+            <a:ext cx="5729287" cy="622199"/>
+          </a:xfrm>
+          <a:prstGeom prst="rect">
+            <a:avLst/>
+          </a:prstGeom>
+          <a:noFill/>
+          <a:ln>
+            <a:noFill/>
+          </a:ln>
+        </p:spPr>
+        <p:txBody>
+          <a:bodyPr lIns="0" tIns="0" rIns="0" bIns="0" anchor="ctr" anchorCtr="0">
+            <a:noAutofit/>
+          </a:bodyPr>
+          <a:lstStyle/>
+          <a:p>
+            <a:pPr marL="0" marR="0" lvl="0" indent="0" algn="ctr" rtl="0">
+              <a:lnSpc>
+                <a:spcPct val="100000"/>
+              </a:lnSpc>
+              <a:spcBef>
+                <a:spcPts val="0"/>
+              </a:spcBef>
+              <a:spcAft>
+                <a:spcPts val="0"/>
+              </a:spcAft>
+              <a:buClr>
+                <a:schemeClr val="lt1"/>
+              </a:buClr>
+              <a:buSzPct val="25000"/>
+              <a:buFont typeface="Cabin"/>
+              <a:buNone/>
+            </a:pPr>
+            <a:r>
+              <a:rPr lang="el-GR" sz="3600" u="none" strike="noStrike" cap="none" dirty="0" err="1">
+                <a:solidFill>
+                  <a:schemeClr val="lt1"/>
+                </a:solidFill>
+                <a:latin typeface="Arial" charset="0"/>
+                <a:ea typeface="Arial" charset="0"/>
+                <a:cs typeface="Arial" charset="0"/>
+                <a:sym typeface="Cabin"/>
+              </a:rPr>
+              <a:t>μεγαλύτερος_μέχρι</a:t>
+            </a:r>
+            <a:r>
+              <a:rPr lang="el-GR" sz="3600" dirty="0" err="1">
+                <a:solidFill>
+                  <a:schemeClr val="lt1"/>
+                </a:solidFill>
+                <a:latin typeface="Arial" charset="0"/>
+                <a:ea typeface="Arial" charset="0"/>
+                <a:cs typeface="Arial" charset="0"/>
+                <a:sym typeface="Cabin"/>
+              </a:rPr>
+              <a:t>_στιγμής</a:t>
+            </a:r>
+            <a:endParaRPr lang="en-US" sz="3600" u="none" strike="noStrike" cap="none" dirty="0">
+              <a:solidFill>
+                <a:schemeClr val="lt1"/>
+              </a:solidFill>
+              <a:latin typeface="Arial" charset="0"/>
+              <a:ea typeface="Arial" charset="0"/>
+              <a:cs typeface="Arial" charset="0"/>
+              <a:sym typeface="Cabin"/>
+            </a:endParaRPr>
           </a:p>
         </p:txBody>
       </p:sp>
@@ -29567,8 +29801,8 @@
         </p:nvSpPr>
         <p:spPr>
           <a:xfrm>
-            <a:off x="1620375" y="3009225"/>
-            <a:ext cx="7995899" cy="3324300"/>
+            <a:off x="1066801" y="3009225"/>
+            <a:ext cx="8549474" cy="3324300"/>
           </a:xfrm>
           <a:prstGeom prst="rect">
             <a:avLst/>
@@ -29602,7 +29836,7 @@
               <a:buNone/>
             </a:pPr>
             <a:r>
-              <a:rPr lang="en-US" sz="2600" dirty="0" err="1">
+              <a:rPr lang="el-GR" sz="2600" dirty="0" err="1">
                 <a:solidFill>
                   <a:srgbClr val="00FF00"/>
                 </a:solidFill>
@@ -29611,7 +29845,7 @@
                 <a:cs typeface="Courier"/>
                 <a:sym typeface="Courier New"/>
               </a:rPr>
-              <a:t>largest_so_far</a:t>
+              <a:t>μεγαλύτερος_μέχρι_στιγμής</a:t>
             </a:r>
             <a:r>
               <a:rPr lang="en-US" sz="2600" dirty="0">
@@ -29703,7 +29937,7 @@
               <a:t>', </a:t>
             </a:r>
             <a:r>
-              <a:rPr lang="en-US" sz="2600" dirty="0" err="1">
+              <a:rPr lang="el-GR" sz="2600" dirty="0" err="1">
                 <a:solidFill>
                   <a:srgbClr val="00FF00"/>
                 </a:solidFill>
@@ -29712,7 +29946,7 @@
                 <a:cs typeface="Courier"/>
                 <a:sym typeface="Courier New"/>
               </a:rPr>
-              <a:t>largest_so_far</a:t>
+              <a:t>μεγαλύτερος_μέχρι_στιγμής</a:t>
             </a:r>
             <a:r>
               <a:rPr lang="en-US" sz="2600" dirty="0">
@@ -29770,7 +30004,7 @@
               <a:t> </a:t>
             </a:r>
             <a:r>
-              <a:rPr lang="en-US" sz="2600" i="0" u="none" strike="noStrike" cap="none" dirty="0" err="1">
+              <a:rPr lang="el-GR" sz="2600" i="0" u="none" strike="noStrike" cap="none" dirty="0">
                 <a:solidFill>
                   <a:srgbClr val="FF00FF"/>
                 </a:solidFill>
@@ -29779,31 +30013,7 @@
                 <a:cs typeface="Courier"/>
                 <a:sym typeface="Courier New"/>
               </a:rPr>
-              <a:t>th</a:t>
-            </a:r>
-            <a:r>
-              <a:rPr lang="en-US" sz="2600" dirty="0" err="1">
-                <a:solidFill>
-                  <a:srgbClr val="FF00FF"/>
-                </a:solidFill>
-                <a:latin typeface="Courier"/>
-                <a:ea typeface="Courier"/>
-                <a:cs typeface="Courier"/>
-                <a:sym typeface="Courier New"/>
-              </a:rPr>
-              <a:t>e_num</a:t>
-            </a:r>
-            <a:r>
-              <a:rPr lang="en-US" sz="2600" i="0" u="none" strike="noStrike" cap="none" dirty="0">
-                <a:solidFill>
-                  <a:srgbClr val="FF00FF"/>
-                </a:solidFill>
-                <a:latin typeface="Courier"/>
-                <a:ea typeface="Courier"/>
-                <a:cs typeface="Courier"/>
-                <a:sym typeface="Courier New"/>
-              </a:rPr>
-              <a:t> </a:t>
+              <a:t>αριθμό </a:t>
             </a:r>
             <a:r>
               <a:rPr lang="en-US" sz="2600" i="0" u="none" strike="noStrike" cap="none" dirty="0">
@@ -29861,7 +30071,7 @@
               <a:t>   if </a:t>
             </a:r>
             <a:r>
-              <a:rPr lang="en-US" sz="2600" dirty="0" err="1">
+              <a:rPr lang="el-GR" sz="2600" i="0" u="none" strike="noStrike" cap="none" dirty="0">
                 <a:solidFill>
                   <a:srgbClr val="FF00FF"/>
                 </a:solidFill>
@@ -29870,7 +30080,7 @@
                 <a:cs typeface="Courier"/>
                 <a:sym typeface="Courier New"/>
               </a:rPr>
-              <a:t>the_num</a:t>
+              <a:t>αριθμό</a:t>
             </a:r>
             <a:r>
               <a:rPr lang="en-US" sz="2600" dirty="0">
@@ -29885,7 +30095,7 @@
               <a:t> &gt; </a:t>
             </a:r>
             <a:r>
-              <a:rPr lang="en-US" sz="2600" dirty="0" err="1">
+              <a:rPr lang="el-GR" sz="2600" dirty="0" err="1">
                 <a:solidFill>
                   <a:srgbClr val="00FF00"/>
                 </a:solidFill>
@@ -29894,7 +30104,7 @@
                 <a:cs typeface="Courier"/>
                 <a:sym typeface="Courier New"/>
               </a:rPr>
-              <a:t>largest_so_far</a:t>
+              <a:t>μεγαλύτερος_μέχρι_στιγμής</a:t>
             </a:r>
             <a:r>
               <a:rPr lang="en-US" sz="2600" dirty="0">
@@ -29928,7 +30138,43 @@
               <a:buNone/>
             </a:pPr>
             <a:r>
-              <a:rPr lang="en-US" sz="2600" i="0" u="none" strike="noStrike" cap="none" dirty="0">
+              <a:rPr lang="el-GR" sz="2600" dirty="0">
+                <a:solidFill>
+                  <a:srgbClr val="00FF00"/>
+                </a:solidFill>
+                <a:latin typeface="Courier"/>
+                <a:ea typeface="Courier"/>
+                <a:cs typeface="Courier"/>
+                <a:sym typeface="Courier New"/>
+              </a:rPr>
+              <a:t>	  </a:t>
+            </a:r>
+            <a:r>
+              <a:rPr lang="el-GR" sz="2600" dirty="0" err="1">
+                <a:solidFill>
+                  <a:srgbClr val="00FF00"/>
+                </a:solidFill>
+                <a:latin typeface="Courier"/>
+                <a:ea typeface="Courier"/>
+                <a:cs typeface="Courier"/>
+                <a:sym typeface="Courier New"/>
+              </a:rPr>
+              <a:t>μεγαλύτερος_μέχρι_στιγμής</a:t>
+            </a:r>
+            <a:r>
+              <a:rPr lang="en-US" sz="2600" dirty="0">
+                <a:solidFill>
+                  <a:srgbClr val="00FF00"/>
+                </a:solidFill>
+                <a:latin typeface="Courier"/>
+                <a:ea typeface="Courier"/>
+                <a:cs typeface="Courier"/>
+                <a:sym typeface="Courier New"/>
+              </a:rPr>
+              <a:t> = </a:t>
+            </a:r>
+            <a:r>
+              <a:rPr lang="el-GR" sz="2600" i="0" u="none" strike="noStrike" cap="none" dirty="0">
                 <a:solidFill>
                   <a:srgbClr val="FF00FF"/>
                 </a:solidFill>
@@ -29937,43 +30183,7 @@
                 <a:cs typeface="Courier"/>
                 <a:sym typeface="Courier New"/>
               </a:rPr>
-              <a:t>      </a:t>
-            </a:r>
-            <a:r>
-              <a:rPr lang="en-US" sz="2600" dirty="0" err="1">
-                <a:solidFill>
-                  <a:srgbClr val="00FF00"/>
-                </a:solidFill>
-                <a:latin typeface="Courier"/>
-                <a:ea typeface="Courier"/>
-                <a:cs typeface="Courier"/>
-                <a:sym typeface="Courier New"/>
-              </a:rPr>
-              <a:t>largest_so_far</a:t>
-            </a:r>
-            <a:r>
-              <a:rPr lang="en-US" sz="2600" dirty="0">
-                <a:solidFill>
-                  <a:srgbClr val="00FF00"/>
-                </a:solidFill>
-                <a:latin typeface="Courier"/>
-                <a:ea typeface="Courier"/>
-                <a:cs typeface="Courier"/>
-                <a:sym typeface="Courier New"/>
-              </a:rPr>
-              <a:t> = </a:t>
-            </a:r>
-            <a:r>
-              <a:rPr lang="en-US" sz="2600" dirty="0" err="1">
-                <a:solidFill>
-                  <a:srgbClr val="FF00FF"/>
-                </a:solidFill>
-                <a:latin typeface="Courier"/>
-                <a:ea typeface="Courier"/>
-                <a:cs typeface="Courier"/>
-                <a:sym typeface="Courier New"/>
-              </a:rPr>
-              <a:t>the_num</a:t>
+              <a:t>αριθμό</a:t>
             </a:r>
             <a:endParaRPr lang="en-US" sz="2600" dirty="0">
               <a:solidFill>
@@ -30040,7 +30250,7 @@
               <a:t>(</a:t>
             </a:r>
             <a:r>
-              <a:rPr lang="en-US" sz="2600" dirty="0" err="1">
+              <a:rPr lang="el-GR" sz="2600" dirty="0" err="1">
                 <a:solidFill>
                   <a:srgbClr val="00FF00"/>
                 </a:solidFill>
@@ -30049,7 +30259,7 @@
                 <a:cs typeface="Courier"/>
                 <a:sym typeface="Courier New"/>
               </a:rPr>
-              <a:t>largest_so_far</a:t>
+              <a:t>μεγαλύτερος_μέχρι_στιγμής</a:t>
             </a:r>
             <a:r>
               <a:rPr lang="en-US" sz="2600" dirty="0">
@@ -30076,7 +30286,7 @@
               <a:t> </a:t>
             </a:r>
             <a:r>
-              <a:rPr lang="en-US" sz="2600" dirty="0" err="1">
+              <a:rPr lang="el-GR" sz="2600" i="0" u="none" strike="noStrike" cap="none" dirty="0">
                 <a:solidFill>
                   <a:srgbClr val="FF00FF"/>
                 </a:solidFill>
@@ -30085,7 +30295,7 @@
                 <a:cs typeface="Courier"/>
                 <a:sym typeface="Courier New"/>
               </a:rPr>
-              <a:t>the_num</a:t>
+              <a:t>αριθμό</a:t>
             </a:r>
             <a:r>
               <a:rPr lang="en-US" sz="2600" dirty="0">
@@ -30204,7 +30414,7 @@
               <a:t>', </a:t>
             </a:r>
             <a:r>
-              <a:rPr lang="en-US" sz="2600" dirty="0" err="1">
+              <a:rPr lang="el-GR" sz="2600" dirty="0" err="1">
                 <a:solidFill>
                   <a:srgbClr val="00FF00"/>
                 </a:solidFill>
@@ -30213,7 +30423,7 @@
                 <a:cs typeface="Courier"/>
                 <a:sym typeface="Courier New"/>
               </a:rPr>
-              <a:t>largest_so_far</a:t>
+              <a:t>μεγαλύτερος_μέχρι_στιγμής</a:t>
             </a:r>
             <a:r>
               <a:rPr lang="en-US" sz="2600" dirty="0">
@@ -33599,8 +33809,8 @@
         </p:nvSpPr>
         <p:spPr>
           <a:xfrm>
-            <a:off x="838550" y="2717875"/>
-            <a:ext cx="7984200" cy="4061400"/>
+            <a:off x="655320" y="2717875"/>
+            <a:ext cx="9936480" cy="4061400"/>
           </a:xfrm>
           <a:prstGeom prst="rect">
             <a:avLst/>
@@ -33634,6 +33844,18 @@
               <a:buNone/>
             </a:pPr>
             <a:r>
+              <a:rPr lang="el-GR" sz="2600" i="0" u="none" strike="noStrike" cap="none" dirty="0">
+                <a:solidFill>
+                  <a:srgbClr val="00FFFF"/>
+                </a:solidFill>
+                <a:latin typeface="Courier"/>
+                <a:ea typeface="Courier"/>
+                <a:cs typeface="Courier"/>
+                <a:sym typeface="Courier New"/>
+              </a:rPr>
+              <a:t>πλήθος</a:t>
+            </a:r>
+            <a:r>
               <a:rPr lang="en-US" sz="2600" i="0" u="none" strike="noStrike" cap="none" dirty="0">
                 <a:solidFill>
                   <a:srgbClr val="00FFFF"/>
@@ -33643,7 +33865,7 @@
                 <a:cs typeface="Courier"/>
                 <a:sym typeface="Courier New"/>
               </a:rPr>
-              <a:t>count = 0</a:t>
+              <a:t> = 0</a:t>
             </a:r>
           </a:p>
           <a:p>
@@ -33665,6 +33887,18 @@
               <a:buNone/>
             </a:pPr>
             <a:r>
+              <a:rPr lang="el-GR" sz="2600" i="0" u="none" strike="noStrike" cap="none" dirty="0">
+                <a:solidFill>
+                  <a:srgbClr val="00FF00"/>
+                </a:solidFill>
+                <a:latin typeface="Courier"/>
+                <a:ea typeface="Courier"/>
+                <a:cs typeface="Courier"/>
+                <a:sym typeface="Courier New"/>
+              </a:rPr>
+              <a:t>άθροισμα</a:t>
+            </a:r>
+            <a:r>
               <a:rPr lang="en-US" sz="2600" i="0" u="none" strike="noStrike" cap="none" dirty="0">
                 <a:solidFill>
                   <a:srgbClr val="00FF00"/>
@@ -33674,7 +33908,7 @@
                 <a:cs typeface="Courier"/>
                 <a:sym typeface="Courier New"/>
               </a:rPr>
-              <a:t>sum = 0</a:t>
+              <a:t> = 0</a:t>
             </a:r>
           </a:p>
           <a:p>
@@ -33756,6 +33990,18 @@
               <a:t>', </a:t>
             </a:r>
             <a:r>
+              <a:rPr lang="el-GR" sz="2600" i="0" u="none" strike="noStrike" cap="none" dirty="0">
+                <a:solidFill>
+                  <a:srgbClr val="00FFFF"/>
+                </a:solidFill>
+                <a:latin typeface="Courier"/>
+                <a:ea typeface="Courier"/>
+                <a:cs typeface="Courier"/>
+                <a:sym typeface="Courier New"/>
+              </a:rPr>
+              <a:t>πλήθος</a:t>
+            </a:r>
+            <a:r>
               <a:rPr lang="en-US" sz="2600" i="0" u="none" strike="noStrike" cap="none" dirty="0">
                 <a:solidFill>
                   <a:srgbClr val="00FFFF"/>
@@ -33765,7 +34011,7 @@
                 <a:cs typeface="Courier"/>
                 <a:sym typeface="Courier New"/>
               </a:rPr>
-              <a:t>count,</a:t>
+              <a:t>,</a:t>
             </a:r>
             <a:r>
               <a:rPr lang="en-US" sz="2600" i="0" u="none" strike="noStrike" cap="none" dirty="0">
@@ -33780,7 +34026,7 @@
               <a:t> </a:t>
             </a:r>
             <a:r>
-              <a:rPr lang="en-US" sz="2600" i="0" u="none" strike="noStrike" cap="none" dirty="0">
+              <a:rPr lang="el-GR" sz="2600" i="0" u="none" strike="noStrike" cap="none" dirty="0">
                 <a:solidFill>
                   <a:srgbClr val="00FF00"/>
                 </a:solidFill>
@@ -33789,7 +34035,7 @@
                 <a:cs typeface="Courier"/>
                 <a:sym typeface="Courier New"/>
               </a:rPr>
-              <a:t>sum</a:t>
+              <a:t>άθροισμα</a:t>
             </a:r>
             <a:r>
               <a:rPr lang="en-US" sz="2600" i="0" u="none" strike="noStrike" cap="none" dirty="0">
@@ -33844,7 +34090,31 @@
                 <a:cs typeface="Courier"/>
                 <a:sym typeface="Courier New"/>
               </a:rPr>
-              <a:t> value </a:t>
+              <a:t> </a:t>
+            </a:r>
+            <a:r>
+              <a:rPr lang="el-GR" sz="2600" i="0" u="none" strike="noStrike" cap="none" dirty="0">
+                <a:solidFill>
+                  <a:srgbClr val="FF00FF"/>
+                </a:solidFill>
+                <a:latin typeface="Courier"/>
+                <a:ea typeface="Courier"/>
+                <a:cs typeface="Courier"/>
+                <a:sym typeface="Courier New"/>
+              </a:rPr>
+              <a:t>τιμή</a:t>
+            </a:r>
+            <a:r>
+              <a:rPr lang="en-US" sz="2600" i="0" u="none" strike="noStrike" cap="none" dirty="0">
+                <a:solidFill>
+                  <a:srgbClr val="FF00FF"/>
+                </a:solidFill>
+                <a:latin typeface="Courier"/>
+                <a:ea typeface="Courier"/>
+                <a:cs typeface="Courier"/>
+                <a:sym typeface="Courier New"/>
+              </a:rPr>
+              <a:t> </a:t>
             </a:r>
             <a:r>
               <a:rPr lang="en-US" sz="2600" i="0" u="none" strike="noStrike" cap="none" dirty="0">
@@ -33899,7 +34169,55 @@
                 <a:cs typeface="Courier"/>
                 <a:sym typeface="Courier New"/>
               </a:rPr>
-              <a:t>    count = count + 1</a:t>
+              <a:t>    </a:t>
+            </a:r>
+            <a:r>
+              <a:rPr lang="el-GR" sz="2600" i="0" u="none" strike="noStrike" cap="none" dirty="0">
+                <a:solidFill>
+                  <a:schemeClr val="lt1"/>
+                </a:solidFill>
+                <a:latin typeface="Courier"/>
+                <a:ea typeface="Courier"/>
+                <a:cs typeface="Courier"/>
+                <a:sym typeface="Courier New"/>
+              </a:rPr>
+              <a:t>πλήθος</a:t>
+            </a:r>
+            <a:r>
+              <a:rPr lang="en-US" sz="2600" i="0" u="none" strike="noStrike" cap="none" dirty="0">
+                <a:solidFill>
+                  <a:schemeClr val="lt1"/>
+                </a:solidFill>
+                <a:latin typeface="Courier"/>
+                <a:ea typeface="Courier"/>
+                <a:cs typeface="Courier"/>
+                <a:sym typeface="Courier New"/>
+              </a:rPr>
+              <a:t> = </a:t>
+            </a:r>
+            <a:r>
+              <a:rPr lang="el-GR" sz="2600" i="0" u="none" strike="noStrike" cap="none" dirty="0">
+                <a:solidFill>
+                  <a:schemeClr val="lt1"/>
+                </a:solidFill>
+                <a:latin typeface="Courier"/>
+                <a:ea typeface="Courier"/>
+                <a:cs typeface="Courier"/>
+                <a:sym typeface="Courier New"/>
+              </a:rPr>
+              <a:t>πλήθος</a:t>
+            </a:r>
+            <a:r>
+              <a:rPr lang="en-US" sz="2600" i="0" u="none" strike="noStrike" cap="none" dirty="0">
+                <a:solidFill>
+                  <a:schemeClr val="lt1"/>
+                </a:solidFill>
+                <a:latin typeface="Courier"/>
+                <a:ea typeface="Courier"/>
+                <a:cs typeface="Courier"/>
+                <a:sym typeface="Courier New"/>
+              </a:rPr>
+              <a:t> + 1</a:t>
             </a:r>
           </a:p>
           <a:p>
@@ -33933,6 +34251,18 @@
               <a:t>    </a:t>
             </a:r>
             <a:r>
+              <a:rPr lang="el-GR" sz="2600" i="0" u="none" strike="noStrike" cap="none" dirty="0">
+                <a:solidFill>
+                  <a:schemeClr val="lt1"/>
+                </a:solidFill>
+                <a:latin typeface="Courier"/>
+                <a:ea typeface="Courier"/>
+                <a:cs typeface="Courier"/>
+                <a:sym typeface="Courier New"/>
+              </a:rPr>
+              <a:t>άθροισμα</a:t>
+            </a:r>
+            <a:r>
               <a:rPr lang="en-US" sz="2600" i="0" u="none" strike="noStrike" cap="none" dirty="0">
                 <a:solidFill>
                   <a:schemeClr val="lt1"/>
@@ -33942,8 +34272,53 @@
                 <a:cs typeface="Courier"/>
                 <a:sym typeface="Courier New"/>
               </a:rPr>
-              <a:t>sum = sum + value</a:t>
-            </a:r>
+              <a:t> = </a:t>
+            </a:r>
+            <a:r>
+              <a:rPr lang="el-GR" sz="2600" i="0" u="none" strike="noStrike" cap="none" dirty="0">
+                <a:solidFill>
+                  <a:schemeClr val="lt1"/>
+                </a:solidFill>
+                <a:latin typeface="Courier"/>
+                <a:ea typeface="Courier"/>
+                <a:cs typeface="Courier"/>
+                <a:sym typeface="Courier New"/>
+              </a:rPr>
+              <a:t>άθροισμα</a:t>
+            </a:r>
+            <a:r>
+              <a:rPr lang="en-US" sz="2600" i="0" u="none" strike="noStrike" cap="none" dirty="0">
+                <a:solidFill>
+                  <a:schemeClr val="lt1"/>
+                </a:solidFill>
+                <a:latin typeface="Courier"/>
+                <a:ea typeface="Courier"/>
+                <a:cs typeface="Courier"/>
+                <a:sym typeface="Courier New"/>
+              </a:rPr>
+              <a:t> + </a:t>
+            </a:r>
+            <a:r>
+              <a:rPr lang="el-GR" sz="2600" i="0" u="none" strike="noStrike" cap="none" dirty="0">
+                <a:solidFill>
+                  <a:schemeClr val="lt1"/>
+                </a:solidFill>
+                <a:latin typeface="Courier"/>
+                <a:ea typeface="Courier"/>
+                <a:cs typeface="Courier"/>
+                <a:sym typeface="Courier New"/>
+              </a:rPr>
+              <a:t>τιμή</a:t>
+            </a:r>
+            <a:endParaRPr lang="en-US" sz="2600" i="0" u="none" strike="noStrike" cap="none" dirty="0">
+              <a:solidFill>
+                <a:schemeClr val="lt1"/>
+              </a:solidFill>
+              <a:latin typeface="Courier"/>
+              <a:ea typeface="Courier"/>
+              <a:cs typeface="Courier"/>
+              <a:sym typeface="Courier New"/>
+            </a:endParaRPr>
           </a:p>
           <a:p>
             <a:pPr marL="0" marR="0" lvl="0" indent="0" algn="l" rtl="0">
@@ -34000,20 +34375,56 @@
               <a:t>(</a:t>
             </a:r>
             <a:r>
+              <a:rPr lang="el-GR" sz="2600" i="0" u="none" strike="noStrike" cap="none" dirty="0">
+                <a:solidFill>
+                  <a:srgbClr val="00FFFF"/>
+                </a:solidFill>
+                <a:latin typeface="Courier"/>
+                <a:ea typeface="Courier"/>
+                <a:cs typeface="Courier"/>
+                <a:sym typeface="Courier New"/>
+              </a:rPr>
+              <a:t>πλήθος</a:t>
+            </a:r>
+            <a:r>
               <a:rPr lang="en-US" sz="2600" i="0" u="none" strike="noStrike" cap="none" dirty="0">
                 <a:solidFill>
-                  <a:srgbClr val="00FFFF"/>
-                </a:solidFill>
-                <a:latin typeface="Courier"/>
-                <a:ea typeface="Courier"/>
-                <a:cs typeface="Courier"/>
-                <a:sym typeface="Courier New"/>
-              </a:rPr>
-              <a:t>count</a:t>
+                  <a:schemeClr val="lt1"/>
+                </a:solidFill>
+                <a:latin typeface="Courier"/>
+                <a:ea typeface="Courier"/>
+                <a:cs typeface="Courier"/>
+                <a:sym typeface="Courier New"/>
+              </a:rPr>
+              <a:t>, </a:t>
+            </a:r>
+            <a:r>
+              <a:rPr lang="el-GR" sz="2600" i="0" u="none" strike="noStrike" cap="none" dirty="0">
+                <a:solidFill>
+                  <a:srgbClr val="00FF00"/>
+                </a:solidFill>
+                <a:latin typeface="Courier"/>
+                <a:ea typeface="Courier"/>
+                <a:cs typeface="Courier"/>
+                <a:sym typeface="Courier New"/>
+              </a:rPr>
+              <a:t>άθροισμα</a:t>
             </a:r>
             <a:r>
               <a:rPr lang="en-US" sz="2600" i="0" u="none" strike="noStrike" cap="none" dirty="0">
                 <a:solidFill>
+                  <a:srgbClr val="00FF00"/>
+                </a:solidFill>
+                <a:latin typeface="Courier"/>
+                <a:ea typeface="Courier"/>
+                <a:cs typeface="Courier"/>
+                <a:sym typeface="Courier New"/>
+              </a:rPr>
+              <a:t>,</a:t>
+            </a:r>
+            <a:r>
+              <a:rPr lang="en-US" sz="2600" i="0" u="none" strike="noStrike" cap="none" dirty="0">
+                <a:solidFill>
                   <a:schemeClr val="lt1"/>
                 </a:solidFill>
                 <a:latin typeface="Courier"/>
@@ -34021,34 +34432,10 @@
                 <a:cs typeface="Courier"/>
                 <a:sym typeface="Courier New"/>
               </a:rPr>
-              <a:t>, </a:t>
-            </a:r>
-            <a:r>
-              <a:rPr lang="en-US" sz="2600" i="0" u="none" strike="noStrike" cap="none" dirty="0">
-                <a:solidFill>
-                  <a:srgbClr val="00FF00"/>
-                </a:solidFill>
-                <a:latin typeface="Courier"/>
-                <a:ea typeface="Courier"/>
-                <a:cs typeface="Courier"/>
-                <a:sym typeface="Courier New"/>
-              </a:rPr>
-              <a:t>sum,</a:t>
-            </a:r>
-            <a:r>
-              <a:rPr lang="en-US" sz="2600" i="0" u="none" strike="noStrike" cap="none" dirty="0">
-                <a:solidFill>
-                  <a:schemeClr val="lt1"/>
-                </a:solidFill>
-                <a:latin typeface="Courier"/>
-                <a:ea typeface="Courier"/>
-                <a:cs typeface="Courier"/>
-                <a:sym typeface="Courier New"/>
-              </a:rPr>
               <a:t> </a:t>
             </a:r>
             <a:r>
-              <a:rPr lang="en-US" sz="2600" i="0" u="none" strike="noStrike" cap="none" dirty="0">
+              <a:rPr lang="el-GR" sz="2600" i="0" u="none" strike="noStrike" cap="none" dirty="0">
                 <a:solidFill>
                   <a:srgbClr val="FF00FF"/>
                 </a:solidFill>
@@ -34057,7 +34444,7 @@
                 <a:cs typeface="Courier"/>
                 <a:sym typeface="Courier New"/>
               </a:rPr>
-              <a:t>value</a:t>
+              <a:t>τιμή</a:t>
             </a:r>
             <a:r>
               <a:rPr lang="en-US" sz="2600" i="0" u="none" strike="noStrike" cap="none" dirty="0">
@@ -34151,6 +34538,18 @@
               <a:t>', </a:t>
             </a:r>
             <a:r>
+              <a:rPr lang="el-GR" sz="2600" i="0" u="none" strike="noStrike" cap="none" dirty="0">
+                <a:solidFill>
+                  <a:srgbClr val="00FFFF"/>
+                </a:solidFill>
+                <a:latin typeface="Courier"/>
+                <a:ea typeface="Courier"/>
+                <a:cs typeface="Courier"/>
+                <a:sym typeface="Courier New"/>
+              </a:rPr>
+              <a:t>πλήθος</a:t>
+            </a:r>
+            <a:r>
               <a:rPr lang="en-US" sz="2600" i="0" u="none" strike="noStrike" cap="none" dirty="0">
                 <a:solidFill>
                   <a:srgbClr val="00FFFF"/>
@@ -34160,7 +34559,7 @@
                 <a:cs typeface="Courier"/>
                 <a:sym typeface="Courier New"/>
               </a:rPr>
-              <a:t>count,</a:t>
+              <a:t>,</a:t>
             </a:r>
             <a:r>
               <a:rPr lang="en-US" sz="2600" i="0" u="none" strike="noStrike" cap="none" dirty="0">
@@ -34175,6 +34574,18 @@
               <a:t> </a:t>
             </a:r>
             <a:r>
+              <a:rPr lang="el-GR" sz="2600" i="0" u="none" strike="noStrike" cap="none" dirty="0">
+                <a:solidFill>
+                  <a:srgbClr val="00FF00"/>
+                </a:solidFill>
+                <a:latin typeface="Courier"/>
+                <a:ea typeface="Courier"/>
+                <a:cs typeface="Courier"/>
+                <a:sym typeface="Courier New"/>
+              </a:rPr>
+              <a:t>άθροισμα</a:t>
+            </a:r>
+            <a:r>
               <a:rPr lang="en-US" sz="2600" i="0" u="none" strike="noStrike" cap="none" dirty="0">
                 <a:solidFill>
                   <a:srgbClr val="00FF00"/>
@@ -34184,7 +34595,7 @@
                 <a:cs typeface="Courier"/>
                 <a:sym typeface="Courier New"/>
               </a:rPr>
-              <a:t>sum,</a:t>
+              <a:t>,</a:t>
             </a:r>
             <a:r>
               <a:rPr lang="en-US" sz="2600" i="0" u="none" strike="noStrike" cap="none" dirty="0">
@@ -34199,6 +34610,18 @@
               <a:t> </a:t>
             </a:r>
             <a:r>
+              <a:rPr lang="el-GR" sz="2600" i="0" u="none" strike="noStrike" cap="none" dirty="0">
+                <a:solidFill>
+                  <a:srgbClr val="FFFF00"/>
+                </a:solidFill>
+                <a:latin typeface="Courier"/>
+                <a:ea typeface="Courier"/>
+                <a:cs typeface="Courier"/>
+                <a:sym typeface="Courier New"/>
+              </a:rPr>
+              <a:t>άθροισμα</a:t>
+            </a:r>
+            <a:r>
               <a:rPr lang="en-US" sz="2600" i="0" u="none" strike="noStrike" cap="none" dirty="0">
                 <a:solidFill>
                   <a:srgbClr val="FFFF00"/>
@@ -34208,7 +34631,19 @@
                 <a:cs typeface="Courier"/>
                 <a:sym typeface="Courier New"/>
               </a:rPr>
-              <a:t>sum / count</a:t>
+              <a:t> / </a:t>
+            </a:r>
+            <a:r>
+              <a:rPr lang="el-GR" sz="2600" i="0" u="none" strike="noStrike" cap="none" dirty="0">
+                <a:solidFill>
+                  <a:srgbClr val="FFFF00"/>
+                </a:solidFill>
+                <a:latin typeface="Courier"/>
+                <a:ea typeface="Courier"/>
+                <a:cs typeface="Courier"/>
+                <a:sym typeface="Courier New"/>
+              </a:rPr>
+              <a:t>πλήθος</a:t>
             </a:r>
             <a:r>
               <a:rPr lang="en-US" sz="2600" i="0" u="none" strike="noStrike" cap="none" dirty="0">
@@ -34233,7 +34668,7 @@
         </p:nvSpPr>
         <p:spPr>
           <a:xfrm>
-            <a:off x="10034575" y="2441575"/>
+            <a:off x="10877251" y="2466875"/>
             <a:ext cx="4540199" cy="4746600"/>
           </a:xfrm>
           <a:prstGeom prst="rect">
@@ -35329,7 +35764,31 @@
                 <a:cs typeface="Courier"/>
                 <a:sym typeface="Courier New"/>
               </a:rPr>
-              <a:t> value </a:t>
+              <a:t> </a:t>
+            </a:r>
+            <a:r>
+              <a:rPr lang="el-GR" sz="2600" i="0" u="none" strike="noStrike" cap="none" dirty="0">
+                <a:solidFill>
+                  <a:srgbClr val="FF00FF"/>
+                </a:solidFill>
+                <a:latin typeface="Courier"/>
+                <a:ea typeface="Courier"/>
+                <a:cs typeface="Courier"/>
+                <a:sym typeface="Courier New"/>
+              </a:rPr>
+              <a:t>τιμή</a:t>
+            </a:r>
+            <a:r>
+              <a:rPr lang="en-US" sz="2600" i="0" u="none" strike="noStrike" cap="none" dirty="0">
+                <a:solidFill>
+                  <a:srgbClr val="FF00FF"/>
+                </a:solidFill>
+                <a:latin typeface="Courier"/>
+                <a:ea typeface="Courier"/>
+                <a:cs typeface="Courier"/>
+                <a:sym typeface="Courier New"/>
+              </a:rPr>
+              <a:t> </a:t>
             </a:r>
             <a:r>
               <a:rPr lang="en-US" sz="2600" i="0" u="none" strike="noStrike" cap="none" dirty="0">
@@ -35411,7 +35870,7 @@
               <a:t> </a:t>
             </a:r>
             <a:r>
-              <a:rPr lang="en-US" sz="2600" i="0" u="none" strike="noStrike" cap="none" dirty="0">
+              <a:rPr lang="el-GR" sz="2600" i="0" u="none" strike="noStrike" cap="none" dirty="0">
                 <a:solidFill>
                   <a:srgbClr val="FF00FF"/>
                 </a:solidFill>
@@ -35420,7 +35879,7 @@
                 <a:cs typeface="Courier"/>
                 <a:sym typeface="Courier New"/>
               </a:rPr>
-              <a:t>value</a:t>
+              <a:t>τιμή</a:t>
             </a:r>
             <a:r>
               <a:rPr lang="en-US" sz="2600" i="0" u="none" strike="noStrike" cap="none" dirty="0">
@@ -35487,7 +35946,31 @@
                 <a:cs typeface="Courier"/>
                 <a:sym typeface="Courier New"/>
               </a:rPr>
-              <a:t>',value)</a:t>
+              <a:t>',</a:t>
+            </a:r>
+            <a:r>
+              <a:rPr lang="el-GR" sz="2600" i="0" u="none" strike="noStrike" cap="none" dirty="0">
+                <a:solidFill>
+                  <a:srgbClr val="00FFFF"/>
+                </a:solidFill>
+                <a:latin typeface="Courier"/>
+                <a:ea typeface="Courier"/>
+                <a:cs typeface="Courier"/>
+                <a:sym typeface="Courier New"/>
+              </a:rPr>
+              <a:t> τιμή</a:t>
+            </a:r>
+            <a:r>
+              <a:rPr lang="en-US" sz="2600" i="0" u="none" strike="noStrike" cap="none" dirty="0">
+                <a:solidFill>
+                  <a:srgbClr val="00FFFF"/>
+                </a:solidFill>
+                <a:latin typeface="Courier"/>
+                <a:ea typeface="Courier"/>
+                <a:cs typeface="Courier"/>
+                <a:sym typeface="Courier New"/>
+              </a:rPr>
+              <a:t>)</a:t>
             </a:r>
           </a:p>
           <a:p>
@@ -36115,6 +36598,18 @@
               <a:buNone/>
             </a:pPr>
             <a:r>
+              <a:rPr lang="el-GR" sz="2600" i="0" u="none" strike="noStrike" cap="none" dirty="0">
+                <a:solidFill>
+                  <a:srgbClr val="00FF00"/>
+                </a:solidFill>
+                <a:latin typeface="Courier"/>
+                <a:ea typeface="Courier"/>
+                <a:cs typeface="Courier"/>
+                <a:sym typeface="Courier New"/>
+              </a:rPr>
+              <a:t>βρέθηκε</a:t>
+            </a:r>
+            <a:r>
               <a:rPr lang="en-US" sz="2600" i="0" u="none" strike="noStrike" cap="none" dirty="0">
                 <a:solidFill>
                   <a:srgbClr val="00FF00"/>
@@ -36124,7 +36619,7 @@
                 <a:cs typeface="Courier"/>
                 <a:sym typeface="Courier New"/>
               </a:rPr>
-              <a:t>found = </a:t>
+              <a:t> = </a:t>
             </a:r>
             <a:r>
               <a:rPr lang="en-US" sz="2600" i="0" u="none" strike="noStrike" cap="none" dirty="0">
@@ -36218,7 +36713,7 @@
               <a:t>', </a:t>
             </a:r>
             <a:r>
-              <a:rPr lang="en-US" sz="2600" i="0" u="none" strike="noStrike" cap="none" dirty="0">
+              <a:rPr lang="el-GR" sz="2600" i="0" u="none" strike="noStrike" cap="none" dirty="0">
                 <a:solidFill>
                   <a:srgbClr val="00FF00"/>
                 </a:solidFill>
@@ -36227,7 +36722,7 @@
                 <a:cs typeface="Courier"/>
                 <a:sym typeface="Courier New"/>
               </a:rPr>
-              <a:t>found</a:t>
+              <a:t>βρέθηκε</a:t>
             </a:r>
             <a:r>
               <a:rPr lang="en-US" sz="2600" i="0" u="none" strike="noStrike" cap="none" dirty="0">
@@ -36282,7 +36777,31 @@
                 <a:cs typeface="Courier"/>
                 <a:sym typeface="Courier New"/>
               </a:rPr>
-              <a:t> value </a:t>
+              <a:t> </a:t>
+            </a:r>
+            <a:r>
+              <a:rPr lang="el-GR" sz="2600" i="0" u="none" strike="noStrike" cap="none" dirty="0">
+                <a:solidFill>
+                  <a:srgbClr val="FF00FF"/>
+                </a:solidFill>
+                <a:latin typeface="Courier"/>
+                <a:ea typeface="Courier"/>
+                <a:cs typeface="Courier"/>
+                <a:sym typeface="Courier New"/>
+              </a:rPr>
+              <a:t>τιμή</a:t>
+            </a:r>
+            <a:r>
+              <a:rPr lang="en-US" sz="2600" i="0" u="none" strike="noStrike" cap="none" dirty="0">
+                <a:solidFill>
+                  <a:srgbClr val="FF00FF"/>
+                </a:solidFill>
+                <a:latin typeface="Courier"/>
+                <a:ea typeface="Courier"/>
+                <a:cs typeface="Courier"/>
+                <a:sym typeface="Courier New"/>
+              </a:rPr>
+              <a:t> </a:t>
             </a:r>
             <a:r>
               <a:rPr lang="en-US" sz="2600" i="0" u="none" strike="noStrike" cap="none" dirty="0">
@@ -36361,7 +36880,31 @@
                 <a:cs typeface="Courier"/>
                 <a:sym typeface="Courier New"/>
               </a:rPr>
-              <a:t> value == 3 :</a:t>
+              <a:t> </a:t>
+            </a:r>
+            <a:r>
+              <a:rPr lang="el-GR" sz="2600" i="0" u="none" strike="noStrike" cap="none" dirty="0">
+                <a:solidFill>
+                  <a:srgbClr val="FF00FF"/>
+                </a:solidFill>
+                <a:latin typeface="Courier"/>
+                <a:ea typeface="Courier"/>
+                <a:cs typeface="Courier"/>
+                <a:sym typeface="Courier New"/>
+              </a:rPr>
+              <a:t>τιμή</a:t>
+            </a:r>
+            <a:r>
+              <a:rPr lang="en-US" sz="2600" i="0" u="none" strike="noStrike" cap="none" dirty="0">
+                <a:solidFill>
+                  <a:srgbClr val="FF00FF"/>
+                </a:solidFill>
+                <a:latin typeface="Courier"/>
+                <a:ea typeface="Courier"/>
+                <a:cs typeface="Courier"/>
+                <a:sym typeface="Courier New"/>
+              </a:rPr>
+              <a:t> == 3 :</a:t>
             </a:r>
           </a:p>
           <a:p>
@@ -36383,20 +36926,20 @@
               <a:buNone/>
             </a:pPr>
             <a:r>
+              <a:rPr lang="el-GR" sz="2600" i="0" u="none" strike="noStrike" cap="none" dirty="0">
+                <a:solidFill>
+                  <a:srgbClr val="00FF00"/>
+                </a:solidFill>
+                <a:latin typeface="Courier"/>
+                <a:ea typeface="Courier"/>
+                <a:cs typeface="Courier"/>
+                <a:sym typeface="Courier New"/>
+              </a:rPr>
+              <a:t>	  βρέθηκε</a:t>
+            </a:r>
+            <a:r>
               <a:rPr lang="en-US" sz="2600" i="0" u="none" strike="noStrike" cap="none" dirty="0">
                 <a:solidFill>
-                  <a:srgbClr val="FF00FF"/>
-                </a:solidFill>
-                <a:latin typeface="Courier"/>
-                <a:ea typeface="Courier"/>
-                <a:cs typeface="Courier"/>
-                <a:sym typeface="Courier New"/>
-              </a:rPr>
-              <a:t> </a:t>
-            </a:r>
-            <a:r>
-              <a:rPr lang="en-US" sz="2600" i="0" u="none" strike="noStrike" cap="none" dirty="0">
-                <a:solidFill>
                   <a:srgbClr val="00FF00"/>
                 </a:solidFill>
                 <a:latin typeface="Courier"/>
@@ -36404,7 +36947,7 @@
                 <a:cs typeface="Courier"/>
                 <a:sym typeface="Courier New"/>
               </a:rPr>
-              <a:t>      found = </a:t>
+              <a:t> = </a:t>
             </a:r>
             <a:r>
               <a:rPr lang="en-US" sz="2600" i="0" u="none" strike="noStrike" cap="none" dirty="0">
@@ -36474,20 +37017,20 @@
               <a:t>(</a:t>
             </a:r>
             <a:r>
+              <a:rPr lang="el-GR" sz="2600" i="0" u="none" strike="noStrike" cap="none" dirty="0">
+                <a:solidFill>
+                  <a:srgbClr val="00FF00"/>
+                </a:solidFill>
+                <a:latin typeface="Courier"/>
+                <a:ea typeface="Courier"/>
+                <a:cs typeface="Courier"/>
+                <a:sym typeface="Courier New"/>
+              </a:rPr>
+              <a:t>βρέθηκε</a:t>
+            </a:r>
+            <a:r>
               <a:rPr lang="en-US" sz="2600" i="0" u="none" strike="noStrike" cap="none" dirty="0">
                 <a:solidFill>
-                  <a:srgbClr val="00FF00"/>
-                </a:solidFill>
-                <a:latin typeface="Courier"/>
-                <a:ea typeface="Courier"/>
-                <a:cs typeface="Courier"/>
-                <a:sym typeface="Courier New"/>
-              </a:rPr>
-              <a:t>found</a:t>
-            </a:r>
-            <a:r>
-              <a:rPr lang="en-US" sz="2600" i="0" u="none" strike="noStrike" cap="none" dirty="0">
-                <a:solidFill>
                   <a:srgbClr val="FF00FF"/>
                 </a:solidFill>
                 <a:latin typeface="Courier"/>
@@ -36495,7 +37038,19 @@
                 <a:cs typeface="Courier"/>
                 <a:sym typeface="Courier New"/>
               </a:rPr>
-              <a:t>, value</a:t>
+              <a:t>, </a:t>
+            </a:r>
+            <a:r>
+              <a:rPr lang="el-GR" sz="2600" i="0" u="none" strike="noStrike" cap="none" dirty="0">
+                <a:solidFill>
+                  <a:srgbClr val="FF00FF"/>
+                </a:solidFill>
+                <a:latin typeface="Courier"/>
+                <a:ea typeface="Courier"/>
+                <a:cs typeface="Courier"/>
+                <a:sym typeface="Courier New"/>
+              </a:rPr>
+              <a:t>τιμή</a:t>
             </a:r>
             <a:r>
               <a:rPr lang="en-US" sz="2600" i="0" u="none" strike="noStrike" cap="none" dirty="0">
@@ -36589,7 +37144,7 @@
               <a:t>', </a:t>
             </a:r>
             <a:r>
-              <a:rPr lang="en-US" sz="2600" b="1" i="0" u="none" strike="noStrike" cap="none" dirty="0">
+              <a:rPr lang="el-GR" sz="2600" b="1" i="0" u="none" strike="noStrike" cap="none" dirty="0">
                 <a:solidFill>
                   <a:srgbClr val="00FF00"/>
                 </a:solidFill>
@@ -36598,7 +37153,7 @@
                 <a:cs typeface="Courier"/>
                 <a:sym typeface="Courier New"/>
               </a:rPr>
-              <a:t>found</a:t>
+              <a:t>βρέθηκε</a:t>
             </a:r>
             <a:r>
               <a:rPr lang="en-US" sz="2600" b="1" i="0" u="none" strike="noStrike" cap="none" dirty="0">
@@ -37447,8 +38002,8 @@
         </p:nvSpPr>
         <p:spPr>
           <a:xfrm>
-            <a:off x="1696575" y="3131145"/>
-            <a:ext cx="7995899" cy="3324300"/>
+            <a:off x="1155700" y="3131145"/>
+            <a:ext cx="8536775" cy="3324300"/>
           </a:xfrm>
           <a:prstGeom prst="rect">
             <a:avLst/>
@@ -37482,7 +38037,7 @@
               <a:buNone/>
             </a:pPr>
             <a:r>
-              <a:rPr lang="en-US" sz="2600" dirty="0" err="1">
+              <a:rPr lang="el-GR" sz="2600" dirty="0" err="1">
                 <a:solidFill>
                   <a:srgbClr val="00FF00"/>
                 </a:solidFill>
@@ -37491,7 +38046,7 @@
                 <a:cs typeface="Courier"/>
                 <a:sym typeface="Courier New"/>
               </a:rPr>
-              <a:t>largest_so_far</a:t>
+              <a:t>μεγαλύτερος_μέχρι_στιγμής</a:t>
             </a:r>
             <a:r>
               <a:rPr lang="en-US" sz="2600" dirty="0">
@@ -37583,7 +38138,7 @@
               <a:t>', </a:t>
             </a:r>
             <a:r>
-              <a:rPr lang="en-US" sz="2600" dirty="0" err="1">
+              <a:rPr lang="el-GR" sz="2600" dirty="0" err="1">
                 <a:solidFill>
                   <a:srgbClr val="00FF00"/>
                 </a:solidFill>
@@ -37592,7 +38147,19 @@
                 <a:cs typeface="Courier"/>
                 <a:sym typeface="Courier New"/>
               </a:rPr>
-              <a:t>largest_so_far</a:t>
+              <a:t>μεγαλύτερος_μέχρι_στιγμής</a:t>
+            </a:r>
+            <a:r>
+              <a:rPr lang="en-US" sz="2600" dirty="0">
+                <a:solidFill>
+                  <a:srgbClr val="00FF00"/>
+                </a:solidFill>
+                <a:latin typeface="Courier"/>
+                <a:ea typeface="Courier"/>
+                <a:cs typeface="Courier"/>
+                <a:sym typeface="Courier New"/>
+              </a:rPr>
+              <a:t> </a:t>
             </a:r>
             <a:r>
               <a:rPr lang="en-US" sz="2600" dirty="0">
@@ -37650,7 +38217,7 @@
               <a:t> </a:t>
             </a:r>
             <a:r>
-              <a:rPr lang="en-US" sz="2600" i="0" u="none" strike="noStrike" cap="none" dirty="0" err="1">
+              <a:rPr lang="el-GR" sz="2600" i="0" u="none" strike="noStrike" cap="none" dirty="0">
                 <a:solidFill>
                   <a:srgbClr val="FF00FF"/>
                 </a:solidFill>
@@ -37659,19 +38226,7 @@
                 <a:cs typeface="Courier"/>
                 <a:sym typeface="Courier New"/>
               </a:rPr>
-              <a:t>th</a:t>
-            </a:r>
-            <a:r>
-              <a:rPr lang="en-US" sz="2600" dirty="0" err="1">
-                <a:solidFill>
-                  <a:srgbClr val="FF00FF"/>
-                </a:solidFill>
-                <a:latin typeface="Courier"/>
-                <a:ea typeface="Courier"/>
-                <a:cs typeface="Courier"/>
-                <a:sym typeface="Courier New"/>
-              </a:rPr>
-              <a:t>e_num</a:t>
+              <a:t>τιμή</a:t>
             </a:r>
             <a:r>
               <a:rPr lang="en-US" sz="2600" i="0" u="none" strike="noStrike" cap="none" dirty="0">
@@ -37741,7 +38296,7 @@
               <a:t>   if </a:t>
             </a:r>
             <a:r>
-              <a:rPr lang="en-US" sz="2600" dirty="0" err="1">
+              <a:rPr lang="el-GR" sz="2600" i="0" u="none" strike="noStrike" cap="none" dirty="0">
                 <a:solidFill>
                   <a:srgbClr val="FF00FF"/>
                 </a:solidFill>
@@ -37750,7 +38305,7 @@
                 <a:cs typeface="Courier"/>
                 <a:sym typeface="Courier New"/>
               </a:rPr>
-              <a:t>the_num</a:t>
+              <a:t>τιμή </a:t>
             </a:r>
             <a:r>
               <a:rPr lang="en-US" sz="2600" dirty="0">
@@ -37762,10 +38317,10 @@
                 <a:cs typeface="Courier"/>
                 <a:sym typeface="Courier New"/>
               </a:rPr>
-              <a:t> &gt; </a:t>
-            </a:r>
-            <a:r>
-              <a:rPr lang="en-US" sz="2600" dirty="0" err="1">
+              <a:t>&gt; </a:t>
+            </a:r>
+            <a:r>
+              <a:rPr lang="el-GR" sz="2600" dirty="0" err="1">
                 <a:solidFill>
                   <a:srgbClr val="00FF00"/>
                 </a:solidFill>
@@ -37774,11 +38329,23 @@
                 <a:cs typeface="Courier"/>
                 <a:sym typeface="Courier New"/>
               </a:rPr>
-              <a:t>largest_so_far</a:t>
+              <a:t>μεγαλύτερος_μέχρι_στιγμής</a:t>
             </a:r>
             <a:r>
               <a:rPr lang="en-US" sz="2600" dirty="0">
                 <a:solidFill>
+                  <a:srgbClr val="00FF00"/>
+                </a:solidFill>
+                <a:latin typeface="Courier"/>
+                <a:ea typeface="Courier"/>
+                <a:cs typeface="Courier"/>
+                <a:sym typeface="Courier New"/>
+              </a:rPr>
+              <a:t> </a:t>
+            </a:r>
+            <a:r>
+              <a:rPr lang="en-US" sz="2600" dirty="0">
+                <a:solidFill>
                   <a:srgbClr val="FF00FF"/>
                 </a:solidFill>
                 <a:latin typeface="Courier"/>
@@ -37786,7 +38353,7 @@
                 <a:cs typeface="Courier"/>
                 <a:sym typeface="Courier New"/>
               </a:rPr>
-              <a:t> :</a:t>
+              <a:t>:</a:t>
             </a:r>
           </a:p>
           <a:p>
@@ -37808,7 +38375,43 @@
               <a:buNone/>
             </a:pPr>
             <a:r>
-              <a:rPr lang="en-US" sz="2600" i="0" u="none" strike="noStrike" cap="none" dirty="0">
+              <a:rPr lang="el-GR" sz="2600" dirty="0">
+                <a:solidFill>
+                  <a:srgbClr val="00FF00"/>
+                </a:solidFill>
+                <a:latin typeface="Courier"/>
+                <a:ea typeface="Courier"/>
+                <a:cs typeface="Courier"/>
+                <a:sym typeface="Courier New"/>
+              </a:rPr>
+              <a:t>	 </a:t>
+            </a:r>
+            <a:r>
+              <a:rPr lang="el-GR" sz="2600" dirty="0" err="1">
+                <a:solidFill>
+                  <a:srgbClr val="00FF00"/>
+                </a:solidFill>
+                <a:latin typeface="Courier"/>
+                <a:ea typeface="Courier"/>
+                <a:cs typeface="Courier"/>
+                <a:sym typeface="Courier New"/>
+              </a:rPr>
+              <a:t>μεγαλύτερος_μέχρι_στιγμής</a:t>
+            </a:r>
+            <a:r>
+              <a:rPr lang="en-US" sz="2600" dirty="0">
+                <a:solidFill>
+                  <a:srgbClr val="00FF00"/>
+                </a:solidFill>
+                <a:latin typeface="Courier"/>
+                <a:ea typeface="Courier"/>
+                <a:cs typeface="Courier"/>
+                <a:sym typeface="Courier New"/>
+              </a:rPr>
+              <a:t> = </a:t>
+            </a:r>
+            <a:r>
+              <a:rPr lang="el-GR" sz="2600" i="0" u="none" strike="noStrike" cap="none" dirty="0">
                 <a:solidFill>
                   <a:srgbClr val="FF00FF"/>
                 </a:solidFill>
@@ -37817,43 +38420,7 @@
                 <a:cs typeface="Courier"/>
                 <a:sym typeface="Courier New"/>
               </a:rPr>
-              <a:t>      </a:t>
-            </a:r>
-            <a:r>
-              <a:rPr lang="en-US" sz="2600" dirty="0" err="1">
-                <a:solidFill>
-                  <a:srgbClr val="00FF00"/>
-                </a:solidFill>
-                <a:latin typeface="Courier"/>
-                <a:ea typeface="Courier"/>
-                <a:cs typeface="Courier"/>
-                <a:sym typeface="Courier New"/>
-              </a:rPr>
-              <a:t>largest_so_far</a:t>
-            </a:r>
-            <a:r>
-              <a:rPr lang="en-US" sz="2600" dirty="0">
-                <a:solidFill>
-                  <a:srgbClr val="00FF00"/>
-                </a:solidFill>
-                <a:latin typeface="Courier"/>
-                <a:ea typeface="Courier"/>
-                <a:cs typeface="Courier"/>
-                <a:sym typeface="Courier New"/>
-              </a:rPr>
-              <a:t> = </a:t>
-            </a:r>
-            <a:r>
-              <a:rPr lang="en-US" sz="2600" dirty="0" err="1">
-                <a:solidFill>
-                  <a:srgbClr val="FF00FF"/>
-                </a:solidFill>
-                <a:latin typeface="Courier"/>
-                <a:ea typeface="Courier"/>
-                <a:cs typeface="Courier"/>
-                <a:sym typeface="Courier New"/>
-              </a:rPr>
-              <a:t>the_num</a:t>
+              <a:t>τιμή</a:t>
             </a:r>
             <a:endParaRPr lang="en-US" sz="2600" dirty="0">
               <a:solidFill>
@@ -37920,7 +38487,7 @@
               <a:t>(</a:t>
             </a:r>
             <a:r>
-              <a:rPr lang="en-US" sz="2600" dirty="0" err="1">
+              <a:rPr lang="el-GR" sz="2600" dirty="0" err="1">
                 <a:solidFill>
                   <a:srgbClr val="00FF00"/>
                 </a:solidFill>
@@ -37929,7 +38496,7 @@
                 <a:cs typeface="Courier"/>
                 <a:sym typeface="Courier New"/>
               </a:rPr>
-              <a:t>largest_so_far</a:t>
+              <a:t>μεγαλύτερος_μέχρι_στιγμής</a:t>
             </a:r>
             <a:r>
               <a:rPr lang="en-US" sz="2600" dirty="0">
@@ -37941,7 +38508,7 @@
                 <a:cs typeface="Courier"/>
                 <a:sym typeface="Courier New"/>
               </a:rPr>
-              <a:t>,</a:t>
+              <a:t> ,</a:t>
             </a:r>
             <a:r>
               <a:rPr lang="en-US" sz="2600" i="0" u="none" strike="noStrike" cap="none" dirty="0">
@@ -37956,7 +38523,7 @@
               <a:t> </a:t>
             </a:r>
             <a:r>
-              <a:rPr lang="en-US" sz="2600" dirty="0" err="1">
+              <a:rPr lang="el-GR" sz="2600" i="0" u="none" strike="noStrike" cap="none" dirty="0">
                 <a:solidFill>
                   <a:srgbClr val="FF00FF"/>
                 </a:solidFill>
@@ -37965,7 +38532,7 @@
                 <a:cs typeface="Courier"/>
                 <a:sym typeface="Courier New"/>
               </a:rPr>
-              <a:t>the_num</a:t>
+              <a:t>τιμή</a:t>
             </a:r>
             <a:r>
               <a:rPr lang="en-US" sz="2600" dirty="0">
@@ -38084,7 +38651,7 @@
               <a:t>', </a:t>
             </a:r>
             <a:r>
-              <a:rPr lang="en-US" sz="2600" dirty="0" err="1">
+              <a:rPr lang="el-GR" sz="2600" dirty="0" err="1">
                 <a:solidFill>
                   <a:srgbClr val="00FF00"/>
                 </a:solidFill>
@@ -38093,7 +38660,19 @@
                 <a:cs typeface="Courier"/>
                 <a:sym typeface="Courier New"/>
               </a:rPr>
-              <a:t>largest_so_far</a:t>
+              <a:t>μεγαλύτερος_μέχρι_στιγμής</a:t>
+            </a:r>
+            <a:r>
+              <a:rPr lang="en-US" sz="2600" dirty="0">
+                <a:solidFill>
+                  <a:srgbClr val="00FF00"/>
+                </a:solidFill>
+                <a:latin typeface="Courier"/>
+                <a:ea typeface="Courier"/>
+                <a:cs typeface="Courier"/>
+                <a:sym typeface="Courier New"/>
+              </a:rPr>
+              <a:t> </a:t>
             </a:r>
             <a:r>
               <a:rPr lang="en-US" sz="2600" dirty="0">
@@ -38763,7 +39342,7 @@
               <a:buNone/>
             </a:pPr>
             <a:r>
-              <a:rPr lang="en-US" sz="2600" dirty="0" err="1">
+              <a:rPr lang="el-GR" sz="2600" dirty="0" err="1">
                 <a:solidFill>
                   <a:srgbClr val="00FF00"/>
                 </a:solidFill>
@@ -38772,7 +39351,19 @@
                 <a:cs typeface="Courier"/>
                 <a:sym typeface="Courier New"/>
               </a:rPr>
-              <a:t>smallest_so_far</a:t>
+              <a:t>μικρότερος_μέχρι_στιγμή</a:t>
+            </a:r>
+            <a:r>
+              <a:rPr lang="el-GR" sz="2600" dirty="0">
+                <a:solidFill>
+                  <a:srgbClr val="00FF00"/>
+                </a:solidFill>
+                <a:latin typeface="Courier"/>
+                <a:ea typeface="Courier"/>
+                <a:cs typeface="Courier"/>
+                <a:sym typeface="Courier New"/>
+              </a:rPr>
+              <a:t> </a:t>
             </a:r>
             <a:r>
               <a:rPr lang="en-US" sz="2600" dirty="0">
@@ -38784,7 +39375,7 @@
                 <a:cs typeface="Courier"/>
                 <a:sym typeface="Courier New"/>
               </a:rPr>
-              <a:t> = -1</a:t>
+              <a:t>= -1</a:t>
             </a:r>
           </a:p>
           <a:p>
@@ -38866,7 +39457,7 @@
               <a:t>', </a:t>
             </a:r>
             <a:r>
-              <a:rPr lang="en-US" sz="2600" dirty="0" err="1">
+              <a:rPr lang="el-GR" sz="2600" dirty="0" err="1">
                 <a:solidFill>
                   <a:srgbClr val="00FF00"/>
                 </a:solidFill>
@@ -38875,7 +39466,7 @@
                 <a:cs typeface="Courier"/>
                 <a:sym typeface="Courier New"/>
               </a:rPr>
-              <a:t>smallest_so_far</a:t>
+              <a:t>μικρότερος_μέχρι_στιγμή</a:t>
             </a:r>
             <a:r>
               <a:rPr lang="en-US" sz="2600" dirty="0">
@@ -38933,7 +39524,7 @@
               <a:t> </a:t>
             </a:r>
             <a:r>
-              <a:rPr lang="en-US" sz="2600" i="0" u="none" strike="noStrike" cap="none" dirty="0" err="1">
+              <a:rPr lang="el-GR" sz="2600" i="0" u="none" strike="noStrike" cap="none" dirty="0">
                 <a:solidFill>
                   <a:srgbClr val="FF00FF"/>
                 </a:solidFill>
@@ -38942,31 +39533,7 @@
                 <a:cs typeface="Courier"/>
                 <a:sym typeface="Courier New"/>
               </a:rPr>
-              <a:t>th</a:t>
-            </a:r>
-            <a:r>
-              <a:rPr lang="en-US" sz="2600" dirty="0" err="1">
-                <a:solidFill>
-                  <a:srgbClr val="FF00FF"/>
-                </a:solidFill>
-                <a:latin typeface="Courier"/>
-                <a:ea typeface="Courier"/>
-                <a:cs typeface="Courier"/>
-                <a:sym typeface="Courier New"/>
-              </a:rPr>
-              <a:t>e_num</a:t>
-            </a:r>
-            <a:r>
-              <a:rPr lang="en-US" sz="2600" i="0" u="none" strike="noStrike" cap="none" dirty="0">
-                <a:solidFill>
-                  <a:srgbClr val="FF00FF"/>
-                </a:solidFill>
-                <a:latin typeface="Courier"/>
-                <a:ea typeface="Courier"/>
-                <a:cs typeface="Courier"/>
-                <a:sym typeface="Courier New"/>
-              </a:rPr>
-              <a:t> </a:t>
+              <a:t>τιμή </a:t>
             </a:r>
             <a:r>
               <a:rPr lang="en-US" sz="2600" i="0" u="none" strike="noStrike" cap="none" dirty="0">
@@ -39024,7 +39591,7 @@
               <a:t>   if </a:t>
             </a:r>
             <a:r>
-              <a:rPr lang="en-US" sz="2600" dirty="0" err="1">
+              <a:rPr lang="el-GR" sz="2600" i="0" u="none" strike="noStrike" cap="none" dirty="0">
                 <a:solidFill>
                   <a:srgbClr val="FF00FF"/>
                 </a:solidFill>
@@ -39033,7 +39600,7 @@
                 <a:cs typeface="Courier"/>
                 <a:sym typeface="Courier New"/>
               </a:rPr>
-              <a:t>the_num</a:t>
+              <a:t>τιμή </a:t>
             </a:r>
             <a:r>
               <a:rPr lang="en-US" sz="2600" dirty="0">
@@ -39045,10 +39612,10 @@
                 <a:cs typeface="Courier"/>
                 <a:sym typeface="Courier New"/>
               </a:rPr>
-              <a:t> &lt; </a:t>
-            </a:r>
-            <a:r>
-              <a:rPr lang="en-US" sz="2600" dirty="0" err="1">
+              <a:t>&lt; </a:t>
+            </a:r>
+            <a:r>
+              <a:rPr lang="el-GR" sz="2600" dirty="0" err="1">
                 <a:solidFill>
                   <a:srgbClr val="00FF00"/>
                 </a:solidFill>
@@ -39057,7 +39624,19 @@
                 <a:cs typeface="Courier"/>
                 <a:sym typeface="Courier New"/>
               </a:rPr>
-              <a:t>smallest_so_far</a:t>
+              <a:t>μικρότερος_μέχρι_στιγμή</a:t>
+            </a:r>
+            <a:r>
+              <a:rPr lang="el-GR" sz="2600" dirty="0">
+                <a:solidFill>
+                  <a:srgbClr val="00FF00"/>
+                </a:solidFill>
+                <a:latin typeface="Courier"/>
+                <a:ea typeface="Courier"/>
+                <a:cs typeface="Courier"/>
+                <a:sym typeface="Courier New"/>
+              </a:rPr>
+              <a:t> </a:t>
             </a:r>
             <a:r>
               <a:rPr lang="en-US" sz="2600" dirty="0">
@@ -39069,7 +39648,7 @@
                 <a:cs typeface="Courier"/>
                 <a:sym typeface="Courier New"/>
               </a:rPr>
-              <a:t> :</a:t>
+              <a:t>:</a:t>
             </a:r>
           </a:p>
           <a:p>
@@ -39091,6 +39670,18 @@
               <a:buNone/>
             </a:pPr>
             <a:r>
+              <a:rPr lang="el-GR" sz="2600" i="0" u="none" strike="noStrike" cap="none" dirty="0">
+                <a:solidFill>
+                  <a:srgbClr val="FF00FF"/>
+                </a:solidFill>
+                <a:latin typeface="Courier"/>
+                <a:ea typeface="Courier"/>
+                <a:cs typeface="Courier"/>
+                <a:sym typeface="Courier New"/>
+              </a:rPr>
+              <a:t>	</a:t>
+            </a:r>
+            <a:r>
               <a:rPr lang="en-US" sz="2600" i="0" u="none" strike="noStrike" cap="none" dirty="0">
                 <a:solidFill>
                   <a:srgbClr val="FF00FF"/>
@@ -39100,10 +39691,10 @@
                 <a:cs typeface="Courier"/>
                 <a:sym typeface="Courier New"/>
               </a:rPr>
-              <a:t>      </a:t>
-            </a:r>
-            <a:r>
-              <a:rPr lang="en-US" sz="2600" dirty="0" err="1">
+              <a:t> </a:t>
+            </a:r>
+            <a:r>
+              <a:rPr lang="el-GR" sz="2600" dirty="0" err="1">
                 <a:solidFill>
                   <a:srgbClr val="00FF00"/>
                 </a:solidFill>
@@ -39112,7 +39703,19 @@
                 <a:cs typeface="Courier"/>
                 <a:sym typeface="Courier New"/>
               </a:rPr>
-              <a:t>smallest_so_far</a:t>
+              <a:t>μικρότερος_μέχρι_στιγμή</a:t>
+            </a:r>
+            <a:r>
+              <a:rPr lang="el-GR" sz="2600" dirty="0">
+                <a:solidFill>
+                  <a:srgbClr val="00FF00"/>
+                </a:solidFill>
+                <a:latin typeface="Courier"/>
+                <a:ea typeface="Courier"/>
+                <a:cs typeface="Courier"/>
+                <a:sym typeface="Courier New"/>
+              </a:rPr>
+              <a:t> </a:t>
             </a:r>
             <a:r>
               <a:rPr lang="en-US" sz="2600" dirty="0">
@@ -39124,10 +39727,10 @@
                 <a:cs typeface="Courier"/>
                 <a:sym typeface="Courier New"/>
               </a:rPr>
-              <a:t> = </a:t>
-            </a:r>
-            <a:r>
-              <a:rPr lang="en-US" sz="2600" dirty="0" err="1">
+              <a:t>= </a:t>
+            </a:r>
+            <a:r>
+              <a:rPr lang="el-GR" sz="2600" i="0" u="none" strike="noStrike" cap="none" dirty="0">
                 <a:solidFill>
                   <a:srgbClr val="FF00FF"/>
                 </a:solidFill>
@@ -39136,7 +39739,7 @@
                 <a:cs typeface="Courier"/>
                 <a:sym typeface="Courier New"/>
               </a:rPr>
-              <a:t>the_num</a:t>
+              <a:t>τιμή</a:t>
             </a:r>
             <a:endParaRPr lang="en-US" sz="2600" dirty="0">
               <a:solidFill>
@@ -39203,7 +39806,7 @@
               <a:t>(</a:t>
             </a:r>
             <a:r>
-              <a:rPr lang="en-US" sz="2600" dirty="0" err="1">
+              <a:rPr lang="el-GR" sz="2600" dirty="0" err="1">
                 <a:solidFill>
                   <a:srgbClr val="00FF00"/>
                 </a:solidFill>
@@ -39212,7 +39815,7 @@
                 <a:cs typeface="Courier"/>
                 <a:sym typeface="Courier New"/>
               </a:rPr>
-              <a:t>smallest_so_far</a:t>
+              <a:t>μικρότερος_μέχρι_στιγμή</a:t>
             </a:r>
             <a:r>
               <a:rPr lang="en-US" sz="2600" dirty="0">
@@ -39239,7 +39842,7 @@
               <a:t> </a:t>
             </a:r>
             <a:r>
-              <a:rPr lang="en-US" sz="2600" dirty="0" err="1">
+              <a:rPr lang="el-GR" sz="2600" i="0" u="none" strike="noStrike" cap="none" dirty="0">
                 <a:solidFill>
                   <a:srgbClr val="FF00FF"/>
                 </a:solidFill>
@@ -39248,7 +39851,7 @@
                 <a:cs typeface="Courier"/>
                 <a:sym typeface="Courier New"/>
               </a:rPr>
-              <a:t>the_num</a:t>
+              <a:t>τιμή</a:t>
             </a:r>
             <a:r>
               <a:rPr lang="en-US" sz="2600" dirty="0">
@@ -39369,7 +39972,7 @@
               <a:t>', </a:t>
             </a:r>
             <a:r>
-              <a:rPr lang="en-US" sz="2600" dirty="0" err="1">
+              <a:rPr lang="el-GR" sz="2600" dirty="0" err="1">
                 <a:solidFill>
                   <a:srgbClr val="00FF00"/>
                 </a:solidFill>
@@ -39378,7 +39981,7 @@
                 <a:cs typeface="Courier"/>
                 <a:sym typeface="Courier New"/>
               </a:rPr>
-              <a:t>smallest_so_far</a:t>
+              <a:t>μικρότερος_μέχρι_στιγμή</a:t>
             </a:r>
             <a:r>
               <a:rPr lang="en-US" sz="2600" dirty="0">
@@ -39710,7 +40313,7 @@
               <a:buNone/>
             </a:pPr>
             <a:r>
-              <a:rPr lang="en-US" sz="2600" dirty="0" err="1">
+              <a:rPr lang="el-GR" sz="2600" dirty="0" err="1">
                 <a:solidFill>
                   <a:srgbClr val="00FF00"/>
                 </a:solidFill>
@@ -39719,10 +40322,10 @@
                 <a:cs typeface="Courier"/>
                 <a:sym typeface="Courier New"/>
               </a:rPr>
-              <a:t>smallest_so_far</a:t>
-            </a:r>
-            <a:r>
-              <a:rPr lang="en-US" sz="2600" dirty="0">
+              <a:t>μικρότερος_μέχρι_στιγμή</a:t>
+            </a:r>
+            <a:r>
+              <a:rPr lang="el-GR" sz="2600" dirty="0">
                 <a:solidFill>
                   <a:srgbClr val="00FF00"/>
                 </a:solidFill>
@@ -39753,7 +40356,7 @@
               <a:buNone/>
             </a:pPr>
             <a:r>
-              <a:rPr lang="en-US" sz="2600" i="0" u="none" strike="noStrike" cap="none" dirty="0">
+              <a:rPr lang="el-GR" sz="2600" i="0" u="none" strike="noStrike" cap="none" dirty="0" err="1">
                 <a:solidFill>
                   <a:srgbClr val="FFFF00"/>
                 </a:solidFill>
@@ -39765,7 +40368,7 @@
               <a:t>print</a:t>
             </a:r>
             <a:r>
-              <a:rPr lang="en-US" sz="2600" dirty="0">
+              <a:rPr lang="el-GR" sz="2600" dirty="0">
                 <a:solidFill>
                   <a:schemeClr val="bg1"/>
                 </a:solidFill>
@@ -39777,7 +40380,7 @@
               <a:t>(</a:t>
             </a:r>
             <a:r>
-              <a:rPr lang="en-US" sz="2600" i="0" u="none" strike="noStrike" cap="none" dirty="0">
+              <a:rPr lang="el-GR" sz="2600" i="0" u="none" strike="noStrike" cap="none" dirty="0">
                 <a:solidFill>
                   <a:srgbClr val="FF7F00"/>
                 </a:solidFill>
@@ -39786,34 +40389,10 @@
                 <a:cs typeface="Courier"/>
                 <a:sym typeface="Courier New"/>
               </a:rPr>
-              <a:t>'</a:t>
-            </a:r>
-            <a:r>
-              <a:rPr lang="en-US" sz="2600" i="0" u="none" strike="noStrike" cap="none" dirty="0" err="1">
-                <a:solidFill>
-                  <a:srgbClr val="FF7F00"/>
-                </a:solidFill>
-                <a:latin typeface="Courier"/>
-                <a:ea typeface="Courier"/>
-                <a:cs typeface="Courier"/>
-                <a:sym typeface="Courier New"/>
-              </a:rPr>
-              <a:t>Πριν</a:t>
-            </a:r>
-            <a:r>
-              <a:rPr lang="en-US" sz="2600" i="0" u="none" strike="noStrike" cap="none" dirty="0">
-                <a:solidFill>
-                  <a:srgbClr val="FF7F00"/>
-                </a:solidFill>
-                <a:latin typeface="Courier"/>
-                <a:ea typeface="Courier"/>
-                <a:cs typeface="Courier"/>
-                <a:sym typeface="Courier New"/>
-              </a:rPr>
-              <a:t>', </a:t>
-            </a:r>
-            <a:r>
-              <a:rPr lang="en-US" sz="2600" dirty="0" err="1">
+              <a:t>'Πριν', </a:t>
+            </a:r>
+            <a:r>
+              <a:rPr lang="el-GR" sz="2600" dirty="0" err="1">
                 <a:solidFill>
                   <a:srgbClr val="00FF00"/>
                 </a:solidFill>
@@ -39822,10 +40401,10 @@
                 <a:cs typeface="Courier"/>
                 <a:sym typeface="Courier New"/>
               </a:rPr>
-              <a:t>smallest_so_far</a:t>
-            </a:r>
-            <a:r>
-              <a:rPr lang="en-US" sz="2600" dirty="0">
+              <a:t>μικρότερος_μέχρι_στιγμή</a:t>
+            </a:r>
+            <a:r>
+              <a:rPr lang="el-GR" sz="2600" dirty="0">
                 <a:solidFill>
                   <a:schemeClr val="bg1"/>
                 </a:solidFill>
@@ -39856,7 +40435,7 @@
               <a:buNone/>
             </a:pPr>
             <a:r>
-              <a:rPr lang="en-US" sz="2600" i="0" u="none" strike="noStrike" cap="none" dirty="0">
+              <a:rPr lang="el-GR" sz="2600" i="0" u="none" strike="noStrike" cap="none" dirty="0">
                 <a:solidFill>
                   <a:srgbClr val="FFFF00"/>
                 </a:solidFill>
@@ -39868,7 +40447,7 @@
               <a:t>for</a:t>
             </a:r>
             <a:r>
-              <a:rPr lang="en-US" sz="2600" i="0" u="none" strike="noStrike" cap="none" dirty="0">
+              <a:rPr lang="el-GR" sz="2600" i="0" u="none" strike="noStrike" cap="none" dirty="0">
                 <a:solidFill>
                   <a:srgbClr val="FF00FF"/>
                 </a:solidFill>
@@ -39877,46 +40456,10 @@
                 <a:cs typeface="Courier"/>
                 <a:sym typeface="Courier New"/>
               </a:rPr>
-              <a:t> </a:t>
-            </a:r>
-            <a:r>
-              <a:rPr lang="en-US" sz="2600" i="0" u="none" strike="noStrike" cap="none" dirty="0" err="1">
-                <a:solidFill>
-                  <a:srgbClr val="FF00FF"/>
-                </a:solidFill>
-                <a:latin typeface="Courier"/>
-                <a:ea typeface="Courier"/>
-                <a:cs typeface="Courier"/>
-                <a:sym typeface="Courier New"/>
-              </a:rPr>
-              <a:t>th</a:t>
-            </a:r>
-            <a:r>
-              <a:rPr lang="en-US" sz="2600" dirty="0" err="1">
-                <a:solidFill>
-                  <a:srgbClr val="FF00FF"/>
-                </a:solidFill>
-                <a:latin typeface="Courier"/>
-                <a:ea typeface="Courier"/>
-                <a:cs typeface="Courier"/>
-                <a:sym typeface="Courier New"/>
-              </a:rPr>
-              <a:t>e_num</a:t>
-            </a:r>
-            <a:r>
-              <a:rPr lang="en-US" sz="2600" i="0" u="none" strike="noStrike" cap="none" dirty="0">
-                <a:solidFill>
-                  <a:srgbClr val="FF00FF"/>
-                </a:solidFill>
-                <a:latin typeface="Courier"/>
-                <a:ea typeface="Courier"/>
-                <a:cs typeface="Courier"/>
-                <a:sym typeface="Courier New"/>
-              </a:rPr>
-              <a:t> </a:t>
-            </a:r>
-            <a:r>
-              <a:rPr lang="en-US" sz="2600" i="0" u="none" strike="noStrike" cap="none" dirty="0">
+              <a:t> τιμή </a:t>
+            </a:r>
+            <a:r>
+              <a:rPr lang="el-GR" sz="2600" i="0" u="none" strike="noStrike" cap="none" dirty="0">
                 <a:solidFill>
                   <a:srgbClr val="FFFF00"/>
                 </a:solidFill>
@@ -39928,7 +40471,7 @@
               <a:t>in</a:t>
             </a:r>
             <a:r>
-              <a:rPr lang="en-US" sz="2600" i="0" u="none" strike="noStrike" cap="none" dirty="0">
+              <a:rPr lang="el-GR" sz="2600" i="0" u="none" strike="noStrike" cap="none" dirty="0">
                 <a:solidFill>
                   <a:srgbClr val="FF00FF"/>
                 </a:solidFill>
@@ -39959,7 +40502,7 @@
               <a:buNone/>
             </a:pPr>
             <a:r>
-              <a:rPr lang="en-US" sz="2600" dirty="0">
+              <a:rPr lang="el-GR" sz="2600" dirty="0">
                 <a:solidFill>
                   <a:srgbClr val="FF00FF"/>
                 </a:solidFill>
@@ -39968,10 +40511,10 @@
                 <a:cs typeface="Courier"/>
                 <a:sym typeface="Courier New"/>
               </a:rPr>
-              <a:t>   if </a:t>
-            </a:r>
-            <a:r>
-              <a:rPr lang="en-US" sz="2600" dirty="0" err="1">
+              <a:t>   </a:t>
+            </a:r>
+            <a:r>
+              <a:rPr lang="el-GR" sz="2600" dirty="0" err="1">
                 <a:solidFill>
                   <a:srgbClr val="FF00FF"/>
                 </a:solidFill>
@@ -39980,10 +40523,10 @@
                 <a:cs typeface="Courier"/>
                 <a:sym typeface="Courier New"/>
               </a:rPr>
-              <a:t>the_num</a:t>
-            </a:r>
-            <a:r>
-              <a:rPr lang="en-US" sz="2600" dirty="0">
+              <a:t>if</a:t>
+            </a:r>
+            <a:r>
+              <a:rPr lang="el-GR" sz="2600" dirty="0">
                 <a:solidFill>
                   <a:srgbClr val="FF00FF"/>
                 </a:solidFill>
@@ -39992,10 +40535,34 @@
                 <a:cs typeface="Courier"/>
                 <a:sym typeface="Courier New"/>
               </a:rPr>
-              <a:t> &lt; </a:t>
-            </a:r>
-            <a:r>
-              <a:rPr lang="en-US" sz="2600" dirty="0" err="1">
+              <a:t> </a:t>
+            </a:r>
+            <a:r>
+              <a:rPr lang="el-GR" sz="2600" i="0" u="none" strike="noStrike" cap="none" dirty="0">
+                <a:solidFill>
+                  <a:srgbClr val="FF00FF"/>
+                </a:solidFill>
+                <a:latin typeface="Courier"/>
+                <a:ea typeface="Courier"/>
+                <a:cs typeface="Courier"/>
+                <a:sym typeface="Courier New"/>
+              </a:rPr>
+              <a:t>τιμή </a:t>
+            </a:r>
+            <a:r>
+              <a:rPr lang="el-GR" sz="2600" dirty="0">
+                <a:solidFill>
+                  <a:srgbClr val="FF00FF"/>
+                </a:solidFill>
+                <a:latin typeface="Courier"/>
+                <a:ea typeface="Courier"/>
+                <a:cs typeface="Courier"/>
+                <a:sym typeface="Courier New"/>
+              </a:rPr>
+              <a:t>&lt; </a:t>
+            </a:r>
+            <a:r>
+              <a:rPr lang="el-GR" sz="2600" dirty="0" err="1">
                 <a:solidFill>
                   <a:srgbClr val="00FF00"/>
                 </a:solidFill>
@@ -40004,10 +40571,22 @@
                 <a:cs typeface="Courier"/>
                 <a:sym typeface="Courier New"/>
               </a:rPr>
-              <a:t>smallest_so_far</a:t>
-            </a:r>
-            <a:r>
-              <a:rPr lang="en-US" sz="2600" dirty="0">
+              <a:t>μικρότερος_μέχρι_στιγμή</a:t>
+            </a:r>
+            <a:r>
+              <a:rPr lang="el-GR" sz="2600" dirty="0">
+                <a:solidFill>
+                  <a:srgbClr val="00FF00"/>
+                </a:solidFill>
+                <a:latin typeface="Courier"/>
+                <a:ea typeface="Courier"/>
+                <a:cs typeface="Courier"/>
+                <a:sym typeface="Courier New"/>
+              </a:rPr>
+              <a:t> </a:t>
+            </a:r>
+            <a:r>
+              <a:rPr lang="el-GR" sz="2600" dirty="0">
                 <a:solidFill>
                   <a:srgbClr val="FF00FF"/>
                 </a:solidFill>
@@ -40016,7 +40595,7 @@
                 <a:cs typeface="Courier"/>
                 <a:sym typeface="Courier New"/>
               </a:rPr>
-              <a:t> :</a:t>
+              <a:t>:</a:t>
             </a:r>
           </a:p>
           <a:p>
@@ -40038,7 +40617,7 @@
               <a:buNone/>
             </a:pPr>
             <a:r>
-              <a:rPr lang="en-US" sz="2600" i="0" u="none" strike="noStrike" cap="none" dirty="0">
+              <a:rPr lang="el-GR" sz="2600" i="0" u="none" strike="noStrike" cap="none" dirty="0">
                 <a:solidFill>
                   <a:srgbClr val="FF00FF"/>
                 </a:solidFill>
@@ -40047,10 +40626,10 @@
                 <a:cs typeface="Courier"/>
                 <a:sym typeface="Courier New"/>
               </a:rPr>
-              <a:t>      </a:t>
-            </a:r>
-            <a:r>
-              <a:rPr lang="en-US" sz="2600" dirty="0" err="1">
+              <a:t>	 </a:t>
+            </a:r>
+            <a:r>
+              <a:rPr lang="el-GR" sz="2600" dirty="0" err="1">
                 <a:solidFill>
                   <a:srgbClr val="00FF00"/>
                 </a:solidFill>
@@ -40059,10 +40638,10 @@
                 <a:cs typeface="Courier"/>
                 <a:sym typeface="Courier New"/>
               </a:rPr>
-              <a:t>smallest_so_far</a:t>
-            </a:r>
-            <a:r>
-              <a:rPr lang="en-US" sz="2600" dirty="0">
+              <a:t>μικρότερος_μέχρι_στιγμή</a:t>
+            </a:r>
+            <a:r>
+              <a:rPr lang="el-GR" sz="2600" dirty="0">
                 <a:solidFill>
                   <a:srgbClr val="00FF00"/>
                 </a:solidFill>
@@ -40074,7 +40653,7 @@
               <a:t> = </a:t>
             </a:r>
             <a:r>
-              <a:rPr lang="en-US" sz="2600" dirty="0" err="1">
+              <a:rPr lang="el-GR" sz="2600" i="0" u="none" strike="noStrike" cap="none" dirty="0">
                 <a:solidFill>
                   <a:srgbClr val="FF00FF"/>
                 </a:solidFill>
@@ -40083,9 +40662,9 @@
                 <a:cs typeface="Courier"/>
                 <a:sym typeface="Courier New"/>
               </a:rPr>
-              <a:t>the_num</a:t>
-            </a:r>
-            <a:endParaRPr lang="en-US" sz="2600" dirty="0">
+              <a:t>τιμή</a:t>
+            </a:r>
+            <a:endParaRPr lang="el-GR" sz="2600" dirty="0">
               <a:solidFill>
                 <a:srgbClr val="FF00FF"/>
               </a:solidFill>
@@ -40114,7 +40693,7 @@
               <a:buNone/>
             </a:pPr>
             <a:r>
-              <a:rPr lang="en-US" sz="2600" i="0" u="none" strike="noStrike" cap="none" dirty="0">
+              <a:rPr lang="el-GR" sz="2600" i="0" u="none" strike="noStrike" cap="none" dirty="0">
                 <a:solidFill>
                   <a:srgbClr val="FF00FF"/>
                 </a:solidFill>
@@ -40126,7 +40705,7 @@
               <a:t>   </a:t>
             </a:r>
             <a:r>
-              <a:rPr lang="en-US" sz="2600" i="0" u="none" strike="noStrike" cap="none" dirty="0">
+              <a:rPr lang="el-GR" sz="2600" i="0" u="none" strike="noStrike" cap="none" dirty="0" err="1">
                 <a:solidFill>
                   <a:srgbClr val="FFFF00"/>
                 </a:solidFill>
@@ -40138,7 +40717,7 @@
               <a:t>print</a:t>
             </a:r>
             <a:r>
-              <a:rPr lang="en-US" sz="2600" dirty="0">
+              <a:rPr lang="el-GR" sz="2600" dirty="0">
                 <a:solidFill>
                   <a:schemeClr val="bg1"/>
                 </a:solidFill>
@@ -40150,7 +40729,7 @@
               <a:t>(</a:t>
             </a:r>
             <a:r>
-              <a:rPr lang="en-US" sz="2600" dirty="0" err="1">
+              <a:rPr lang="el-GR" sz="2600" dirty="0" err="1">
                 <a:solidFill>
                   <a:srgbClr val="00FF00"/>
                 </a:solidFill>
@@ -40159,10 +40738,10 @@
                 <a:cs typeface="Courier"/>
                 <a:sym typeface="Courier New"/>
               </a:rPr>
-              <a:t>smallest_so_far</a:t>
-            </a:r>
-            <a:r>
-              <a:rPr lang="en-US" sz="2600" dirty="0">
+              <a:t>μικρότερος_μέχρι_στιγμή</a:t>
+            </a:r>
+            <a:r>
+              <a:rPr lang="el-GR" sz="2600" dirty="0">
                 <a:solidFill>
                   <a:srgbClr val="00FF00"/>
                 </a:solidFill>
@@ -40174,7 +40753,7 @@
               <a:t>,</a:t>
             </a:r>
             <a:r>
-              <a:rPr lang="en-US" sz="2600" i="0" u="none" strike="noStrike" cap="none" dirty="0">
+              <a:rPr lang="el-GR" sz="2600" i="0" u="none" strike="noStrike" cap="none" dirty="0">
                 <a:solidFill>
                   <a:srgbClr val="FF00FF"/>
                 </a:solidFill>
@@ -40183,22 +40762,10 @@
                 <a:cs typeface="Courier"/>
                 <a:sym typeface="Courier New"/>
               </a:rPr>
-              <a:t> </a:t>
-            </a:r>
-            <a:r>
-              <a:rPr lang="en-US" sz="2600" dirty="0" err="1">
-                <a:solidFill>
-                  <a:srgbClr val="FF00FF"/>
-                </a:solidFill>
-                <a:latin typeface="Courier"/>
-                <a:ea typeface="Courier"/>
-                <a:cs typeface="Courier"/>
-                <a:sym typeface="Courier New"/>
-              </a:rPr>
-              <a:t>the_num</a:t>
-            </a:r>
-            <a:r>
-              <a:rPr lang="en-US" sz="2600" dirty="0">
+              <a:t> τιμή</a:t>
+            </a:r>
+            <a:r>
+              <a:rPr lang="el-GR" sz="2600" dirty="0">
                 <a:solidFill>
                   <a:schemeClr val="bg1"/>
                 </a:solidFill>
@@ -40227,7 +40794,7 @@
               <a:buFont typeface="Cabin"/>
               <a:buNone/>
             </a:pPr>
-            <a:endParaRPr lang="en-US" sz="2600" dirty="0">
+            <a:endParaRPr lang="el-GR" sz="2600" dirty="0">
               <a:solidFill>
                 <a:srgbClr val="FF00FF"/>
               </a:solidFill>
@@ -40256,7 +40823,7 @@
               <a:buNone/>
             </a:pPr>
             <a:r>
-              <a:rPr lang="en-US" sz="2600" i="0" u="none" strike="noStrike" cap="none" dirty="0">
+              <a:rPr lang="el-GR" sz="2600" i="0" u="none" strike="noStrike" cap="none" dirty="0" err="1">
                 <a:solidFill>
                   <a:srgbClr val="FFFF00"/>
                 </a:solidFill>
@@ -40268,7 +40835,7 @@
               <a:t>print</a:t>
             </a:r>
             <a:r>
-              <a:rPr lang="en-US" sz="2600" i="0" u="none" strike="noStrike" cap="none" dirty="0">
+              <a:rPr lang="el-GR" sz="2600" i="0" u="none" strike="noStrike" cap="none" dirty="0">
                 <a:solidFill>
                   <a:schemeClr val="bg1"/>
                 </a:solidFill>
@@ -40280,7 +40847,7 @@
               <a:t>(</a:t>
             </a:r>
             <a:r>
-              <a:rPr lang="en-US" sz="2600" i="0" u="none" strike="noStrike" cap="none" dirty="0">
+              <a:rPr lang="el-GR" sz="2600" i="0" u="none" strike="noStrike" cap="none" dirty="0">
                 <a:solidFill>
                   <a:srgbClr val="FF7F00"/>
                 </a:solidFill>
@@ -40289,34 +40856,10 @@
                 <a:cs typeface="Courier"/>
                 <a:sym typeface="Courier New"/>
               </a:rPr>
-              <a:t>'</a:t>
-            </a:r>
-            <a:r>
-              <a:rPr lang="en-US" sz="2600" i="0" u="none" strike="noStrike" cap="none" dirty="0" err="1">
-                <a:solidFill>
-                  <a:srgbClr val="FF7F00"/>
-                </a:solidFill>
-                <a:latin typeface="Courier"/>
-                <a:ea typeface="Courier"/>
-                <a:cs typeface="Courier"/>
-                <a:sym typeface="Courier New"/>
-              </a:rPr>
-              <a:t>Μετά</a:t>
-            </a:r>
-            <a:r>
-              <a:rPr lang="en-US" sz="2600" i="0" u="none" strike="noStrike" cap="none" dirty="0">
-                <a:solidFill>
-                  <a:srgbClr val="FF7F00"/>
-                </a:solidFill>
-                <a:latin typeface="Courier"/>
-                <a:ea typeface="Courier"/>
-                <a:cs typeface="Courier"/>
-                <a:sym typeface="Courier New"/>
-              </a:rPr>
-              <a:t>', </a:t>
-            </a:r>
-            <a:r>
-              <a:rPr lang="en-US" sz="2600" dirty="0" err="1">
+              <a:t>'Μετά', </a:t>
+            </a:r>
+            <a:r>
+              <a:rPr lang="el-GR" sz="2600" dirty="0" err="1">
                 <a:solidFill>
                   <a:srgbClr val="00FF00"/>
                 </a:solidFill>
@@ -40325,10 +40868,10 @@
                 <a:cs typeface="Courier"/>
                 <a:sym typeface="Courier New"/>
               </a:rPr>
-              <a:t>smallest_so_far</a:t>
-            </a:r>
-            <a:r>
-              <a:rPr lang="en-US" sz="2600" dirty="0">
+              <a:t>μικρότερος_μέχρι_στιγμή</a:t>
+            </a:r>
+            <a:r>
+              <a:rPr lang="el-GR" sz="2600" dirty="0">
                 <a:solidFill>
                   <a:schemeClr val="bg1"/>
                 </a:solidFill>
@@ -40339,6 +40882,15 @@
               </a:rPr>
               <a:t>)</a:t>
             </a:r>
+            <a:endParaRPr lang="en-US" sz="2600" dirty="0">
+              <a:solidFill>
+                <a:schemeClr val="bg1"/>
+              </a:solidFill>
+              <a:latin typeface="Courier"/>
+              <a:ea typeface="Courier"/>
+              <a:cs typeface="Courier"/>
+              <a:sym typeface="Courier New"/>
+            </a:endParaRPr>
           </a:p>
         </p:txBody>
       </p:sp>
@@ -40350,7 +40902,7 @@
         </p:nvSpPr>
         <p:spPr>
           <a:xfrm>
-            <a:off x="906525" y="7194551"/>
+            <a:off x="873788" y="7400896"/>
             <a:ext cx="14757599" cy="992188"/>
           </a:xfrm>
           <a:prstGeom prst="rect">
@@ -40409,26 +40961,26 @@
               <a:t> </a:t>
             </a:r>
             <a:r>
-              <a:rPr lang="en-US" sz="3200" dirty="0" err="1">
+              <a:rPr lang="el-GR" sz="3200" dirty="0" err="1">
                 <a:solidFill>
                   <a:srgbClr val="00FF00"/>
                 </a:solidFill>
-                <a:latin typeface="Arial" charset="0"/>
-                <a:ea typeface="Arial" charset="0"/>
-                <a:cs typeface="Arial" charset="0"/>
-                <a:sym typeface="Cabin"/>
-              </a:rPr>
-              <a:t>smallest_so_far</a:t>
-            </a:r>
-            <a:r>
-              <a:rPr lang="en-US" sz="3200" dirty="0">
-                <a:solidFill>
-                  <a:schemeClr val="lt1"/>
-                </a:solidFill>
-                <a:latin typeface="Arial" charset="0"/>
-                <a:ea typeface="Arial" charset="0"/>
-                <a:cs typeface="Arial" charset="0"/>
-                <a:sym typeface="Cabin"/>
+                <a:latin typeface="Courier"/>
+                <a:ea typeface="Courier"/>
+                <a:cs typeface="Courier"/>
+                <a:sym typeface="Courier New"/>
+              </a:rPr>
+              <a:t>μικρότερος_μέχρι_στιγμή</a:t>
+            </a:r>
+            <a:r>
+              <a:rPr lang="el-GR" sz="3200" dirty="0">
+                <a:solidFill>
+                  <a:srgbClr val="00FF00"/>
+                </a:solidFill>
+                <a:latin typeface="Courier"/>
+                <a:ea typeface="Courier"/>
+                <a:cs typeface="Courier"/>
+                <a:sym typeface="Courier New"/>
               </a:rPr>
               <a:t> </a:t>
             </a:r>
@@ -41325,7 +41877,7 @@
               <a:buNone/>
             </a:pPr>
             <a:r>
-              <a:rPr lang="en-US" sz="3600" u="none" strike="noStrike" cap="none">
+              <a:rPr lang="en-US" sz="3600" u="none" strike="noStrike" cap="none" dirty="0">
                 <a:solidFill>
                   <a:schemeClr val="lt1"/>
                 </a:solidFill>
@@ -41337,7 +41889,7 @@
               <a:t>&gt; </a:t>
             </a:r>
             <a:r>
-              <a:rPr lang="en-US" sz="3200" u="none" strike="noStrike" cap="none">
+              <a:rPr lang="el-GR" sz="3200" u="none" strike="noStrike" cap="none" dirty="0">
                 <a:solidFill>
                   <a:srgbClr val="00FF00"/>
                 </a:solidFill>
@@ -41346,8 +41898,17 @@
                 <a:cs typeface="Arial" charset="0"/>
                 <a:sym typeface="Cabin"/>
               </a:rPr>
-              <a:t>hello there</a:t>
-            </a:r>
+              <a:t>Γειά σας</a:t>
+            </a:r>
+            <a:endParaRPr lang="en-US" sz="3200" u="none" strike="noStrike" cap="none" dirty="0">
+              <a:solidFill>
+                <a:srgbClr val="00FF00"/>
+              </a:solidFill>
+              <a:latin typeface="Arial" charset="0"/>
+              <a:ea typeface="Arial" charset="0"/>
+              <a:cs typeface="Arial" charset="0"/>
+              <a:sym typeface="Cabin"/>
+            </a:endParaRPr>
           </a:p>
           <a:p>
             <a:pPr marL="0" marR="0" lvl="0" indent="0" algn="l" rtl="0">
@@ -41368,7 +41929,7 @@
               <a:buNone/>
             </a:pPr>
             <a:r>
-              <a:rPr lang="en-US" sz="3200" u="none" strike="noStrike" cap="none" dirty="0">
+              <a:rPr lang="el-GR" sz="3200" u="none" strike="noStrike" cap="none" dirty="0">
                 <a:solidFill>
                   <a:schemeClr val="lt1"/>
                 </a:solidFill>
@@ -41377,8 +41938,17 @@
                 <a:cs typeface="Arial" charset="0"/>
                 <a:sym typeface="Cabin"/>
               </a:rPr>
-              <a:t>hello there</a:t>
-            </a:r>
+              <a:t>Γειά σας</a:t>
+            </a:r>
+            <a:endParaRPr lang="en-US" sz="3200" u="none" strike="noStrike" cap="none" dirty="0">
+              <a:solidFill>
+                <a:schemeClr val="lt1"/>
+              </a:solidFill>
+              <a:latin typeface="Arial" charset="0"/>
+              <a:ea typeface="Arial" charset="0"/>
+              <a:cs typeface="Arial" charset="0"/>
+              <a:sym typeface="Cabin"/>
+            </a:endParaRPr>
           </a:p>
           <a:p>
             <a:pPr marL="0" marR="0" lvl="0" indent="0" algn="l" rtl="0">
@@ -41411,7 +41981,7 @@
               <a:t>&gt; </a:t>
             </a:r>
             <a:r>
-              <a:rPr lang="en-US" sz="3200" u="none" strike="noStrike" cap="none" dirty="0">
+              <a:rPr lang="el-GR" sz="3200" u="none" strike="noStrike" cap="none" dirty="0">
                 <a:solidFill>
                   <a:srgbClr val="00FF00"/>
                 </a:solidFill>
@@ -41420,8 +41990,17 @@
                 <a:cs typeface="Arial" charset="0"/>
                 <a:sym typeface="Cabin"/>
               </a:rPr>
-              <a:t>finished</a:t>
-            </a:r>
+              <a:t>τελείωσε</a:t>
+            </a:r>
+            <a:endParaRPr lang="en-US" sz="3200" u="none" strike="noStrike" cap="none" dirty="0">
+              <a:solidFill>
+                <a:srgbClr val="00FF00"/>
+              </a:solidFill>
+              <a:latin typeface="Arial" charset="0"/>
+              <a:ea typeface="Arial" charset="0"/>
+              <a:cs typeface="Arial" charset="0"/>
+              <a:sym typeface="Cabin"/>
+            </a:endParaRPr>
           </a:p>
           <a:p>
             <a:pPr marL="0" marR="0" lvl="0" indent="0" algn="l" rtl="0">
@@ -41442,7 +42021,7 @@
               <a:buNone/>
             </a:pPr>
             <a:r>
-              <a:rPr lang="en-US" sz="3200" u="none" strike="noStrike" cap="none" dirty="0">
+              <a:rPr lang="el-GR" sz="3200" u="none" strike="noStrike" cap="none" dirty="0">
                 <a:solidFill>
                   <a:schemeClr val="lt1"/>
                 </a:solidFill>
@@ -41451,8 +42030,17 @@
                 <a:cs typeface="Arial" charset="0"/>
                 <a:sym typeface="Cabin"/>
               </a:rPr>
-              <a:t>finished</a:t>
-            </a:r>
+              <a:t>τελείωσε</a:t>
+            </a:r>
+            <a:endParaRPr lang="en-US" sz="3200" u="none" strike="noStrike" cap="none" dirty="0">
+              <a:solidFill>
+                <a:schemeClr val="lt1"/>
+              </a:solidFill>
+              <a:latin typeface="Arial" charset="0"/>
+              <a:ea typeface="Arial" charset="0"/>
+              <a:cs typeface="Arial" charset="0"/>
+              <a:sym typeface="Cabin"/>
+            </a:endParaRPr>
           </a:p>
           <a:p>
             <a:pPr marL="0" marR="0" lvl="0" indent="0" algn="l" rtl="0">
@@ -41485,7 +42073,7 @@
               <a:t>&gt; </a:t>
             </a:r>
             <a:r>
-              <a:rPr lang="en-US" sz="3200" u="none" strike="noStrike" cap="none" dirty="0">
+              <a:rPr lang="el-GR" sz="3200" u="none" strike="noStrike" cap="none" dirty="0">
                 <a:solidFill>
                   <a:srgbClr val="00FF00"/>
                 </a:solidFill>
@@ -41494,8 +42082,17 @@
                 <a:cs typeface="Arial" charset="0"/>
                 <a:sym typeface="Cabin"/>
               </a:rPr>
-              <a:t>done</a:t>
-            </a:r>
+              <a:t>τέλος</a:t>
+            </a:r>
+            <a:endParaRPr lang="en-US" sz="3200" u="none" strike="noStrike" cap="none" dirty="0">
+              <a:solidFill>
+                <a:srgbClr val="00FF00"/>
+              </a:solidFill>
+              <a:latin typeface="Arial" charset="0"/>
+              <a:ea typeface="Arial" charset="0"/>
+              <a:cs typeface="Arial" charset="0"/>
+              <a:sym typeface="Cabin"/>
+            </a:endParaRPr>
           </a:p>
           <a:p>
             <a:pPr marL="0" marR="0" lvl="0" indent="0" algn="l" rtl="0">
@@ -41516,6 +42113,18 @@
               <a:buNone/>
             </a:pPr>
             <a:r>
+              <a:rPr lang="el-GR" sz="3200" u="none" strike="noStrike" cap="none" dirty="0">
+                <a:solidFill>
+                  <a:schemeClr val="lt1"/>
+                </a:solidFill>
+                <a:latin typeface="Arial" charset="0"/>
+                <a:ea typeface="Arial" charset="0"/>
+                <a:cs typeface="Arial" charset="0"/>
+                <a:sym typeface="Cabin"/>
+              </a:rPr>
+              <a:t>Τέλος</a:t>
+            </a:r>
+            <a:r>
               <a:rPr lang="en-US" sz="3200" u="none" strike="noStrike" cap="none" dirty="0">
                 <a:solidFill>
                   <a:schemeClr val="lt1"/>
@@ -41525,7 +42134,7 @@
                 <a:cs typeface="Arial" charset="0"/>
                 <a:sym typeface="Cabin"/>
               </a:rPr>
-              <a:t>Done!</a:t>
+              <a:t>!</a:t>
             </a:r>
           </a:p>
         </p:txBody>
@@ -41652,7 +42261,7 @@
               <a:t>    </a:t>
             </a:r>
             <a:r>
-              <a:rPr lang="en-US" sz="3000" i="0" u="none" strike="noStrike" cap="none" dirty="0">
+              <a:rPr lang="el-GR" sz="3000" i="0" u="none" strike="noStrike" cap="none" dirty="0">
                 <a:solidFill>
                   <a:srgbClr val="00FF00"/>
                 </a:solidFill>
@@ -41661,7 +42270,7 @@
                 <a:cs typeface="Courier"/>
                 <a:sym typeface="Courier New"/>
               </a:rPr>
-              <a:t>line</a:t>
+              <a:t>γραμμή</a:t>
             </a:r>
             <a:r>
               <a:rPr lang="en-US" sz="3000" i="0" u="none" strike="noStrike" cap="none" dirty="0">
@@ -41779,21 +42388,45 @@
               <a:t>if </a:t>
             </a:r>
             <a:r>
+              <a:rPr lang="el-GR" sz="3000" i="0" u="none" strike="noStrike" cap="none" dirty="0">
+                <a:solidFill>
+                  <a:srgbClr val="00FF00"/>
+                </a:solidFill>
+                <a:latin typeface="Courier"/>
+                <a:ea typeface="Courier"/>
+                <a:cs typeface="Courier"/>
+                <a:sym typeface="Courier New"/>
+              </a:rPr>
+              <a:t>γραμμή</a:t>
+            </a:r>
+            <a:r>
               <a:rPr lang="en-US" sz="3000" i="0" u="none" strike="noStrike" cap="none" dirty="0">
                 <a:solidFill>
-                  <a:srgbClr val="00FF00"/>
-                </a:solidFill>
-                <a:latin typeface="Courier"/>
-                <a:ea typeface="Courier"/>
-                <a:cs typeface="Courier"/>
-                <a:sym typeface="Courier New"/>
-              </a:rPr>
-              <a:t>line</a:t>
+                  <a:schemeClr val="lt1"/>
+                </a:solidFill>
+                <a:latin typeface="Courier"/>
+                <a:ea typeface="Courier"/>
+                <a:cs typeface="Courier"/>
+                <a:sym typeface="Courier New"/>
+              </a:rPr>
+              <a:t> </a:t>
             </a:r>
             <a:r>
               <a:rPr lang="en-US" sz="3000" i="0" u="none" strike="noStrike" cap="none" dirty="0">
                 <a:solidFill>
-                  <a:schemeClr val="lt1"/>
+                  <a:srgbClr val="00FFFF"/>
+                </a:solidFill>
+                <a:latin typeface="Courier"/>
+                <a:ea typeface="Courier"/>
+                <a:cs typeface="Courier"/>
+                <a:sym typeface="Courier New"/>
+              </a:rPr>
+              <a:t>==</a:t>
+            </a:r>
+            <a:r>
+              <a:rPr lang="en-US" sz="3000" i="0" u="none" strike="noStrike" cap="none" dirty="0">
+                <a:solidFill>
+                  <a:srgbClr val="FF9900"/>
                 </a:solidFill>
                 <a:latin typeface="Courier"/>
                 <a:ea typeface="Courier"/>
@@ -41805,30 +42438,30 @@
             <a:r>
               <a:rPr lang="en-US" sz="3000" i="0" u="none" strike="noStrike" cap="none" dirty="0">
                 <a:solidFill>
-                  <a:srgbClr val="00FFFF"/>
-                </a:solidFill>
-                <a:latin typeface="Courier"/>
-                <a:ea typeface="Courier"/>
-                <a:cs typeface="Courier"/>
-                <a:sym typeface="Courier New"/>
-              </a:rPr>
-              <a:t>==</a:t>
+                  <a:srgbClr val="FFFFFF"/>
+                </a:solidFill>
+                <a:latin typeface="Courier"/>
+                <a:ea typeface="Courier"/>
+                <a:cs typeface="Courier"/>
+                <a:sym typeface="Courier New"/>
+              </a:rPr>
+              <a:t>'</a:t>
+            </a:r>
+            <a:r>
+              <a:rPr lang="el-GR" sz="3000" i="0" u="none" strike="noStrike" cap="none" dirty="0">
+                <a:solidFill>
+                  <a:srgbClr val="FFFFFF"/>
+                </a:solidFill>
+                <a:latin typeface="Courier"/>
+                <a:ea typeface="Courier"/>
+                <a:cs typeface="Courier"/>
+                <a:sym typeface="Courier New"/>
+              </a:rPr>
+              <a:t>τέλος</a:t>
             </a:r>
             <a:r>
               <a:rPr lang="en-US" sz="3000" i="0" u="none" strike="noStrike" cap="none" dirty="0">
                 <a:solidFill>
-                  <a:srgbClr val="FF9900"/>
-                </a:solidFill>
-                <a:latin typeface="Courier"/>
-                <a:ea typeface="Courier"/>
-                <a:cs typeface="Courier"/>
-                <a:sym typeface="Courier New"/>
-              </a:rPr>
-              <a:t> </a:t>
-            </a:r>
-            <a:r>
-              <a:rPr lang="en-US" sz="3000" i="0" u="none" strike="noStrike" cap="none" dirty="0">
-                <a:solidFill>
                   <a:srgbClr val="FFFFFF"/>
                 </a:solidFill>
                 <a:latin typeface="Courier"/>
@@ -41836,7 +42469,7 @@
                 <a:cs typeface="Courier"/>
                 <a:sym typeface="Courier New"/>
               </a:rPr>
-              <a:t>'done'</a:t>
+              <a:t>'</a:t>
             </a:r>
             <a:r>
               <a:rPr lang="en-US" sz="3000" i="0" u="none" strike="noStrike" cap="none" dirty="0">
@@ -41961,7 +42594,7 @@
               <a:t>(</a:t>
             </a:r>
             <a:r>
-              <a:rPr lang="en-US" sz="3000" i="0" u="none" strike="noStrike" cap="none" dirty="0">
+              <a:rPr lang="el-GR" sz="3000" i="0" u="none" strike="noStrike" cap="none" dirty="0">
                 <a:solidFill>
                   <a:srgbClr val="00FF00"/>
                 </a:solidFill>
@@ -41970,7 +42603,7 @@
                 <a:cs typeface="Courier"/>
                 <a:sym typeface="Courier New"/>
               </a:rPr>
-              <a:t>line</a:t>
+              <a:t>γραμμή</a:t>
             </a:r>
             <a:r>
               <a:rPr lang="en-US" sz="3000" i="0" u="none" strike="noStrike" cap="none" dirty="0">
@@ -42037,7 +42670,31 @@
                 <a:cs typeface="Courier"/>
                 <a:sym typeface="Courier New"/>
               </a:rPr>
-              <a:t>'Done!')</a:t>
+              <a:t>'</a:t>
+            </a:r>
+            <a:r>
+              <a:rPr lang="el-GR" sz="3000" i="0" u="none" strike="noStrike" cap="none" dirty="0">
+                <a:solidFill>
+                  <a:srgbClr val="FFFFFF"/>
+                </a:solidFill>
+                <a:latin typeface="Courier"/>
+                <a:ea typeface="Courier"/>
+                <a:cs typeface="Courier"/>
+                <a:sym typeface="Courier New"/>
+              </a:rPr>
+              <a:t>Τέλος</a:t>
+            </a:r>
+            <a:r>
+              <a:rPr lang="en-US" sz="3000" i="0" u="none" strike="noStrike" cap="none" dirty="0">
+                <a:solidFill>
+                  <a:srgbClr val="FFFFFF"/>
+                </a:solidFill>
+                <a:latin typeface="Courier"/>
+                <a:ea typeface="Courier"/>
+                <a:cs typeface="Courier"/>
+                <a:sym typeface="Courier New"/>
+              </a:rPr>
+              <a:t>!')</a:t>
             </a:r>
           </a:p>
         </p:txBody>
@@ -42103,39 +42760,27 @@
                 <a:spcPts val="0"/>
               </a:spcAft>
               <a:buClr>
-                <a:srgbClr val="00FF00"/>
+                <a:srgbClr val="00FFFF"/>
               </a:buClr>
               <a:buSzPct val="25000"/>
               <a:buFont typeface="Cabin"/>
               <a:buNone/>
             </a:pPr>
             <a:r>
+              <a:rPr lang="el-GR" sz="2600" dirty="0">
+                <a:solidFill>
+                  <a:srgbClr val="00FF00"/>
+                </a:solidFill>
+                <a:latin typeface="Courier"/>
+                <a:ea typeface="Courier"/>
+                <a:cs typeface="Courier"/>
+                <a:sym typeface="Courier New"/>
+              </a:rPr>
+              <a:t>μικρότερος = </a:t>
+            </a:r>
+            <a:r>
               <a:rPr lang="en-US" sz="2600" i="0" u="none" strike="noStrike" cap="none" dirty="0">
                 <a:solidFill>
-                  <a:srgbClr val="00FF00"/>
-                </a:solidFill>
-                <a:latin typeface="Courier"/>
-                <a:ea typeface="Courier"/>
-                <a:cs typeface="Courier"/>
-                <a:sym typeface="Courier New"/>
-              </a:rPr>
-              <a:t>smallest =</a:t>
-            </a:r>
-            <a:r>
-              <a:rPr lang="en-US" sz="2600" i="0" u="none" strike="noStrike" cap="none" dirty="0">
-                <a:solidFill>
-                  <a:srgbClr val="FF7F00"/>
-                </a:solidFill>
-                <a:latin typeface="Courier"/>
-                <a:ea typeface="Courier"/>
-                <a:cs typeface="Courier"/>
-                <a:sym typeface="Courier New"/>
-              </a:rPr>
-              <a:t> </a:t>
-            </a:r>
-            <a:r>
-              <a:rPr lang="en-US" sz="2600" i="0" u="none" strike="noStrike" cap="none" dirty="0">
-                <a:solidFill>
                   <a:srgbClr val="FFFF00"/>
                 </a:solidFill>
                 <a:latin typeface="Courier"/>
@@ -42145,6 +42790,15 @@
               </a:rPr>
               <a:t>None</a:t>
             </a:r>
+            <a:endParaRPr lang="el-GR" sz="2600" dirty="0">
+              <a:solidFill>
+                <a:srgbClr val="00FF00"/>
+              </a:solidFill>
+              <a:latin typeface="Courier"/>
+              <a:ea typeface="Courier"/>
+              <a:cs typeface="Courier"/>
+              <a:sym typeface="Courier New"/>
+            </a:endParaRPr>
           </a:p>
           <a:p>
             <a:pPr marL="0" marR="0" lvl="0" indent="0" algn="l" rtl="0">
@@ -42165,7 +42819,7 @@
               <a:buNone/>
             </a:pPr>
             <a:r>
-              <a:rPr lang="en-US" sz="2600" i="0" u="none" strike="noStrike" cap="none" dirty="0">
+              <a:rPr lang="el-GR" sz="2600" i="0" u="none" strike="noStrike" cap="none" dirty="0" err="1">
                 <a:solidFill>
                   <a:srgbClr val="FFFF00"/>
                 </a:solidFill>
@@ -42177,7 +42831,7 @@
               <a:t>print</a:t>
             </a:r>
             <a:r>
-              <a:rPr lang="en-US" sz="2600" i="0" u="none" strike="noStrike" cap="none" dirty="0">
+              <a:rPr lang="el-GR" sz="2600" dirty="0">
                 <a:solidFill>
                   <a:schemeClr val="bg1"/>
                 </a:solidFill>
@@ -42189,7 +42843,7 @@
               <a:t>(</a:t>
             </a:r>
             <a:r>
-              <a:rPr lang="en-US" sz="2600" dirty="0">
+              <a:rPr lang="el-GR" sz="2600" i="0" u="none" strike="noStrike" cap="none" dirty="0">
                 <a:solidFill>
                   <a:srgbClr val="FF7F00"/>
                 </a:solidFill>
@@ -42198,34 +42852,10 @@
                 <a:cs typeface="Courier"/>
                 <a:sym typeface="Courier New"/>
               </a:rPr>
-              <a:t>'</a:t>
-            </a:r>
-            <a:r>
-              <a:rPr lang="el-GR" sz="2600" i="0" u="none" strike="noStrike" cap="none" dirty="0">
-                <a:solidFill>
-                  <a:srgbClr val="FF7F00"/>
-                </a:solidFill>
-                <a:latin typeface="Courier"/>
-                <a:ea typeface="Courier"/>
-                <a:cs typeface="Courier"/>
-                <a:sym typeface="Courier New"/>
-              </a:rPr>
-              <a:t>Πριν</a:t>
-            </a:r>
-            <a:r>
-              <a:rPr lang="en-US" sz="2600" dirty="0">
-                <a:solidFill>
-                  <a:srgbClr val="FF7F00"/>
-                </a:solidFill>
-                <a:latin typeface="Courier"/>
-                <a:ea typeface="Courier"/>
-                <a:cs typeface="Courier"/>
-                <a:sym typeface="Courier New"/>
-              </a:rPr>
-              <a:t>'</a:t>
-            </a:r>
-            <a:r>
-              <a:rPr lang="en-US" sz="2600" dirty="0">
+              <a:t>'Πριν'</a:t>
+            </a:r>
+            <a:r>
+              <a:rPr lang="el-GR" sz="2600" dirty="0">
                 <a:solidFill>
                   <a:schemeClr val="bg1"/>
                 </a:solidFill>
@@ -42256,20 +42886,157 @@
               <a:buNone/>
             </a:pPr>
             <a:r>
+              <a:rPr lang="el-GR" sz="2600" i="0" u="none" strike="noStrike" cap="none" dirty="0">
+                <a:solidFill>
+                  <a:srgbClr val="FFFF00"/>
+                </a:solidFill>
+                <a:latin typeface="Courier"/>
+                <a:ea typeface="Courier"/>
+                <a:cs typeface="Courier"/>
+                <a:sym typeface="Courier New"/>
+              </a:rPr>
+              <a:t>for</a:t>
+            </a:r>
+            <a:r>
+              <a:rPr lang="el-GR" sz="2600" i="0" u="none" strike="noStrike" cap="none" dirty="0">
+                <a:solidFill>
+                  <a:srgbClr val="FF00FF"/>
+                </a:solidFill>
+                <a:latin typeface="Courier"/>
+                <a:ea typeface="Courier"/>
+                <a:cs typeface="Courier"/>
+                <a:sym typeface="Courier New"/>
+              </a:rPr>
+              <a:t> τιμή </a:t>
+            </a:r>
+            <a:r>
               <a:rPr lang="en-US" sz="2600" i="0" u="none" strike="noStrike" cap="none" dirty="0">
                 <a:solidFill>
+                  <a:schemeClr val="lt1"/>
+                </a:solidFill>
+                <a:latin typeface="Courier"/>
+                <a:ea typeface="Courier"/>
+                <a:cs typeface="Courier"/>
+                <a:sym typeface="Courier New"/>
+              </a:rPr>
+              <a:t>in</a:t>
+            </a:r>
+            <a:r>
+              <a:rPr lang="el-GR" sz="2600" i="0" u="none" strike="noStrike" cap="none" dirty="0">
+                <a:solidFill>
+                  <a:srgbClr val="FF00FF"/>
+                </a:solidFill>
+                <a:latin typeface="Courier"/>
+                <a:ea typeface="Courier"/>
+                <a:cs typeface="Courier"/>
+                <a:sym typeface="Courier New"/>
+              </a:rPr>
+              <a:t> [9, 41, 12, 3, 74, 15] :</a:t>
+            </a:r>
+          </a:p>
+          <a:p>
+            <a:pPr marL="0" marR="0" lvl="0" indent="0" algn="l" rtl="0">
+              <a:lnSpc>
+                <a:spcPct val="100000"/>
+              </a:lnSpc>
+              <a:spcBef>
+                <a:spcPts val="0"/>
+              </a:spcBef>
+              <a:spcAft>
+                <a:spcPts val="0"/>
+              </a:spcAft>
+              <a:buClr>
+                <a:srgbClr val="FFFF00"/>
+              </a:buClr>
+              <a:buSzPct val="25000"/>
+              <a:buFont typeface="Cabin"/>
+              <a:buNone/>
+            </a:pPr>
+            <a:r>
+              <a:rPr lang="el-GR" sz="2600" dirty="0">
+                <a:solidFill>
+                  <a:srgbClr val="FF00FF"/>
+                </a:solidFill>
+                <a:latin typeface="Courier"/>
+                <a:ea typeface="Courier"/>
+                <a:cs typeface="Courier"/>
+                <a:sym typeface="Courier New"/>
+              </a:rPr>
+              <a:t>   </a:t>
+            </a:r>
+            <a:r>
+              <a:rPr lang="el-GR" sz="2600" dirty="0" err="1">
+                <a:solidFill>
                   <a:srgbClr val="FFFF00"/>
                 </a:solidFill>
                 <a:latin typeface="Courier"/>
-                <a:ea typeface="Courier"/>
-                <a:cs typeface="Courier"/>
-                <a:sym typeface="Courier New"/>
-              </a:rPr>
-              <a:t>for</a:t>
+                <a:sym typeface="Courier New"/>
+              </a:rPr>
+              <a:t>if</a:t>
+            </a:r>
+            <a:r>
+              <a:rPr lang="el-GR" sz="2600" dirty="0">
+                <a:solidFill>
+                  <a:srgbClr val="FF00FF"/>
+                </a:solidFill>
+                <a:latin typeface="Courier"/>
+                <a:ea typeface="Courier"/>
+                <a:cs typeface="Courier"/>
+                <a:sym typeface="Courier New"/>
+              </a:rPr>
+              <a:t> </a:t>
+            </a:r>
+            <a:r>
+              <a:rPr lang="el-GR" sz="2600" dirty="0">
+                <a:solidFill>
+                  <a:srgbClr val="00FF00"/>
+                </a:solidFill>
+                <a:latin typeface="Courier"/>
+                <a:ea typeface="Courier"/>
+                <a:cs typeface="Courier"/>
+                <a:sym typeface="Courier New"/>
+              </a:rPr>
+              <a:t>μικρότερος </a:t>
+            </a:r>
+            <a:r>
+              <a:rPr lang="en-US" sz="2600" u="none" strike="noStrike" cap="none" dirty="0">
+                <a:solidFill>
+                  <a:srgbClr val="FFFF00"/>
+                </a:solidFill>
+                <a:latin typeface="Courier"/>
+                <a:ea typeface="Courier"/>
+                <a:cs typeface="Courier"/>
+                <a:sym typeface="Courier New"/>
+              </a:rPr>
+              <a:t>is</a:t>
             </a:r>
             <a:r>
               <a:rPr lang="en-US" sz="2600" i="0" u="none" strike="noStrike" cap="none" dirty="0">
                 <a:solidFill>
+                  <a:srgbClr val="00FF00"/>
+                </a:solidFill>
+                <a:latin typeface="Courier"/>
+                <a:ea typeface="Courier"/>
+                <a:cs typeface="Courier"/>
+                <a:sym typeface="Courier New"/>
+              </a:rPr>
+              <a:t> None</a:t>
+            </a:r>
+            <a:r>
+              <a:rPr lang="en-US" sz="2600" i="0" u="none" strike="noStrike" cap="none" dirty="0">
+                <a:solidFill>
+                  <a:schemeClr val="lt1"/>
+                </a:solidFill>
+                <a:latin typeface="Courier"/>
+                <a:ea typeface="Courier"/>
+                <a:cs typeface="Courier"/>
+                <a:sym typeface="Courier New"/>
+              </a:rPr>
+              <a:t> </a:t>
+            </a:r>
+            <a:r>
+              <a:rPr lang="en-US" sz="2600" i="0" u="none" strike="noStrike" cap="none" dirty="0">
+                <a:solidFill>
                   <a:srgbClr val="FF00FF"/>
                 </a:solidFill>
                 <a:latin typeface="Courier"/>
@@ -42277,32 +43044,17 @@
                 <a:cs typeface="Courier"/>
                 <a:sym typeface="Courier New"/>
               </a:rPr>
-              <a:t> value </a:t>
-            </a:r>
-            <a:r>
-              <a:rPr lang="en-US" sz="2600" i="0" u="none" strike="noStrike" cap="none" dirty="0">
-                <a:solidFill>
-                  <a:schemeClr val="lt1"/>
-                </a:solidFill>
-                <a:latin typeface="Courier"/>
-                <a:ea typeface="Courier"/>
-                <a:cs typeface="Courier"/>
-                <a:sym typeface="Courier New"/>
-              </a:rPr>
-              <a:t>in</a:t>
-            </a:r>
-            <a:r>
-              <a:rPr lang="en-US" sz="2600" i="0" u="none" strike="noStrike" cap="none" dirty="0">
-                <a:solidFill>
-                  <a:srgbClr val="FF00FF"/>
-                </a:solidFill>
-                <a:latin typeface="Courier"/>
-                <a:ea typeface="Courier"/>
-                <a:cs typeface="Courier"/>
-                <a:sym typeface="Courier New"/>
-              </a:rPr>
-              <a:t> [9, 41, 12, 3, 74, 15] :</a:t>
-            </a:r>
+              <a:t>:</a:t>
+            </a:r>
+            <a:endParaRPr lang="el-GR" sz="2600" dirty="0">
+              <a:solidFill>
+                <a:srgbClr val="FF00FF"/>
+              </a:solidFill>
+              <a:latin typeface="Courier"/>
+              <a:ea typeface="Courier"/>
+              <a:cs typeface="Courier"/>
+              <a:sym typeface="Courier New"/>
+            </a:endParaRPr>
           </a:p>
           <a:p>
             <a:pPr marL="0" marR="0" lvl="0" indent="0" algn="l" rtl="0">
@@ -42323,7 +43075,7 @@
               <a:buNone/>
             </a:pPr>
             <a:r>
-              <a:rPr lang="en-US" sz="2600" i="0" u="none" strike="noStrike" cap="none" dirty="0">
+              <a:rPr lang="el-GR" sz="2600" i="0" u="none" strike="noStrike" cap="none" dirty="0">
                 <a:solidFill>
                   <a:srgbClr val="FF00FF"/>
                 </a:solidFill>
@@ -42332,22 +43084,10 @@
                 <a:cs typeface="Courier"/>
                 <a:sym typeface="Courier New"/>
               </a:rPr>
-              <a:t>    </a:t>
-            </a:r>
-            <a:r>
-              <a:rPr lang="en-US" sz="2600" i="0" u="none" strike="noStrike" cap="none" dirty="0">
-                <a:solidFill>
-                  <a:srgbClr val="FFFF00"/>
-                </a:solidFill>
-                <a:latin typeface="Courier"/>
-                <a:ea typeface="Courier"/>
-                <a:cs typeface="Courier"/>
-                <a:sym typeface="Courier New"/>
-              </a:rPr>
-              <a:t>if</a:t>
-            </a:r>
-            <a:r>
-              <a:rPr lang="en-US" sz="2600" i="0" u="none" strike="noStrike" cap="none" dirty="0">
+              <a:t>	 </a:t>
+            </a:r>
+            <a:r>
+              <a:rPr lang="el-GR" sz="2600" dirty="0">
                 <a:solidFill>
                   <a:srgbClr val="00FF00"/>
                 </a:solidFill>
@@ -42356,46 +43096,10 @@
                 <a:cs typeface="Courier"/>
                 <a:sym typeface="Courier New"/>
               </a:rPr>
-              <a:t> smallest </a:t>
-            </a:r>
-            <a:r>
-              <a:rPr lang="en-US" sz="2600" u="none" strike="noStrike" cap="none" dirty="0">
-                <a:solidFill>
-                  <a:srgbClr val="FFFF00"/>
-                </a:solidFill>
-                <a:latin typeface="Courier"/>
-                <a:ea typeface="Courier"/>
-                <a:cs typeface="Courier"/>
-                <a:sym typeface="Courier New"/>
-              </a:rPr>
-              <a:t>is</a:t>
-            </a:r>
-            <a:r>
-              <a:rPr lang="en-US" sz="2600" i="0" u="none" strike="noStrike" cap="none" dirty="0">
-                <a:solidFill>
-                  <a:srgbClr val="00FF00"/>
-                </a:solidFill>
-                <a:latin typeface="Courier"/>
-                <a:ea typeface="Courier"/>
-                <a:cs typeface="Courier"/>
-                <a:sym typeface="Courier New"/>
-              </a:rPr>
-              <a:t> None</a:t>
-            </a:r>
-            <a:r>
-              <a:rPr lang="en-US" sz="2600" i="0" u="none" strike="noStrike" cap="none" dirty="0">
-                <a:solidFill>
-                  <a:schemeClr val="lt1"/>
-                </a:solidFill>
-                <a:latin typeface="Courier"/>
-                <a:ea typeface="Courier"/>
-                <a:cs typeface="Courier"/>
-                <a:sym typeface="Courier New"/>
-              </a:rPr>
-              <a:t> </a:t>
-            </a:r>
-            <a:r>
-              <a:rPr lang="en-US" sz="2600" i="0" u="none" strike="noStrike" cap="none" dirty="0">
+              <a:t>μικρότερος = </a:t>
+            </a:r>
+            <a:r>
+              <a:rPr lang="el-GR" sz="2600" i="0" u="none" strike="noStrike" cap="none" dirty="0">
                 <a:solidFill>
                   <a:srgbClr val="FF00FF"/>
                 </a:solidFill>
@@ -42404,50 +43108,7 @@
                 <a:cs typeface="Courier"/>
                 <a:sym typeface="Courier New"/>
               </a:rPr>
-              <a:t>: </a:t>
-            </a:r>
-          </a:p>
-          <a:p>
-            <a:pPr marL="0" marR="0" lvl="0" indent="0" algn="l" rtl="0">
-              <a:lnSpc>
-                <a:spcPct val="100000"/>
-              </a:lnSpc>
-              <a:spcBef>
-                <a:spcPts val="0"/>
-              </a:spcBef>
-              <a:spcAft>
-                <a:spcPts val="0"/>
-              </a:spcAft>
-              <a:buClr>
-                <a:srgbClr val="00FF00"/>
-              </a:buClr>
-              <a:buSzPct val="25000"/>
-              <a:buFont typeface="Cabin"/>
-              <a:buNone/>
-            </a:pPr>
-            <a:r>
-              <a:rPr lang="en-US" sz="2600" i="0" u="none" strike="noStrike" cap="none" dirty="0">
-                <a:solidFill>
-                  <a:srgbClr val="00FF00"/>
-                </a:solidFill>
-                <a:latin typeface="Courier"/>
-                <a:ea typeface="Courier"/>
-                <a:cs typeface="Courier"/>
-                <a:sym typeface="Courier New"/>
-              </a:rPr>
-              <a:t>        smallest </a:t>
-            </a:r>
-            <a:r>
-              <a:rPr lang="en-US" sz="2600" i="0" u="none" strike="noStrike" cap="none" dirty="0">
-                <a:solidFill>
-                  <a:srgbClr val="FF00FF"/>
-                </a:solidFill>
-                <a:latin typeface="Courier"/>
-                <a:ea typeface="Courier"/>
-                <a:cs typeface="Courier"/>
-                <a:sym typeface="Courier New"/>
-              </a:rPr>
-              <a:t>= value</a:t>
+              <a:t>τιμή</a:t>
             </a:r>
           </a:p>
           <a:p>
@@ -42469,6 +43130,30 @@
               <a:buNone/>
             </a:pPr>
             <a:r>
+              <a:rPr lang="el-GR" sz="2600" dirty="0">
+                <a:solidFill>
+                  <a:srgbClr val="FF00FF"/>
+                </a:solidFill>
+                <a:latin typeface="Courier"/>
+                <a:ea typeface="Courier"/>
+                <a:cs typeface="Courier"/>
+                <a:sym typeface="Courier New"/>
+              </a:rPr>
+              <a:t>   </a:t>
+            </a:r>
+            <a:r>
+              <a:rPr lang="en-US" sz="2600" i="0" u="none" strike="noStrike" cap="none" dirty="0" err="1">
+                <a:solidFill>
+                  <a:srgbClr val="FFFF00"/>
+                </a:solidFill>
+                <a:latin typeface="Courier"/>
+                <a:ea typeface="Courier"/>
+                <a:cs typeface="Courier"/>
+                <a:sym typeface="Courier New"/>
+              </a:rPr>
+              <a:t>elif</a:t>
+            </a:r>
+            <a:r>
               <a:rPr lang="en-US" sz="2600" i="0" u="none" strike="noStrike" cap="none" dirty="0">
                 <a:solidFill>
                   <a:srgbClr val="FF00FF"/>
@@ -42478,23 +43163,23 @@
                 <a:cs typeface="Courier"/>
                 <a:sym typeface="Courier New"/>
               </a:rPr>
-              <a:t>    </a:t>
-            </a:r>
-            <a:r>
-              <a:rPr lang="en-US" sz="2600" i="0" u="none" strike="noStrike" cap="none" dirty="0" err="1">
-                <a:solidFill>
-                  <a:srgbClr val="FFFF00"/>
-                </a:solidFill>
-                <a:latin typeface="Courier"/>
-                <a:ea typeface="Courier"/>
-                <a:cs typeface="Courier"/>
-                <a:sym typeface="Courier New"/>
-              </a:rPr>
-              <a:t>elif</a:t>
+              <a:t> value &lt; </a:t>
             </a:r>
             <a:r>
               <a:rPr lang="en-US" sz="2600" i="0" u="none" strike="noStrike" cap="none" dirty="0">
                 <a:solidFill>
+                  <a:srgbClr val="00FF00"/>
+                </a:solidFill>
+                <a:latin typeface="Courier"/>
+                <a:ea typeface="Courier"/>
+                <a:cs typeface="Courier"/>
+                <a:sym typeface="Courier New"/>
+              </a:rPr>
+              <a:t>smallest</a:t>
+            </a:r>
+            <a:r>
+              <a:rPr lang="en-US" sz="2600" i="0" u="none" strike="noStrike" cap="none" dirty="0">
+                <a:solidFill>
                   <a:srgbClr val="FF00FF"/>
                 </a:solidFill>
                 <a:latin typeface="Courier"/>
@@ -42502,53 +43187,30 @@
                 <a:cs typeface="Courier"/>
                 <a:sym typeface="Courier New"/>
               </a:rPr>
-              <a:t> value &lt; </a:t>
-            </a:r>
-            <a:r>
-              <a:rPr lang="en-US" sz="2600" i="0" u="none" strike="noStrike" cap="none" dirty="0">
-                <a:solidFill>
-                  <a:srgbClr val="00FF00"/>
-                </a:solidFill>
-                <a:latin typeface="Courier"/>
-                <a:ea typeface="Courier"/>
-                <a:cs typeface="Courier"/>
-                <a:sym typeface="Courier New"/>
-              </a:rPr>
-              <a:t>smallest</a:t>
-            </a:r>
-            <a:r>
-              <a:rPr lang="en-US" sz="2600" i="0" u="none" strike="noStrike" cap="none" dirty="0">
-                <a:solidFill>
-                  <a:srgbClr val="FF00FF"/>
-                </a:solidFill>
-                <a:latin typeface="Courier"/>
-                <a:ea typeface="Courier"/>
-                <a:cs typeface="Courier"/>
-                <a:sym typeface="Courier New"/>
-              </a:rPr>
               <a:t> : </a:t>
             </a:r>
           </a:p>
           <a:p>
-            <a:pPr marL="0" marR="0" lvl="0" indent="0" algn="l" rtl="0">
-              <a:lnSpc>
-                <a:spcPct val="100000"/>
-              </a:lnSpc>
-              <a:spcBef>
-                <a:spcPts val="0"/>
-              </a:spcBef>
-              <a:spcAft>
-                <a:spcPts val="0"/>
-              </a:spcAft>
+            <a:pPr>
               <a:buClr>
                 <a:srgbClr val="00FF00"/>
               </a:buClr>
               <a:buSzPct val="25000"/>
-              <a:buFont typeface="Cabin"/>
-              <a:buNone/>
-            </a:pPr>
-            <a:r>
-              <a:rPr lang="en-US" sz="2600" i="0" u="none" strike="noStrike" cap="none" dirty="0">
+            </a:pPr>
+            <a:r>
+              <a:rPr lang="el-GR" sz="2600" i="0" u="none" strike="noStrike" cap="none" dirty="0">
+                <a:solidFill>
+                  <a:srgbClr val="FF00FF"/>
+                </a:solidFill>
+                <a:latin typeface="Courier"/>
+                <a:ea typeface="Courier"/>
+                <a:cs typeface="Courier"/>
+                <a:sym typeface="Courier New"/>
+              </a:rPr>
+              <a:t>	 </a:t>
+            </a:r>
+            <a:r>
+              <a:rPr lang="el-GR" sz="2600" dirty="0">
                 <a:solidFill>
                   <a:srgbClr val="00FF00"/>
                 </a:solidFill>
@@ -42557,10 +43219,10 @@
                 <a:cs typeface="Courier"/>
                 <a:sym typeface="Courier New"/>
               </a:rPr>
-              <a:t>        smallest</a:t>
-            </a:r>
-            <a:r>
-              <a:rPr lang="en-US" sz="2600" i="0" u="none" strike="noStrike" cap="none" dirty="0">
+              <a:t>μικρότερος = </a:t>
+            </a:r>
+            <a:r>
+              <a:rPr lang="el-GR" sz="2600" i="0" u="none" strike="noStrike" cap="none" dirty="0">
                 <a:solidFill>
                   <a:srgbClr val="FF00FF"/>
                 </a:solidFill>
@@ -42569,8 +43231,17 @@
                 <a:cs typeface="Courier"/>
                 <a:sym typeface="Courier New"/>
               </a:rPr>
-              <a:t> = value</a:t>
-            </a:r>
+              <a:t>τιμή</a:t>
+            </a:r>
+            <a:endParaRPr lang="el-GR" sz="2600" dirty="0">
+              <a:solidFill>
+                <a:srgbClr val="FF00FF"/>
+              </a:solidFill>
+              <a:latin typeface="Courier"/>
+              <a:ea typeface="Courier"/>
+              <a:cs typeface="Courier"/>
+              <a:sym typeface="Courier New"/>
+            </a:endParaRPr>
           </a:p>
           <a:p>
             <a:pPr marL="0" marR="0" lvl="0" indent="0" algn="l" rtl="0">
@@ -42591,7 +43262,7 @@
               <a:buNone/>
             </a:pPr>
             <a:r>
-              <a:rPr lang="en-US" sz="2600" i="0" u="none" strike="noStrike" cap="none" dirty="0">
+              <a:rPr lang="el-GR" sz="2600" i="0" u="none" strike="noStrike" cap="none" dirty="0">
                 <a:solidFill>
                   <a:srgbClr val="FF00FF"/>
                 </a:solidFill>
@@ -42600,10 +43271,10 @@
                 <a:cs typeface="Courier"/>
                 <a:sym typeface="Courier New"/>
               </a:rPr>
-              <a:t>    </a:t>
-            </a:r>
-            <a:r>
-              <a:rPr lang="en-US" sz="2600" i="0" u="none" strike="noStrike" cap="none" dirty="0">
+              <a:t>   </a:t>
+            </a:r>
+            <a:r>
+              <a:rPr lang="el-GR" sz="2600" i="0" u="none" strike="noStrike" cap="none" dirty="0" err="1">
                 <a:solidFill>
                   <a:srgbClr val="FFFF00"/>
                 </a:solidFill>
@@ -42615,7 +43286,7 @@
               <a:t>print</a:t>
             </a:r>
             <a:r>
-              <a:rPr lang="en-US" sz="2600" dirty="0">
+              <a:rPr lang="el-GR" sz="2600" dirty="0">
                 <a:solidFill>
                   <a:schemeClr val="bg1"/>
                 </a:solidFill>
@@ -42627,7 +43298,7 @@
               <a:t>(</a:t>
             </a:r>
             <a:r>
-              <a:rPr lang="en-US" sz="2600" i="0" u="none" strike="noStrike" cap="none" dirty="0">
+              <a:rPr lang="el-GR" sz="2600" dirty="0">
                 <a:solidFill>
                   <a:srgbClr val="00FF00"/>
                 </a:solidFill>
@@ -42636,10 +43307,10 @@
                 <a:cs typeface="Courier"/>
                 <a:sym typeface="Courier New"/>
               </a:rPr>
-              <a:t>smallest, </a:t>
-            </a:r>
-            <a:r>
-              <a:rPr lang="en-US" sz="2600" i="0" u="none" strike="noStrike" cap="none" dirty="0">
+              <a:t>μικρότερος,</a:t>
+            </a:r>
+            <a:r>
+              <a:rPr lang="el-GR" sz="2600" i="0" u="none" strike="noStrike" cap="none" dirty="0">
                 <a:solidFill>
                   <a:srgbClr val="FF00FF"/>
                 </a:solidFill>
@@ -42648,10 +43319,10 @@
                 <a:cs typeface="Courier"/>
                 <a:sym typeface="Courier New"/>
               </a:rPr>
-              <a:t>value</a:t>
-            </a:r>
-            <a:r>
-              <a:rPr lang="en-US" sz="2600" i="0" u="none" strike="noStrike" cap="none" dirty="0">
+              <a:t> τιμή</a:t>
+            </a:r>
+            <a:r>
+              <a:rPr lang="el-GR" sz="2600" dirty="0">
                 <a:solidFill>
                   <a:schemeClr val="bg1"/>
                 </a:solidFill>
@@ -42662,6 +43333,15 @@
               </a:rPr>
               <a:t>)</a:t>
             </a:r>
+            <a:endParaRPr lang="el-GR" sz="2600" dirty="0">
+              <a:solidFill>
+                <a:srgbClr val="FF00FF"/>
+              </a:solidFill>
+              <a:latin typeface="Courier"/>
+              <a:ea typeface="Courier"/>
+              <a:cs typeface="Courier"/>
+              <a:sym typeface="Courier New"/>
+            </a:endParaRPr>
           </a:p>
           <a:p>
             <a:pPr marL="0" marR="0" lvl="0" indent="0" algn="l" rtl="0">
@@ -42682,7 +43362,7 @@
               <a:buNone/>
             </a:pPr>
             <a:r>
-              <a:rPr lang="en-US" sz="2600" i="0" u="none" strike="noStrike" cap="none" dirty="0">
+              <a:rPr lang="el-GR" sz="2600" i="0" u="none" strike="noStrike" cap="none" dirty="0" err="1">
                 <a:solidFill>
                   <a:srgbClr val="FFFF00"/>
                 </a:solidFill>
@@ -42694,7 +43374,7 @@
               <a:t>print</a:t>
             </a:r>
             <a:r>
-              <a:rPr lang="en-US" sz="2600" dirty="0">
+              <a:rPr lang="el-GR" sz="2600" i="0" u="none" strike="noStrike" cap="none" dirty="0">
                 <a:solidFill>
                   <a:schemeClr val="bg1"/>
                 </a:solidFill>
@@ -42706,7 +43386,7 @@
               <a:t>(</a:t>
             </a:r>
             <a:r>
-              <a:rPr lang="en-US" sz="2600" dirty="0">
+              <a:rPr lang="el-GR" sz="2600" i="0" u="none" strike="noStrike" cap="none" dirty="0">
                 <a:solidFill>
                   <a:srgbClr val="FF7F00"/>
                 </a:solidFill>
@@ -42715,34 +43395,10 @@
                 <a:cs typeface="Courier"/>
                 <a:sym typeface="Courier New"/>
               </a:rPr>
-              <a:t>'</a:t>
-            </a:r>
-            <a:r>
-              <a:rPr lang="el-GR" sz="2600" i="0" u="none" strike="noStrike" cap="none" dirty="0">
-                <a:solidFill>
-                  <a:srgbClr val="FF7F00"/>
-                </a:solidFill>
-                <a:latin typeface="Courier"/>
-                <a:ea typeface="Courier"/>
-                <a:cs typeface="Courier"/>
-                <a:sym typeface="Courier New"/>
-              </a:rPr>
-              <a:t>Μετά</a:t>
-            </a:r>
-            <a:r>
-              <a:rPr lang="en-US" sz="2600" i="0" u="none" strike="noStrike" cap="none" dirty="0">
-                <a:solidFill>
-                  <a:srgbClr val="FF7F00"/>
-                </a:solidFill>
-                <a:latin typeface="Courier"/>
-                <a:ea typeface="Courier"/>
-                <a:cs typeface="Courier"/>
-                <a:sym typeface="Courier New"/>
-              </a:rPr>
-              <a:t>', </a:t>
-            </a:r>
-            <a:r>
-              <a:rPr lang="en-US" sz="2600" i="0" u="none" strike="noStrike" cap="none" dirty="0">
+              <a:t>'Μετά', </a:t>
+            </a:r>
+            <a:r>
+              <a:rPr lang="el-GR" sz="2600" dirty="0">
                 <a:solidFill>
                   <a:srgbClr val="00FF00"/>
                 </a:solidFill>
@@ -42751,10 +43407,10 @@
                 <a:cs typeface="Courier"/>
                 <a:sym typeface="Courier New"/>
               </a:rPr>
-              <a:t>smallest</a:t>
-            </a:r>
-            <a:r>
-              <a:rPr lang="en-US" sz="2600" i="0" u="none" strike="noStrike" cap="none" dirty="0">
+              <a:t>μικρότερος</a:t>
+            </a:r>
+            <a:r>
+              <a:rPr lang="el-GR" sz="2600" dirty="0">
                 <a:solidFill>
                   <a:schemeClr val="bg1"/>
                 </a:solidFill>
@@ -42765,6 +43421,15 @@
               </a:rPr>
               <a:t>)</a:t>
             </a:r>
+            <a:endParaRPr lang="en-US" sz="2600" dirty="0">
+              <a:solidFill>
+                <a:schemeClr val="bg1"/>
+              </a:solidFill>
+              <a:latin typeface="Courier"/>
+              <a:ea typeface="Courier"/>
+              <a:cs typeface="Courier"/>
+              <a:sym typeface="Courier New"/>
+            </a:endParaRPr>
           </a:p>
         </p:txBody>
       </p:sp>
@@ -43911,7 +44576,7 @@
               <a:buNone/>
             </a:pPr>
             <a:r>
-              <a:rPr lang="en-US" sz="2600" i="0" u="none" strike="noStrike" cap="none" dirty="0">
+              <a:rPr lang="el-GR" sz="2600" i="0" u="none" strike="noStrike" cap="none" dirty="0">
                 <a:solidFill>
                   <a:srgbClr val="00FF00"/>
                 </a:solidFill>
@@ -43920,7 +44585,7 @@
                 <a:cs typeface="Courier"/>
                 <a:sym typeface="Courier New"/>
               </a:rPr>
-              <a:t>smallest</a:t>
+              <a:t>μικρότερος</a:t>
             </a:r>
             <a:r>
               <a:rPr lang="en-US" sz="2600" i="0" u="none" strike="noStrike" cap="none" dirty="0">
@@ -44054,7 +44719,31 @@
                 <a:cs typeface="Courier"/>
                 <a:sym typeface="Courier New"/>
               </a:rPr>
-              <a:t> value </a:t>
+              <a:t> </a:t>
+            </a:r>
+            <a:r>
+              <a:rPr lang="el-GR" sz="2600" i="0" u="none" strike="noStrike" cap="none" dirty="0">
+                <a:solidFill>
+                  <a:schemeClr val="lt1"/>
+                </a:solidFill>
+                <a:latin typeface="Courier"/>
+                <a:ea typeface="Courier"/>
+                <a:cs typeface="Courier"/>
+                <a:sym typeface="Courier New"/>
+              </a:rPr>
+              <a:t>τιμή</a:t>
+            </a:r>
+            <a:r>
+              <a:rPr lang="en-US" sz="2600" i="0" u="none" strike="noStrike" cap="none" dirty="0">
+                <a:solidFill>
+                  <a:schemeClr val="lt1"/>
+                </a:solidFill>
+                <a:latin typeface="Courier"/>
+                <a:ea typeface="Courier"/>
+                <a:cs typeface="Courier"/>
+                <a:sym typeface="Courier New"/>
+              </a:rPr>
+              <a:t> </a:t>
             </a:r>
             <a:r>
               <a:rPr lang="en-US" sz="2600" i="0" u="none" strike="noStrike" cap="none" dirty="0">
@@ -44136,7 +44825,7 @@
               <a:t> </a:t>
             </a:r>
             <a:r>
-              <a:rPr lang="en-US" sz="2600" i="0" u="none" strike="noStrike" cap="none" dirty="0">
+              <a:rPr lang="el-GR" sz="2600" i="0" u="none" strike="noStrike" cap="none" dirty="0">
                 <a:solidFill>
                   <a:srgbClr val="00FF00"/>
                 </a:solidFill>
@@ -44145,7 +44834,7 @@
                 <a:cs typeface="Courier"/>
                 <a:sym typeface="Courier New"/>
               </a:rPr>
-              <a:t>smallest</a:t>
+              <a:t>μικρότερος</a:t>
             </a:r>
             <a:r>
               <a:rPr lang="en-US" sz="2600" i="0" u="none" strike="noStrike" cap="none" dirty="0">
@@ -44227,6 +44916,18 @@
               <a:buNone/>
             </a:pPr>
             <a:r>
+              <a:rPr lang="el-GR" sz="2600" i="0" u="none" strike="noStrike" cap="none" dirty="0">
+                <a:solidFill>
+                  <a:schemeClr val="lt1"/>
+                </a:solidFill>
+                <a:latin typeface="Courier"/>
+                <a:ea typeface="Courier"/>
+                <a:cs typeface="Courier"/>
+                <a:sym typeface="Courier New"/>
+              </a:rPr>
+              <a:t>       </a:t>
+            </a:r>
+            <a:r>
               <a:rPr lang="en-US" sz="2600" i="0" u="none" strike="noStrike" cap="none" dirty="0">
                 <a:solidFill>
                   <a:schemeClr val="lt1"/>
@@ -44236,23 +44937,23 @@
                 <a:cs typeface="Courier"/>
                 <a:sym typeface="Courier New"/>
               </a:rPr>
-              <a:t>        </a:t>
+              <a:t> </a:t>
+            </a:r>
+            <a:r>
+              <a:rPr lang="el-GR" sz="2600" i="0" u="none" strike="noStrike" cap="none" dirty="0">
+                <a:solidFill>
+                  <a:srgbClr val="00FF00"/>
+                </a:solidFill>
+                <a:latin typeface="Courier"/>
+                <a:ea typeface="Courier"/>
+                <a:cs typeface="Courier"/>
+                <a:sym typeface="Courier New"/>
+              </a:rPr>
+              <a:t>μικρότερος</a:t>
             </a:r>
             <a:r>
               <a:rPr lang="en-US" sz="2600" i="0" u="none" strike="noStrike" cap="none" dirty="0">
                 <a:solidFill>
-                  <a:srgbClr val="00FF00"/>
-                </a:solidFill>
-                <a:latin typeface="Courier"/>
-                <a:ea typeface="Courier"/>
-                <a:cs typeface="Courier"/>
-                <a:sym typeface="Courier New"/>
-              </a:rPr>
-              <a:t>smallest</a:t>
-            </a:r>
-            <a:r>
-              <a:rPr lang="en-US" sz="2600" i="0" u="none" strike="noStrike" cap="none" dirty="0">
-                <a:solidFill>
                   <a:schemeClr val="lt1"/>
                 </a:solidFill>
                 <a:latin typeface="Courier"/>
@@ -44260,29 +44961,10 @@
                 <a:cs typeface="Courier"/>
                 <a:sym typeface="Courier New"/>
               </a:rPr>
-              <a:t> = value</a:t>
-            </a:r>
-          </a:p>
-          <a:p>
-            <a:pPr marL="0" marR="0" lvl="0" indent="0" algn="l" rtl="0">
-              <a:lnSpc>
-                <a:spcPct val="100000"/>
-              </a:lnSpc>
-              <a:spcBef>
-                <a:spcPts val="0"/>
-              </a:spcBef>
-              <a:spcAft>
-                <a:spcPts val="0"/>
-              </a:spcAft>
-              <a:buClr>
-                <a:schemeClr val="lt1"/>
-              </a:buClr>
-              <a:buSzPct val="25000"/>
-              <a:buFont typeface="Cabin"/>
-              <a:buNone/>
-            </a:pPr>
-            <a:r>
-              <a:rPr lang="en-US" sz="2600" i="0" u="none" strike="noStrike" cap="none" dirty="0">
+              <a:t> = </a:t>
+            </a:r>
+            <a:r>
+              <a:rPr lang="el-GR" sz="2600" i="0" u="none" strike="noStrike" cap="none" dirty="0">
                 <a:solidFill>
                   <a:schemeClr val="lt1"/>
                 </a:solidFill>
@@ -44291,209 +44973,8 @@
                 <a:cs typeface="Courier"/>
                 <a:sym typeface="Courier New"/>
               </a:rPr>
-              <a:t>    </a:t>
-            </a:r>
-            <a:r>
-              <a:rPr lang="en-US" sz="2600" i="0" u="none" strike="noStrike" cap="none" dirty="0" err="1">
-                <a:solidFill>
-                  <a:srgbClr val="FFFF00"/>
-                </a:solidFill>
-                <a:latin typeface="Courier"/>
-                <a:ea typeface="Courier"/>
-                <a:cs typeface="Courier"/>
-                <a:sym typeface="Courier New"/>
-              </a:rPr>
-              <a:t>elif</a:t>
-            </a:r>
-            <a:r>
-              <a:rPr lang="en-US" sz="2600" i="0" u="none" strike="noStrike" cap="none" dirty="0">
-                <a:solidFill>
-                  <a:schemeClr val="lt1"/>
-                </a:solidFill>
-                <a:latin typeface="Courier"/>
-                <a:ea typeface="Courier"/>
-                <a:cs typeface="Courier"/>
-                <a:sym typeface="Courier New"/>
-              </a:rPr>
-              <a:t> value &lt; </a:t>
-            </a:r>
-            <a:r>
-              <a:rPr lang="en-US" sz="2600" i="0" u="none" strike="noStrike" cap="none" dirty="0">
-                <a:solidFill>
-                  <a:srgbClr val="00FF00"/>
-                </a:solidFill>
-                <a:latin typeface="Courier"/>
-                <a:ea typeface="Courier"/>
-                <a:cs typeface="Courier"/>
-                <a:sym typeface="Courier New"/>
-              </a:rPr>
-              <a:t>smallest</a:t>
-            </a:r>
-            <a:r>
-              <a:rPr lang="en-US" sz="2600" i="0" u="none" strike="noStrike" cap="none" dirty="0">
-                <a:solidFill>
-                  <a:schemeClr val="lt1"/>
-                </a:solidFill>
-                <a:latin typeface="Courier"/>
-                <a:ea typeface="Courier"/>
-                <a:cs typeface="Courier"/>
-                <a:sym typeface="Courier New"/>
-              </a:rPr>
-              <a:t> : </a:t>
-            </a:r>
-          </a:p>
-          <a:p>
-            <a:pPr marL="0" marR="0" lvl="0" indent="0" algn="l" rtl="0">
-              <a:lnSpc>
-                <a:spcPct val="100000"/>
-              </a:lnSpc>
-              <a:spcBef>
-                <a:spcPts val="0"/>
-              </a:spcBef>
-              <a:spcAft>
-                <a:spcPts val="0"/>
-              </a:spcAft>
-              <a:buClr>
-                <a:schemeClr val="lt1"/>
-              </a:buClr>
-              <a:buSzPct val="25000"/>
-              <a:buFont typeface="Cabin"/>
-              <a:buNone/>
-            </a:pPr>
-            <a:r>
-              <a:rPr lang="en-US" sz="2600" i="0" u="none" strike="noStrike" cap="none" dirty="0">
-                <a:solidFill>
-                  <a:schemeClr val="lt1"/>
-                </a:solidFill>
-                <a:latin typeface="Courier"/>
-                <a:ea typeface="Courier"/>
-                <a:cs typeface="Courier"/>
-                <a:sym typeface="Courier New"/>
-              </a:rPr>
-              <a:t>        </a:t>
-            </a:r>
-            <a:r>
-              <a:rPr lang="en-US" sz="2600" i="0" u="none" strike="noStrike" cap="none" dirty="0">
-                <a:solidFill>
-                  <a:srgbClr val="00FF00"/>
-                </a:solidFill>
-                <a:latin typeface="Courier"/>
-                <a:ea typeface="Courier"/>
-                <a:cs typeface="Courier"/>
-                <a:sym typeface="Courier New"/>
-              </a:rPr>
-              <a:t>smallest</a:t>
-            </a:r>
-            <a:r>
-              <a:rPr lang="en-US" sz="2600" i="0" u="none" strike="noStrike" cap="none" dirty="0">
-                <a:solidFill>
-                  <a:schemeClr val="lt1"/>
-                </a:solidFill>
-                <a:latin typeface="Courier"/>
-                <a:ea typeface="Courier"/>
-                <a:cs typeface="Courier"/>
-                <a:sym typeface="Courier New"/>
-              </a:rPr>
-              <a:t> = value</a:t>
-            </a:r>
-          </a:p>
-          <a:p>
-            <a:pPr marL="0" marR="0" lvl="0" indent="0" algn="l" rtl="0">
-              <a:lnSpc>
-                <a:spcPct val="100000"/>
-              </a:lnSpc>
-              <a:spcBef>
-                <a:spcPts val="0"/>
-              </a:spcBef>
-              <a:spcAft>
-                <a:spcPts val="0"/>
-              </a:spcAft>
-              <a:buClr>
-                <a:schemeClr val="lt1"/>
-              </a:buClr>
-              <a:buSzPct val="25000"/>
-              <a:buFont typeface="Cabin"/>
-              <a:buNone/>
-            </a:pPr>
-            <a:r>
-              <a:rPr lang="en-US" sz="2600" i="0" u="none" strike="noStrike" cap="none" dirty="0">
-                <a:solidFill>
-                  <a:schemeClr val="lt1"/>
-                </a:solidFill>
-                <a:latin typeface="Courier"/>
-                <a:ea typeface="Courier"/>
-                <a:cs typeface="Courier"/>
-                <a:sym typeface="Courier New"/>
-              </a:rPr>
-              <a:t>    </a:t>
-            </a:r>
-            <a:r>
-              <a:rPr lang="en-US" sz="2600" i="0" u="none" strike="noStrike" cap="none" dirty="0">
-                <a:solidFill>
-                  <a:srgbClr val="FFFF00"/>
-                </a:solidFill>
-                <a:latin typeface="Courier"/>
-                <a:ea typeface="Courier"/>
-                <a:cs typeface="Courier"/>
-                <a:sym typeface="Courier New"/>
-              </a:rPr>
-              <a:t>print(</a:t>
-            </a:r>
-            <a:r>
-              <a:rPr lang="en-US" sz="2600" i="0" u="none" strike="noStrike" cap="none" dirty="0">
-                <a:solidFill>
-                  <a:srgbClr val="00FF00"/>
-                </a:solidFill>
-                <a:latin typeface="Courier"/>
-                <a:ea typeface="Courier"/>
-                <a:cs typeface="Courier"/>
-                <a:sym typeface="Courier New"/>
-              </a:rPr>
-              <a:t>smallest</a:t>
-            </a:r>
-            <a:r>
-              <a:rPr lang="en-US" sz="2600" i="0" u="none" strike="noStrike" cap="none" dirty="0">
-                <a:solidFill>
-                  <a:schemeClr val="lt1"/>
-                </a:solidFill>
-                <a:latin typeface="Courier"/>
-                <a:ea typeface="Courier"/>
-                <a:cs typeface="Courier"/>
-                <a:sym typeface="Courier New"/>
-              </a:rPr>
-              <a:t>, value</a:t>
-            </a:r>
-            <a:r>
-              <a:rPr lang="en-US" sz="2600" i="0" u="none" strike="noStrike" cap="none" dirty="0">
-                <a:solidFill>
-                  <a:srgbClr val="FFFF00"/>
-                </a:solidFill>
-                <a:latin typeface="Courier"/>
-                <a:ea typeface="Courier"/>
-                <a:cs typeface="Courier"/>
-                <a:sym typeface="Courier New"/>
-              </a:rPr>
-              <a:t>)</a:t>
-            </a:r>
-          </a:p>
-          <a:p>
-            <a:pPr marL="0" marR="0" lvl="0" indent="0" algn="l" rtl="0">
-              <a:lnSpc>
-                <a:spcPct val="100000"/>
-              </a:lnSpc>
-              <a:spcBef>
-                <a:spcPts val="0"/>
-              </a:spcBef>
-              <a:spcAft>
-                <a:spcPts val="0"/>
-              </a:spcAft>
-              <a:buClr>
-                <a:schemeClr val="lt1"/>
-              </a:buClr>
-              <a:buSzPct val="25000"/>
-              <a:buFont typeface="Cabin"/>
-              <a:buNone/>
-            </a:pPr>
+              <a:t>τιμή</a:t>
+            </a:r>
             <a:endParaRPr lang="en-US" sz="2600" i="0" u="none" strike="noStrike" cap="none" dirty="0">
               <a:solidFill>
                 <a:schemeClr val="lt1"/>
@@ -44516,6 +44997,316 @@
                 <a:spcPts val="0"/>
               </a:spcAft>
               <a:buClr>
+                <a:schemeClr val="lt1"/>
+              </a:buClr>
+              <a:buSzPct val="25000"/>
+              <a:buFont typeface="Cabin"/>
+              <a:buNone/>
+            </a:pPr>
+            <a:r>
+              <a:rPr lang="en-US" sz="2600" i="0" u="none" strike="noStrike" cap="none" dirty="0">
+                <a:solidFill>
+                  <a:schemeClr val="lt1"/>
+                </a:solidFill>
+                <a:latin typeface="Courier"/>
+                <a:ea typeface="Courier"/>
+                <a:cs typeface="Courier"/>
+                <a:sym typeface="Courier New"/>
+              </a:rPr>
+              <a:t>    </a:t>
+            </a:r>
+            <a:r>
+              <a:rPr lang="en-US" sz="2600" i="0" u="none" strike="noStrike" cap="none" dirty="0" err="1">
+                <a:solidFill>
+                  <a:srgbClr val="FFFF00"/>
+                </a:solidFill>
+                <a:latin typeface="Courier"/>
+                <a:ea typeface="Courier"/>
+                <a:cs typeface="Courier"/>
+                <a:sym typeface="Courier New"/>
+              </a:rPr>
+              <a:t>elif</a:t>
+            </a:r>
+            <a:r>
+              <a:rPr lang="en-US" sz="2600" i="0" u="none" strike="noStrike" cap="none" dirty="0">
+                <a:solidFill>
+                  <a:schemeClr val="lt1"/>
+                </a:solidFill>
+                <a:latin typeface="Courier"/>
+                <a:ea typeface="Courier"/>
+                <a:cs typeface="Courier"/>
+                <a:sym typeface="Courier New"/>
+              </a:rPr>
+              <a:t> </a:t>
+            </a:r>
+            <a:r>
+              <a:rPr lang="el-GR" sz="2600" i="0" u="none" strike="noStrike" cap="none" dirty="0">
+                <a:solidFill>
+                  <a:schemeClr val="lt1"/>
+                </a:solidFill>
+                <a:latin typeface="Courier"/>
+                <a:ea typeface="Courier"/>
+                <a:cs typeface="Courier"/>
+                <a:sym typeface="Courier New"/>
+              </a:rPr>
+              <a:t>τιμή</a:t>
+            </a:r>
+            <a:r>
+              <a:rPr lang="en-US" sz="2600" i="0" u="none" strike="noStrike" cap="none" dirty="0">
+                <a:solidFill>
+                  <a:schemeClr val="lt1"/>
+                </a:solidFill>
+                <a:latin typeface="Courier"/>
+                <a:ea typeface="Courier"/>
+                <a:cs typeface="Courier"/>
+                <a:sym typeface="Courier New"/>
+              </a:rPr>
+              <a:t> &lt; </a:t>
+            </a:r>
+            <a:r>
+              <a:rPr lang="el-GR" sz="2600" i="0" u="none" strike="noStrike" cap="none" dirty="0">
+                <a:solidFill>
+                  <a:srgbClr val="00FF00"/>
+                </a:solidFill>
+                <a:latin typeface="Courier"/>
+                <a:ea typeface="Courier"/>
+                <a:cs typeface="Courier"/>
+                <a:sym typeface="Courier New"/>
+              </a:rPr>
+              <a:t>μικρότερος</a:t>
+            </a:r>
+            <a:r>
+              <a:rPr lang="en-US" sz="2600" i="0" u="none" strike="noStrike" cap="none" dirty="0">
+                <a:solidFill>
+                  <a:schemeClr val="lt1"/>
+                </a:solidFill>
+                <a:latin typeface="Courier"/>
+                <a:ea typeface="Courier"/>
+                <a:cs typeface="Courier"/>
+                <a:sym typeface="Courier New"/>
+              </a:rPr>
+              <a:t> : </a:t>
+            </a:r>
+          </a:p>
+          <a:p>
+            <a:pPr marL="0" marR="0" lvl="0" indent="0" algn="l" rtl="0">
+              <a:lnSpc>
+                <a:spcPct val="100000"/>
+              </a:lnSpc>
+              <a:spcBef>
+                <a:spcPts val="0"/>
+              </a:spcBef>
+              <a:spcAft>
+                <a:spcPts val="0"/>
+              </a:spcAft>
+              <a:buClr>
+                <a:schemeClr val="lt1"/>
+              </a:buClr>
+              <a:buSzPct val="25000"/>
+              <a:buFont typeface="Cabin"/>
+              <a:buNone/>
+            </a:pPr>
+            <a:r>
+              <a:rPr lang="en-US" sz="2600" i="0" u="none" strike="noStrike" cap="none" dirty="0">
+                <a:solidFill>
+                  <a:schemeClr val="lt1"/>
+                </a:solidFill>
+                <a:latin typeface="Courier"/>
+                <a:ea typeface="Courier"/>
+                <a:cs typeface="Courier"/>
+                <a:sym typeface="Courier New"/>
+              </a:rPr>
+              <a:t> </a:t>
+            </a:r>
+            <a:r>
+              <a:rPr lang="el-GR" sz="2600" i="0" u="none" strike="noStrike" cap="none" dirty="0">
+                <a:solidFill>
+                  <a:schemeClr val="lt1"/>
+                </a:solidFill>
+                <a:latin typeface="Courier"/>
+                <a:ea typeface="Courier"/>
+                <a:cs typeface="Courier"/>
+                <a:sym typeface="Courier New"/>
+              </a:rPr>
+              <a:t>       </a:t>
+            </a:r>
+            <a:r>
+              <a:rPr lang="el-GR" sz="2600" i="0" u="none" strike="noStrike" cap="none" dirty="0">
+                <a:solidFill>
+                  <a:srgbClr val="00FF00"/>
+                </a:solidFill>
+                <a:latin typeface="Courier"/>
+                <a:ea typeface="Courier"/>
+                <a:cs typeface="Courier"/>
+                <a:sym typeface="Courier New"/>
+              </a:rPr>
+              <a:t>μικρότερος</a:t>
+            </a:r>
+            <a:r>
+              <a:rPr lang="en-US" sz="2600" i="0" u="none" strike="noStrike" cap="none" dirty="0">
+                <a:solidFill>
+                  <a:schemeClr val="lt1"/>
+                </a:solidFill>
+                <a:latin typeface="Courier"/>
+                <a:ea typeface="Courier"/>
+                <a:cs typeface="Courier"/>
+                <a:sym typeface="Courier New"/>
+              </a:rPr>
+              <a:t> = </a:t>
+            </a:r>
+            <a:r>
+              <a:rPr lang="el-GR" sz="2600" i="0" u="none" strike="noStrike" cap="none" dirty="0">
+                <a:solidFill>
+                  <a:schemeClr val="lt1"/>
+                </a:solidFill>
+                <a:latin typeface="Courier"/>
+                <a:ea typeface="Courier"/>
+                <a:cs typeface="Courier"/>
+                <a:sym typeface="Courier New"/>
+              </a:rPr>
+              <a:t>τιμή</a:t>
+            </a:r>
+            <a:endParaRPr lang="en-US" sz="2600" i="0" u="none" strike="noStrike" cap="none" dirty="0">
+              <a:solidFill>
+                <a:schemeClr val="lt1"/>
+              </a:solidFill>
+              <a:latin typeface="Courier"/>
+              <a:ea typeface="Courier"/>
+              <a:cs typeface="Courier"/>
+              <a:sym typeface="Courier New"/>
+            </a:endParaRPr>
+          </a:p>
+          <a:p>
+            <a:pPr marL="0" marR="0" lvl="0" indent="0" algn="l" rtl="0">
+              <a:lnSpc>
+                <a:spcPct val="100000"/>
+              </a:lnSpc>
+              <a:spcBef>
+                <a:spcPts val="0"/>
+              </a:spcBef>
+              <a:spcAft>
+                <a:spcPts val="0"/>
+              </a:spcAft>
+              <a:buClr>
+                <a:schemeClr val="lt1"/>
+              </a:buClr>
+              <a:buSzPct val="25000"/>
+              <a:buFont typeface="Cabin"/>
+              <a:buNone/>
+            </a:pPr>
+            <a:r>
+              <a:rPr lang="en-US" sz="2600" i="0" u="none" strike="noStrike" cap="none" dirty="0">
+                <a:solidFill>
+                  <a:schemeClr val="lt1"/>
+                </a:solidFill>
+                <a:latin typeface="Courier"/>
+                <a:ea typeface="Courier"/>
+                <a:cs typeface="Courier"/>
+                <a:sym typeface="Courier New"/>
+              </a:rPr>
+              <a:t>    </a:t>
+            </a:r>
+            <a:r>
+              <a:rPr lang="en-US" sz="2600" i="0" u="none" strike="noStrike" cap="none" dirty="0">
+                <a:solidFill>
+                  <a:srgbClr val="FFFF00"/>
+                </a:solidFill>
+                <a:latin typeface="Courier"/>
+                <a:ea typeface="Courier"/>
+                <a:cs typeface="Courier"/>
+                <a:sym typeface="Courier New"/>
+              </a:rPr>
+              <a:t>print(</a:t>
+            </a:r>
+            <a:r>
+              <a:rPr lang="el-GR" sz="2600" i="0" u="none" strike="noStrike" cap="none" dirty="0">
+                <a:solidFill>
+                  <a:srgbClr val="00FF00"/>
+                </a:solidFill>
+                <a:latin typeface="Courier"/>
+                <a:ea typeface="Courier"/>
+                <a:cs typeface="Courier"/>
+                <a:sym typeface="Courier New"/>
+              </a:rPr>
+              <a:t>μικρότερος</a:t>
+            </a:r>
+            <a:r>
+              <a:rPr lang="en-US" sz="2600" i="0" u="none" strike="noStrike" cap="none" dirty="0">
+                <a:solidFill>
+                  <a:schemeClr val="lt1"/>
+                </a:solidFill>
+                <a:latin typeface="Courier"/>
+                <a:ea typeface="Courier"/>
+                <a:cs typeface="Courier"/>
+                <a:sym typeface="Courier New"/>
+              </a:rPr>
+              <a:t>, </a:t>
+            </a:r>
+            <a:r>
+              <a:rPr lang="el-GR" sz="2600" i="0" u="none" strike="noStrike" cap="none" dirty="0">
+                <a:solidFill>
+                  <a:schemeClr val="lt1"/>
+                </a:solidFill>
+                <a:latin typeface="Courier"/>
+                <a:ea typeface="Courier"/>
+                <a:cs typeface="Courier"/>
+                <a:sym typeface="Courier New"/>
+              </a:rPr>
+              <a:t>τιμή</a:t>
+            </a:r>
+            <a:r>
+              <a:rPr lang="en-US" sz="2600" i="0" u="none" strike="noStrike" cap="none" dirty="0">
+                <a:solidFill>
+                  <a:srgbClr val="FFFF00"/>
+                </a:solidFill>
+                <a:latin typeface="Courier"/>
+                <a:ea typeface="Courier"/>
+                <a:cs typeface="Courier"/>
+                <a:sym typeface="Courier New"/>
+              </a:rPr>
+              <a:t>)</a:t>
+            </a:r>
+          </a:p>
+          <a:p>
+            <a:pPr marL="0" marR="0" lvl="0" indent="0" algn="l" rtl="0">
+              <a:lnSpc>
+                <a:spcPct val="100000"/>
+              </a:lnSpc>
+              <a:spcBef>
+                <a:spcPts val="0"/>
+              </a:spcBef>
+              <a:spcAft>
+                <a:spcPts val="0"/>
+              </a:spcAft>
+              <a:buClr>
+                <a:schemeClr val="lt1"/>
+              </a:buClr>
+              <a:buSzPct val="25000"/>
+              <a:buFont typeface="Cabin"/>
+              <a:buNone/>
+            </a:pPr>
+            <a:endParaRPr lang="en-US" sz="2600" i="0" u="none" strike="noStrike" cap="none" dirty="0">
+              <a:solidFill>
+                <a:schemeClr val="lt1"/>
+              </a:solidFill>
+              <a:latin typeface="Courier"/>
+              <a:ea typeface="Courier"/>
+              <a:cs typeface="Courier"/>
+              <a:sym typeface="Courier New"/>
+            </a:endParaRPr>
+          </a:p>
+          <a:p>
+            <a:pPr marL="0" marR="0" lvl="0" indent="0" algn="l" rtl="0">
+              <a:lnSpc>
+                <a:spcPct val="100000"/>
+              </a:lnSpc>
+              <a:spcBef>
+                <a:spcPts val="0"/>
+              </a:spcBef>
+              <a:spcAft>
+                <a:spcPts val="0"/>
+              </a:spcAft>
+              <a:buClr>
                 <a:srgbClr val="FFFF00"/>
               </a:buClr>
               <a:buSzPct val="25000"/>
@@ -44571,7 +45362,7 @@
               <a:t>', </a:t>
             </a:r>
             <a:r>
-              <a:rPr lang="en-US" sz="2600" i="0" u="none" strike="noStrike" cap="none" dirty="0">
+              <a:rPr lang="el-GR" sz="2600" i="0" u="none" strike="noStrike" cap="none" dirty="0">
                 <a:solidFill>
                   <a:srgbClr val="00FF00"/>
                 </a:solidFill>
@@ -44580,7 +45371,7 @@
                 <a:cs typeface="Courier"/>
                 <a:sym typeface="Courier New"/>
               </a:rPr>
-              <a:t>smallest</a:t>
+              <a:t>μικρότερος</a:t>
             </a:r>
             <a:r>
               <a:rPr lang="en-US" sz="2600" i="0" u="none" strike="noStrike" cap="none" dirty="0">
@@ -45618,6 +46409,39 @@
           </a:p>
         </p:txBody>
       </p:sp>
+      <p:pic>
+        <p:nvPicPr>
+          <p:cNvPr id="6" name="Shape 536">
+            <a:extLst>
+              <a:ext uri="{FF2B5EF4-FFF2-40B4-BE49-F238E27FC236}">
+                <a16:creationId xmlns:a16="http://schemas.microsoft.com/office/drawing/2014/main" id="{BE10AF01-D437-453D-BE38-BD03821DC145}"/>
+              </a:ext>
+            </a:extLst>
+          </p:cNvPr>
+          <p:cNvPicPr preferRelativeResize="0"/>
+          <p:nvPr/>
+        </p:nvPicPr>
+        <p:blipFill rotWithShape="1">
+          <a:blip r:embed="rId5">
+            <a:alphaModFix/>
+          </a:blip>
+          <a:srcRect/>
+          <a:stretch/>
+        </p:blipFill>
+        <p:spPr>
+          <a:xfrm>
+            <a:off x="643300" y="789709"/>
+            <a:ext cx="1024800" cy="1024800"/>
+          </a:xfrm>
+          <a:prstGeom prst="rect">
+            <a:avLst/>
+          </a:prstGeom>
+          <a:noFill/>
+          <a:ln>
+            <a:noFill/>
+          </a:ln>
+        </p:spPr>
+      </p:pic>
     </p:spTree>
   </p:cSld>
   <p:clrMapOvr>
@@ -45910,7 +46734,7 @@
               <a:buNone/>
             </a:pPr>
             <a:r>
-              <a:rPr lang="en-US" sz="3200" u="none" strike="noStrike" cap="none">
+              <a:rPr lang="en-US" sz="3600" u="none" strike="noStrike" cap="none" dirty="0">
                 <a:solidFill>
                   <a:schemeClr val="lt1"/>
                 </a:solidFill>
@@ -45922,7 +46746,7 @@
               <a:t>&gt; </a:t>
             </a:r>
             <a:r>
-              <a:rPr lang="en-US" sz="3200" u="none" strike="noStrike" cap="none">
+              <a:rPr lang="el-GR" sz="3200" u="none" strike="noStrike" cap="none" dirty="0">
                 <a:solidFill>
                   <a:srgbClr val="00FF00"/>
                 </a:solidFill>
@@ -45931,8 +46755,17 @@
                 <a:cs typeface="Arial" charset="0"/>
                 <a:sym typeface="Cabin"/>
               </a:rPr>
-              <a:t>hello there</a:t>
-            </a:r>
+              <a:t>Γειά σας</a:t>
+            </a:r>
+            <a:endParaRPr lang="en-US" sz="3200" u="none" strike="noStrike" cap="none" dirty="0">
+              <a:solidFill>
+                <a:srgbClr val="00FF00"/>
+              </a:solidFill>
+              <a:latin typeface="Arial" charset="0"/>
+              <a:ea typeface="Arial" charset="0"/>
+              <a:cs typeface="Arial" charset="0"/>
+              <a:sym typeface="Cabin"/>
+            </a:endParaRPr>
           </a:p>
           <a:p>
             <a:pPr marL="0" marR="0" lvl="0" indent="0" algn="l" rtl="0">
@@ -45953,7 +46786,7 @@
               <a:buNone/>
             </a:pPr>
             <a:r>
-              <a:rPr lang="en-US" sz="3200" u="none" strike="noStrike" cap="none">
+              <a:rPr lang="el-GR" sz="3200" u="none" strike="noStrike" cap="none" dirty="0">
                 <a:solidFill>
                   <a:schemeClr val="lt1"/>
                 </a:solidFill>
@@ -45962,8 +46795,17 @@
                 <a:cs typeface="Arial" charset="0"/>
                 <a:sym typeface="Cabin"/>
               </a:rPr>
-              <a:t>hello there</a:t>
-            </a:r>
+              <a:t>Γειά σας</a:t>
+            </a:r>
+            <a:endParaRPr lang="en-US" sz="3200" u="none" strike="noStrike" cap="none" dirty="0">
+              <a:solidFill>
+                <a:schemeClr val="lt1"/>
+              </a:solidFill>
+              <a:latin typeface="Arial" charset="0"/>
+              <a:ea typeface="Arial" charset="0"/>
+              <a:cs typeface="Arial" charset="0"/>
+              <a:sym typeface="Cabin"/>
+            </a:endParaRPr>
           </a:p>
           <a:p>
             <a:pPr marL="0" marR="0" lvl="0" indent="0" algn="l" rtl="0">
@@ -45984,7 +46826,7 @@
               <a:buNone/>
             </a:pPr>
             <a:r>
-              <a:rPr lang="en-US" sz="3200" u="none" strike="noStrike" cap="none">
+              <a:rPr lang="en-US" sz="3200" u="none" strike="noStrike" cap="none" dirty="0">
                 <a:solidFill>
                   <a:schemeClr val="lt1"/>
                 </a:solidFill>
@@ -45996,7 +46838,7 @@
               <a:t>&gt; </a:t>
             </a:r>
             <a:r>
-              <a:rPr lang="en-US" sz="3200" u="none" strike="noStrike" cap="none">
+              <a:rPr lang="el-GR" sz="3200" u="none" strike="noStrike" cap="none" dirty="0">
                 <a:solidFill>
                   <a:srgbClr val="00FF00"/>
                 </a:solidFill>
@@ -46005,8 +46847,17 @@
                 <a:cs typeface="Arial" charset="0"/>
                 <a:sym typeface="Cabin"/>
               </a:rPr>
-              <a:t>finished</a:t>
-            </a:r>
+              <a:t>τελείωσε</a:t>
+            </a:r>
+            <a:endParaRPr lang="en-US" sz="3200" u="none" strike="noStrike" cap="none" dirty="0">
+              <a:solidFill>
+                <a:srgbClr val="00FF00"/>
+              </a:solidFill>
+              <a:latin typeface="Arial" charset="0"/>
+              <a:ea typeface="Arial" charset="0"/>
+              <a:cs typeface="Arial" charset="0"/>
+              <a:sym typeface="Cabin"/>
+            </a:endParaRPr>
           </a:p>
           <a:p>
             <a:pPr marL="0" marR="0" lvl="0" indent="0" algn="l" rtl="0">
@@ -46027,7 +46878,7 @@
               <a:buNone/>
             </a:pPr>
             <a:r>
-              <a:rPr lang="en-US" sz="3200">
+              <a:rPr lang="el-GR" sz="3200" u="none" strike="noStrike" cap="none" dirty="0">
                 <a:solidFill>
                   <a:schemeClr val="lt1"/>
                 </a:solidFill>
@@ -46036,20 +46887,17 @@
                 <a:cs typeface="Arial" charset="0"/>
                 <a:sym typeface="Cabin"/>
               </a:rPr>
-              <a:t>f</a:t>
-            </a:r>
-            <a:r>
-              <a:rPr lang="en-US" sz="3200" u="none" strike="noStrike" cap="none">
-                <a:solidFill>
-                  <a:schemeClr val="lt1"/>
-                </a:solidFill>
-                <a:latin typeface="Arial" charset="0"/>
-                <a:ea typeface="Arial" charset="0"/>
-                <a:cs typeface="Arial" charset="0"/>
-                <a:sym typeface="Cabin"/>
-              </a:rPr>
-              <a:t>inished</a:t>
-            </a:r>
+              <a:t>τελείωσε</a:t>
+            </a:r>
+            <a:endParaRPr lang="en-US" sz="3200" u="none" strike="noStrike" cap="none" dirty="0">
+              <a:solidFill>
+                <a:schemeClr val="lt1"/>
+              </a:solidFill>
+              <a:latin typeface="Arial" charset="0"/>
+              <a:ea typeface="Arial" charset="0"/>
+              <a:cs typeface="Arial" charset="0"/>
+              <a:sym typeface="Cabin"/>
+            </a:endParaRPr>
           </a:p>
           <a:p>
             <a:pPr marL="0" marR="0" lvl="0" indent="0" algn="l" rtl="0">
@@ -46070,7 +46918,7 @@
               <a:buNone/>
             </a:pPr>
             <a:r>
-              <a:rPr lang="en-US" sz="3200" u="none" strike="noStrike" cap="none">
+              <a:rPr lang="en-US" sz="3200" u="none" strike="noStrike" cap="none" dirty="0">
                 <a:solidFill>
                   <a:schemeClr val="lt1"/>
                 </a:solidFill>
@@ -46082,7 +46930,7 @@
               <a:t>&gt; </a:t>
             </a:r>
             <a:r>
-              <a:rPr lang="en-US" sz="3200" u="none" strike="noStrike" cap="none">
+              <a:rPr lang="el-GR" sz="3200" u="none" strike="noStrike" cap="none" dirty="0">
                 <a:solidFill>
                   <a:srgbClr val="00FF00"/>
                 </a:solidFill>
@@ -46091,8 +46939,17 @@
                 <a:cs typeface="Arial" charset="0"/>
                 <a:sym typeface="Cabin"/>
               </a:rPr>
-              <a:t>done</a:t>
-            </a:r>
+              <a:t>τέλος</a:t>
+            </a:r>
+            <a:endParaRPr lang="en-US" sz="3200" u="none" strike="noStrike" cap="none" dirty="0">
+              <a:solidFill>
+                <a:srgbClr val="00FF00"/>
+              </a:solidFill>
+              <a:latin typeface="Arial" charset="0"/>
+              <a:ea typeface="Arial" charset="0"/>
+              <a:cs typeface="Arial" charset="0"/>
+              <a:sym typeface="Cabin"/>
+            </a:endParaRPr>
           </a:p>
           <a:p>
             <a:pPr marL="0" marR="0" lvl="0" indent="0" algn="l" rtl="0">
@@ -46113,7 +46970,7 @@
               <a:buNone/>
             </a:pPr>
             <a:r>
-              <a:rPr lang="en-US" sz="3200" u="none" strike="noStrike" cap="none">
+              <a:rPr lang="el-GR" sz="3200" u="none" strike="noStrike" cap="none" dirty="0">
                 <a:solidFill>
                   <a:schemeClr val="lt1"/>
                 </a:solidFill>
@@ -46122,7 +46979,19 @@
                 <a:cs typeface="Arial" charset="0"/>
                 <a:sym typeface="Cabin"/>
               </a:rPr>
-              <a:t>Done!</a:t>
+              <a:t>Τέλος</a:t>
+            </a:r>
+            <a:r>
+              <a:rPr lang="en-US" sz="3200" u="none" strike="noStrike" cap="none" dirty="0">
+                <a:solidFill>
+                  <a:schemeClr val="lt1"/>
+                </a:solidFill>
+                <a:latin typeface="Arial" charset="0"/>
+                <a:ea typeface="Arial" charset="0"/>
+                <a:cs typeface="Arial" charset="0"/>
+                <a:sym typeface="Cabin"/>
+              </a:rPr>
+              <a:t>!</a:t>
             </a:r>
           </a:p>
         </p:txBody>
@@ -46301,7 +47170,7 @@
               <a:t>    </a:t>
             </a:r>
             <a:r>
-              <a:rPr lang="en-US" sz="3000" i="0" u="none" strike="noStrike" cap="none" dirty="0">
+              <a:rPr lang="el-GR" sz="3000" i="0" u="none" strike="noStrike" cap="none" dirty="0">
                 <a:solidFill>
                   <a:srgbClr val="00FF00"/>
                 </a:solidFill>
@@ -46310,7 +47179,7 @@
                 <a:cs typeface="Courier"/>
                 <a:sym typeface="Courier New"/>
               </a:rPr>
-              <a:t>line</a:t>
+              <a:t>γραμμή</a:t>
             </a:r>
             <a:r>
               <a:rPr lang="en-US" sz="3000" i="0" u="none" strike="noStrike" cap="none" dirty="0">
@@ -46428,21 +47297,45 @@
               <a:t>if </a:t>
             </a:r>
             <a:r>
+              <a:rPr lang="el-GR" sz="3000" i="0" u="none" strike="noStrike" cap="none" dirty="0">
+                <a:solidFill>
+                  <a:srgbClr val="00FF00"/>
+                </a:solidFill>
+                <a:latin typeface="Courier"/>
+                <a:ea typeface="Courier"/>
+                <a:cs typeface="Courier"/>
+                <a:sym typeface="Courier New"/>
+              </a:rPr>
+              <a:t>γραμμή</a:t>
+            </a:r>
+            <a:r>
               <a:rPr lang="en-US" sz="3000" i="0" u="none" strike="noStrike" cap="none" dirty="0">
                 <a:solidFill>
-                  <a:srgbClr val="00FF00"/>
-                </a:solidFill>
-                <a:latin typeface="Courier"/>
-                <a:ea typeface="Courier"/>
-                <a:cs typeface="Courier"/>
-                <a:sym typeface="Courier New"/>
-              </a:rPr>
-              <a:t>line</a:t>
+                  <a:schemeClr val="lt1"/>
+                </a:solidFill>
+                <a:latin typeface="Courier"/>
+                <a:ea typeface="Courier"/>
+                <a:cs typeface="Courier"/>
+                <a:sym typeface="Courier New"/>
+              </a:rPr>
+              <a:t> </a:t>
             </a:r>
             <a:r>
               <a:rPr lang="en-US" sz="3000" i="0" u="none" strike="noStrike" cap="none" dirty="0">
                 <a:solidFill>
-                  <a:schemeClr val="lt1"/>
+                  <a:srgbClr val="00FFFF"/>
+                </a:solidFill>
+                <a:latin typeface="Courier"/>
+                <a:ea typeface="Courier"/>
+                <a:cs typeface="Courier"/>
+                <a:sym typeface="Courier New"/>
+              </a:rPr>
+              <a:t>==</a:t>
+            </a:r>
+            <a:r>
+              <a:rPr lang="en-US" sz="3000" i="0" u="none" strike="noStrike" cap="none" dirty="0">
+                <a:solidFill>
+                  <a:srgbClr val="FF9900"/>
                 </a:solidFill>
                 <a:latin typeface="Courier"/>
                 <a:ea typeface="Courier"/>
@@ -46454,30 +47347,30 @@
             <a:r>
               <a:rPr lang="en-US" sz="3000" i="0" u="none" strike="noStrike" cap="none" dirty="0">
                 <a:solidFill>
-                  <a:srgbClr val="00FFFF"/>
-                </a:solidFill>
-                <a:latin typeface="Courier"/>
-                <a:ea typeface="Courier"/>
-                <a:cs typeface="Courier"/>
-                <a:sym typeface="Courier New"/>
-              </a:rPr>
-              <a:t>==</a:t>
+                  <a:srgbClr val="FFFFFF"/>
+                </a:solidFill>
+                <a:latin typeface="Courier"/>
+                <a:ea typeface="Courier"/>
+                <a:cs typeface="Courier"/>
+                <a:sym typeface="Courier New"/>
+              </a:rPr>
+              <a:t>'</a:t>
+            </a:r>
+            <a:r>
+              <a:rPr lang="el-GR" sz="3000" i="0" u="none" strike="noStrike" cap="none" dirty="0">
+                <a:solidFill>
+                  <a:srgbClr val="FFFFFF"/>
+                </a:solidFill>
+                <a:latin typeface="Courier"/>
+                <a:ea typeface="Courier"/>
+                <a:cs typeface="Courier"/>
+                <a:sym typeface="Courier New"/>
+              </a:rPr>
+              <a:t>τέλος</a:t>
             </a:r>
             <a:r>
               <a:rPr lang="en-US" sz="3000" i="0" u="none" strike="noStrike" cap="none" dirty="0">
                 <a:solidFill>
-                  <a:srgbClr val="FF9900"/>
-                </a:solidFill>
-                <a:latin typeface="Courier"/>
-                <a:ea typeface="Courier"/>
-                <a:cs typeface="Courier"/>
-                <a:sym typeface="Courier New"/>
-              </a:rPr>
-              <a:t> </a:t>
-            </a:r>
-            <a:r>
-              <a:rPr lang="en-US" sz="3000" i="0" u="none" strike="noStrike" cap="none" dirty="0">
-                <a:solidFill>
                   <a:srgbClr val="FFFFFF"/>
                 </a:solidFill>
                 <a:latin typeface="Courier"/>
@@ -46485,7 +47378,7 @@
                 <a:cs typeface="Courier"/>
                 <a:sym typeface="Courier New"/>
               </a:rPr>
-              <a:t>'done'</a:t>
+              <a:t>'</a:t>
             </a:r>
             <a:r>
               <a:rPr lang="en-US" sz="3000" i="0" u="none" strike="noStrike" cap="none" dirty="0">
@@ -46610,7 +47503,7 @@
               <a:t>(</a:t>
             </a:r>
             <a:r>
-              <a:rPr lang="en-US" sz="3000" i="0" u="none" strike="noStrike" cap="none" dirty="0">
+              <a:rPr lang="el-GR" sz="3000" i="0" u="none" strike="noStrike" cap="none" dirty="0">
                 <a:solidFill>
                   <a:srgbClr val="00FF00"/>
                 </a:solidFill>
@@ -46619,7 +47512,7 @@
                 <a:cs typeface="Courier"/>
                 <a:sym typeface="Courier New"/>
               </a:rPr>
-              <a:t>line</a:t>
+              <a:t>γραμμή</a:t>
             </a:r>
             <a:r>
               <a:rPr lang="en-US" sz="3000" i="0" u="none" strike="noStrike" cap="none" dirty="0">
@@ -46686,7 +47579,31 @@
                 <a:cs typeface="Courier"/>
                 <a:sym typeface="Courier New"/>
               </a:rPr>
-              <a:t>'Done!')</a:t>
+              <a:t>'</a:t>
+            </a:r>
+            <a:r>
+              <a:rPr lang="el-GR" sz="3000" i="0" u="none" strike="noStrike" cap="none" dirty="0">
+                <a:solidFill>
+                  <a:srgbClr val="FFFFFF"/>
+                </a:solidFill>
+                <a:latin typeface="Courier"/>
+                <a:ea typeface="Courier"/>
+                <a:cs typeface="Courier"/>
+                <a:sym typeface="Courier New"/>
+              </a:rPr>
+              <a:t>Τέλος</a:t>
+            </a:r>
+            <a:r>
+              <a:rPr lang="en-US" sz="3000" i="0" u="none" strike="noStrike" cap="none" dirty="0">
+                <a:solidFill>
+                  <a:srgbClr val="FFFFFF"/>
+                </a:solidFill>
+                <a:latin typeface="Courier"/>
+                <a:ea typeface="Courier"/>
+                <a:cs typeface="Courier"/>
+                <a:sym typeface="Courier New"/>
+              </a:rPr>
+              <a:t>!')</a:t>
             </a:r>
           </a:p>
         </p:txBody>
@@ -47156,7 +48073,31 @@
                 <a:cs typeface="Arial" charset="0"/>
                 <a:sym typeface="Cabin"/>
               </a:rPr>
-              <a:t>print('Done')</a:t>
+              <a:t>print('</a:t>
+            </a:r>
+            <a:r>
+              <a:rPr lang="el-GR" sz="3500" u="none" strike="noStrike" cap="none" dirty="0">
+                <a:solidFill>
+                  <a:schemeClr val="lt1"/>
+                </a:solidFill>
+                <a:latin typeface="Arial" charset="0"/>
+                <a:ea typeface="Arial" charset="0"/>
+                <a:cs typeface="Arial" charset="0"/>
+                <a:sym typeface="Cabin"/>
+              </a:rPr>
+              <a:t>Τέλος!</a:t>
+            </a:r>
+            <a:r>
+              <a:rPr lang="en-US" sz="3500" u="none" strike="noStrike" cap="none" dirty="0">
+                <a:solidFill>
+                  <a:schemeClr val="lt1"/>
+                </a:solidFill>
+                <a:latin typeface="Arial" charset="0"/>
+                <a:ea typeface="Arial" charset="0"/>
+                <a:cs typeface="Arial" charset="0"/>
+                <a:sym typeface="Cabin"/>
+              </a:rPr>
+              <a:t>')</a:t>
             </a:r>
           </a:p>
         </p:txBody>
@@ -47527,7 +48468,7 @@
               <a:t>    </a:t>
             </a:r>
             <a:r>
-              <a:rPr lang="en-US" sz="3000" i="0" u="none" strike="noStrike" cap="none" dirty="0">
+              <a:rPr lang="el-GR" sz="3000" i="0" u="none" strike="noStrike" cap="none" dirty="0">
                 <a:solidFill>
                   <a:srgbClr val="00FF00"/>
                 </a:solidFill>
@@ -47536,7 +48477,7 @@
                 <a:cs typeface="Courier"/>
                 <a:sym typeface="Courier New"/>
               </a:rPr>
-              <a:t>line</a:t>
+              <a:t>γραμμή</a:t>
             </a:r>
             <a:r>
               <a:rPr lang="en-US" sz="3000" i="0" u="none" strike="noStrike" cap="none" dirty="0">
@@ -47654,21 +48595,45 @@
               <a:t>if </a:t>
             </a:r>
             <a:r>
+              <a:rPr lang="el-GR" sz="3000" i="0" u="none" strike="noStrike" cap="none" dirty="0">
+                <a:solidFill>
+                  <a:srgbClr val="00FF00"/>
+                </a:solidFill>
+                <a:latin typeface="Courier"/>
+                <a:ea typeface="Courier"/>
+                <a:cs typeface="Courier"/>
+                <a:sym typeface="Courier New"/>
+              </a:rPr>
+              <a:t>γραμμή</a:t>
+            </a:r>
+            <a:r>
               <a:rPr lang="en-US" sz="3000" i="0" u="none" strike="noStrike" cap="none" dirty="0">
                 <a:solidFill>
-                  <a:srgbClr val="00FF00"/>
-                </a:solidFill>
-                <a:latin typeface="Courier"/>
-                <a:ea typeface="Courier"/>
-                <a:cs typeface="Courier"/>
-                <a:sym typeface="Courier New"/>
-              </a:rPr>
-              <a:t>line</a:t>
+                  <a:schemeClr val="lt1"/>
+                </a:solidFill>
+                <a:latin typeface="Courier"/>
+                <a:ea typeface="Courier"/>
+                <a:cs typeface="Courier"/>
+                <a:sym typeface="Courier New"/>
+              </a:rPr>
+              <a:t> </a:t>
             </a:r>
             <a:r>
               <a:rPr lang="en-US" sz="3000" i="0" u="none" strike="noStrike" cap="none" dirty="0">
                 <a:solidFill>
-                  <a:schemeClr val="lt1"/>
+                  <a:srgbClr val="00FFFF"/>
+                </a:solidFill>
+                <a:latin typeface="Courier"/>
+                <a:ea typeface="Courier"/>
+                <a:cs typeface="Courier"/>
+                <a:sym typeface="Courier New"/>
+              </a:rPr>
+              <a:t>==</a:t>
+            </a:r>
+            <a:r>
+              <a:rPr lang="en-US" sz="3000" i="0" u="none" strike="noStrike" cap="none" dirty="0">
+                <a:solidFill>
+                  <a:srgbClr val="FF9900"/>
                 </a:solidFill>
                 <a:latin typeface="Courier"/>
                 <a:ea typeface="Courier"/>
@@ -47680,19 +48645,43 @@
             <a:r>
               <a:rPr lang="en-US" sz="3000" i="0" u="none" strike="noStrike" cap="none" dirty="0">
                 <a:solidFill>
-                  <a:srgbClr val="00FFFF"/>
-                </a:solidFill>
-                <a:latin typeface="Courier"/>
-                <a:ea typeface="Courier"/>
-                <a:cs typeface="Courier"/>
-                <a:sym typeface="Courier New"/>
-              </a:rPr>
-              <a:t>==</a:t>
+                  <a:srgbClr val="FFFFFF"/>
+                </a:solidFill>
+                <a:latin typeface="Courier"/>
+                <a:ea typeface="Courier"/>
+                <a:cs typeface="Courier"/>
+                <a:sym typeface="Courier New"/>
+              </a:rPr>
+              <a:t>'</a:t>
+            </a:r>
+            <a:r>
+              <a:rPr lang="el-GR" sz="3000" i="0" u="none" strike="noStrike" cap="none" dirty="0">
+                <a:solidFill>
+                  <a:srgbClr val="FFFFFF"/>
+                </a:solidFill>
+                <a:latin typeface="Courier"/>
+                <a:ea typeface="Courier"/>
+                <a:cs typeface="Courier"/>
+                <a:sym typeface="Courier New"/>
+              </a:rPr>
+              <a:t>τέλος</a:t>
             </a:r>
             <a:r>
               <a:rPr lang="en-US" sz="3000" i="0" u="none" strike="noStrike" cap="none" dirty="0">
                 <a:solidFill>
-                  <a:schemeClr val="lt1"/>
+                  <a:srgbClr val="FFFFFF"/>
+                </a:solidFill>
+                <a:latin typeface="Courier"/>
+                <a:ea typeface="Courier"/>
+                <a:cs typeface="Courier"/>
+                <a:sym typeface="Courier New"/>
+              </a:rPr>
+              <a:t>'</a:t>
+            </a:r>
+            <a:r>
+              <a:rPr lang="en-US" sz="3000" i="0" u="none" strike="noStrike" cap="none" dirty="0">
+                <a:solidFill>
+                  <a:srgbClr val="FF7F00"/>
                 </a:solidFill>
                 <a:latin typeface="Courier"/>
                 <a:ea typeface="Courier"/>
@@ -47704,18 +48693,6 @@
             <a:r>
               <a:rPr lang="en-US" sz="3000" i="0" u="none" strike="noStrike" cap="none" dirty="0">
                 <a:solidFill>
-                  <a:srgbClr val="FFFFFF"/>
-                </a:solidFill>
-                <a:latin typeface="Courier"/>
-                <a:ea typeface="Courier"/>
-                <a:cs typeface="Courier"/>
-                <a:sym typeface="Courier New"/>
-              </a:rPr>
-              <a:t>'done'</a:t>
-            </a:r>
-            <a:r>
-              <a:rPr lang="en-US" sz="3000" i="0" u="none" strike="noStrike" cap="none" dirty="0">
-                <a:solidFill>
                   <a:srgbClr val="FFFF00"/>
                 </a:solidFill>
                 <a:latin typeface="Courier"/>
@@ -47723,19 +48700,7 @@
                 <a:cs typeface="Courier"/>
                 <a:sym typeface="Courier New"/>
               </a:rPr>
-              <a:t> :</a:t>
-            </a:r>
-            <a:r>
-              <a:rPr lang="en-US" sz="3000" i="0" u="none" strike="noStrike" cap="none" dirty="0">
-                <a:solidFill>
-                  <a:schemeClr val="lt1"/>
-                </a:solidFill>
-                <a:latin typeface="Courier"/>
-                <a:ea typeface="Courier"/>
-                <a:cs typeface="Courier"/>
-                <a:sym typeface="Courier New"/>
-              </a:rPr>
-              <a:t> </a:t>
+              <a:t>:</a:t>
             </a:r>
           </a:p>
           <a:p>
@@ -47766,7 +48731,7 @@
                 <a:cs typeface="Courier"/>
                 <a:sym typeface="Courier New"/>
               </a:rPr>
-              <a:t>       </a:t>
+              <a:t>        </a:t>
             </a:r>
             <a:r>
               <a:rPr lang="en-US" sz="3000" i="0" u="none" strike="noStrike" cap="none" dirty="0">
@@ -47836,7 +48801,7 @@
               <a:t>(</a:t>
             </a:r>
             <a:r>
-              <a:rPr lang="en-US" sz="3000" i="0" u="none" strike="noStrike" cap="none" dirty="0">
+              <a:rPr lang="el-GR" sz="3000" i="0" u="none" strike="noStrike" cap="none" dirty="0">
                 <a:solidFill>
                   <a:srgbClr val="00FF00"/>
                 </a:solidFill>
@@ -47845,7 +48810,7 @@
                 <a:cs typeface="Courier"/>
                 <a:sym typeface="Courier New"/>
               </a:rPr>
-              <a:t>line</a:t>
+              <a:t>γραμμή</a:t>
             </a:r>
             <a:r>
               <a:rPr lang="en-US" sz="3000" i="0" u="none" strike="noStrike" cap="none" dirty="0">
@@ -47912,7 +48877,31 @@
                 <a:cs typeface="Courier"/>
                 <a:sym typeface="Courier New"/>
               </a:rPr>
-              <a:t>'Done!')</a:t>
+              <a:t>'</a:t>
+            </a:r>
+            <a:r>
+              <a:rPr lang="el-GR" sz="3000" i="0" u="none" strike="noStrike" cap="none" dirty="0">
+                <a:solidFill>
+                  <a:srgbClr val="FFFFFF"/>
+                </a:solidFill>
+                <a:latin typeface="Courier"/>
+                <a:ea typeface="Courier"/>
+                <a:cs typeface="Courier"/>
+                <a:sym typeface="Courier New"/>
+              </a:rPr>
+              <a:t>Τέλος</a:t>
+            </a:r>
+            <a:r>
+              <a:rPr lang="en-US" sz="3000" i="0" u="none" strike="noStrike" cap="none" dirty="0">
+                <a:solidFill>
+                  <a:srgbClr val="FFFFFF"/>
+                </a:solidFill>
+                <a:latin typeface="Courier"/>
+                <a:ea typeface="Courier"/>
+                <a:cs typeface="Courier"/>
+                <a:sym typeface="Courier New"/>
+              </a:rPr>
+              <a:t>!')</a:t>
             </a:r>
           </a:p>
         </p:txBody>
@@ -48500,7 +49489,7 @@
               <a:t>    </a:t>
             </a:r>
             <a:r>
-              <a:rPr lang="en-US" sz="3000" i="0" u="none" strike="noStrike" cap="none" dirty="0">
+              <a:rPr lang="el-GR" sz="3000" i="0" u="none" strike="noStrike" cap="none" dirty="0">
                 <a:solidFill>
                   <a:srgbClr val="00FF00"/>
                 </a:solidFill>
@@ -48509,7 +49498,7 @@
                 <a:cs typeface="Courier"/>
                 <a:sym typeface="Courier New"/>
               </a:rPr>
-              <a:t>line</a:t>
+              <a:t>γραμμή</a:t>
             </a:r>
             <a:r>
               <a:rPr lang="en-US" sz="3000" i="0" u="none" strike="noStrike" cap="none" dirty="0">
@@ -48636,7 +49625,31 @@
                 <a:cs typeface="Courier"/>
                 <a:sym typeface="Courier New"/>
               </a:rPr>
-              <a:t> line[0]</a:t>
+              <a:t> </a:t>
+            </a:r>
+            <a:r>
+              <a:rPr lang="el-GR" sz="3000" i="0" u="none" strike="noStrike" cap="none" dirty="0">
+                <a:solidFill>
+                  <a:srgbClr val="00FF00"/>
+                </a:solidFill>
+                <a:latin typeface="Courier"/>
+                <a:ea typeface="Courier"/>
+                <a:cs typeface="Courier"/>
+                <a:sym typeface="Courier New"/>
+              </a:rPr>
+              <a:t>γραμμή</a:t>
+            </a:r>
+            <a:r>
+              <a:rPr lang="en-US" sz="3000" i="0" u="none" strike="noStrike" cap="none" dirty="0">
+                <a:solidFill>
+                  <a:srgbClr val="00FF00"/>
+                </a:solidFill>
+                <a:latin typeface="Courier"/>
+                <a:ea typeface="Courier"/>
+                <a:cs typeface="Courier"/>
+                <a:sym typeface="Courier New"/>
+              </a:rPr>
+              <a:t>[0]</a:t>
             </a:r>
             <a:r>
               <a:rPr lang="en-US" sz="3000" i="0" u="none" strike="noStrike" cap="none" dirty="0">
@@ -48785,20 +49798,44 @@
               <a:t>if </a:t>
             </a:r>
             <a:r>
+              <a:rPr lang="el-GR" sz="3000" i="0" u="none" strike="noStrike" cap="none" dirty="0">
+                <a:solidFill>
+                  <a:srgbClr val="00FF00"/>
+                </a:solidFill>
+                <a:latin typeface="Courier"/>
+                <a:ea typeface="Courier"/>
+                <a:cs typeface="Courier"/>
+                <a:sym typeface="Courier New"/>
+              </a:rPr>
+              <a:t>γραμμή</a:t>
+            </a:r>
+            <a:r>
               <a:rPr lang="en-US" sz="3000" i="0" u="none" strike="noStrike" cap="none" dirty="0">
                 <a:solidFill>
-                  <a:srgbClr val="00FF00"/>
-                </a:solidFill>
-                <a:latin typeface="Courier"/>
-                <a:ea typeface="Courier"/>
-                <a:cs typeface="Courier"/>
-                <a:sym typeface="Courier New"/>
-              </a:rPr>
-              <a:t>line</a:t>
+                  <a:schemeClr val="lt1"/>
+                </a:solidFill>
+                <a:latin typeface="Courier"/>
+                <a:ea typeface="Courier"/>
+                <a:cs typeface="Courier"/>
+                <a:sym typeface="Courier New"/>
+              </a:rPr>
+              <a:t> </a:t>
             </a:r>
             <a:r>
               <a:rPr lang="en-US" sz="3000" i="0" u="none" strike="noStrike" cap="none" dirty="0">
                 <a:solidFill>
+                  <a:srgbClr val="00FFFF"/>
+                </a:solidFill>
+                <a:latin typeface="Courier"/>
+                <a:ea typeface="Courier"/>
+                <a:cs typeface="Courier"/>
+                <a:sym typeface="Courier New"/>
+              </a:rPr>
+              <a:t>==</a:t>
+            </a:r>
+            <a:r>
+              <a:rPr lang="en-US" sz="3000" i="0" u="none" strike="noStrike" cap="none" dirty="0">
+                <a:solidFill>
                   <a:schemeClr val="lt1"/>
                 </a:solidFill>
                 <a:latin typeface="Courier"/>
@@ -48811,30 +49848,30 @@
             <a:r>
               <a:rPr lang="en-US" sz="3000" i="0" u="none" strike="noStrike" cap="none" dirty="0">
                 <a:solidFill>
-                  <a:srgbClr val="00FFFF"/>
-                </a:solidFill>
-                <a:latin typeface="Courier"/>
-                <a:ea typeface="Courier"/>
-                <a:cs typeface="Courier"/>
-                <a:sym typeface="Courier New"/>
-              </a:rPr>
-              <a:t>==</a:t>
+                  <a:srgbClr val="FFFFFF"/>
+                </a:solidFill>
+                <a:latin typeface="Courier"/>
+                <a:ea typeface="Courier"/>
+                <a:cs typeface="Courier"/>
+                <a:sym typeface="Courier New"/>
+              </a:rPr>
+              <a:t>'</a:t>
+            </a:r>
+            <a:r>
+              <a:rPr lang="el-GR" sz="3000" i="0" u="none" strike="noStrike" cap="none" dirty="0">
+                <a:solidFill>
+                  <a:srgbClr val="FFFFFF"/>
+                </a:solidFill>
+                <a:latin typeface="Courier"/>
+                <a:ea typeface="Courier"/>
+                <a:cs typeface="Courier"/>
+                <a:sym typeface="Courier New"/>
+              </a:rPr>
+              <a:t>τέλος</a:t>
             </a:r>
             <a:r>
               <a:rPr lang="en-US" sz="3000" i="0" u="none" strike="noStrike" cap="none" dirty="0">
                 <a:solidFill>
-                  <a:schemeClr val="lt1"/>
-                </a:solidFill>
-                <a:latin typeface="Courier"/>
-                <a:ea typeface="Courier"/>
-                <a:cs typeface="Courier"/>
-                <a:sym typeface="Courier New"/>
-              </a:rPr>
-              <a:t> </a:t>
-            </a:r>
-            <a:r>
-              <a:rPr lang="en-US" sz="3000" i="0" u="none" strike="noStrike" cap="none" dirty="0">
-                <a:solidFill>
                   <a:srgbClr val="FFFFFF"/>
                 </a:solidFill>
                 <a:latin typeface="Courier"/>
@@ -48842,7 +49879,7 @@
                 <a:cs typeface="Courier"/>
                 <a:sym typeface="Courier New"/>
               </a:rPr>
-              <a:t>'done'</a:t>
+              <a:t>'</a:t>
             </a:r>
             <a:r>
               <a:rPr lang="en-US" sz="3000" i="0" u="none" strike="noStrike" cap="none" dirty="0">
@@ -48967,7 +50004,7 @@
               <a:t>(</a:t>
             </a:r>
             <a:r>
-              <a:rPr lang="en-US" sz="3000" i="0" u="none" strike="noStrike" cap="none" dirty="0">
+              <a:rPr lang="el-GR" sz="3000" i="0" u="none" strike="noStrike" cap="none" dirty="0">
                 <a:solidFill>
                   <a:srgbClr val="00FF00"/>
                 </a:solidFill>
@@ -48976,7 +50013,7 @@
                 <a:cs typeface="Courier"/>
                 <a:sym typeface="Courier New"/>
               </a:rPr>
-              <a:t>line</a:t>
+              <a:t>γραμμή</a:t>
             </a:r>
             <a:r>
               <a:rPr lang="en-US" sz="3000" i="0" u="none" strike="noStrike" cap="none" dirty="0">
@@ -49043,7 +50080,31 @@
                 <a:cs typeface="Courier"/>
                 <a:sym typeface="Courier New"/>
               </a:rPr>
-              <a:t>'Done!')</a:t>
+              <a:t>'</a:t>
+            </a:r>
+            <a:r>
+              <a:rPr lang="el-GR" sz="3000" i="0" u="none" strike="noStrike" cap="none" dirty="0">
+                <a:solidFill>
+                  <a:srgbClr val="FFFFFF"/>
+                </a:solidFill>
+                <a:latin typeface="Courier"/>
+                <a:ea typeface="Courier"/>
+                <a:cs typeface="Courier"/>
+                <a:sym typeface="Courier New"/>
+              </a:rPr>
+              <a:t>Τέλος</a:t>
+            </a:r>
+            <a:r>
+              <a:rPr lang="en-US" sz="3000" i="0" u="none" strike="noStrike" cap="none" dirty="0">
+                <a:solidFill>
+                  <a:srgbClr val="FFFFFF"/>
+                </a:solidFill>
+                <a:latin typeface="Courier"/>
+                <a:ea typeface="Courier"/>
+                <a:cs typeface="Courier"/>
+                <a:sym typeface="Courier New"/>
+              </a:rPr>
+              <a:t>!')</a:t>
             </a:r>
           </a:p>
         </p:txBody>
@@ -49056,8 +50117,8 @@
         </p:nvSpPr>
         <p:spPr>
           <a:xfrm>
-            <a:off x="10639425" y="4494212"/>
-            <a:ext cx="3576599" cy="3876599"/>
+            <a:off x="9984205" y="4449351"/>
+            <a:ext cx="5103495" cy="3876599"/>
           </a:xfrm>
           <a:prstGeom prst="rect">
             <a:avLst/>
@@ -49091,7 +50152,7 @@
               <a:buNone/>
             </a:pPr>
             <a:r>
-              <a:rPr lang="en-US" sz="3200" u="none" strike="noStrike" cap="none" dirty="0">
+              <a:rPr lang="en-US" sz="3600" u="none" strike="noStrike" cap="none" dirty="0">
                 <a:solidFill>
                   <a:schemeClr val="lt1"/>
                 </a:solidFill>
@@ -49103,7 +50164,7 @@
               <a:t>&gt; </a:t>
             </a:r>
             <a:r>
-              <a:rPr lang="en-US" sz="3200" u="none" strike="noStrike" cap="none" dirty="0">
+              <a:rPr lang="el-GR" sz="3200" u="none" strike="noStrike" cap="none" dirty="0">
                 <a:solidFill>
                   <a:srgbClr val="00FF00"/>
                 </a:solidFill>
@@ -49112,8 +50173,17 @@
                 <a:cs typeface="Arial" charset="0"/>
                 <a:sym typeface="Cabin"/>
               </a:rPr>
-              <a:t>hello there</a:t>
-            </a:r>
+              <a:t>Γειά σας</a:t>
+            </a:r>
+            <a:endParaRPr lang="en-US" sz="3200" u="none" strike="noStrike" cap="none" dirty="0">
+              <a:solidFill>
+                <a:srgbClr val="00FF00"/>
+              </a:solidFill>
+              <a:latin typeface="Arial" charset="0"/>
+              <a:ea typeface="Arial" charset="0"/>
+              <a:cs typeface="Arial" charset="0"/>
+              <a:sym typeface="Cabin"/>
+            </a:endParaRPr>
           </a:p>
           <a:p>
             <a:pPr marL="0" marR="0" lvl="0" indent="0" algn="l" rtl="0">
@@ -49134,7 +50204,7 @@
               <a:buNone/>
             </a:pPr>
             <a:r>
-              <a:rPr lang="en-US" sz="3200" u="none" strike="noStrike" cap="none" dirty="0">
+              <a:rPr lang="el-GR" sz="3200" u="none" strike="noStrike" cap="none" dirty="0">
                 <a:solidFill>
                   <a:schemeClr val="lt1"/>
                 </a:solidFill>
@@ -49143,8 +50213,17 @@
                 <a:cs typeface="Arial" charset="0"/>
                 <a:sym typeface="Cabin"/>
               </a:rPr>
-              <a:t>hello there</a:t>
-            </a:r>
+              <a:t>Γειά σας</a:t>
+            </a:r>
+            <a:endParaRPr lang="en-US" sz="3200" u="none" strike="noStrike" cap="none" dirty="0">
+              <a:solidFill>
+                <a:schemeClr val="lt1"/>
+              </a:solidFill>
+              <a:latin typeface="Arial" charset="0"/>
+              <a:ea typeface="Arial" charset="0"/>
+              <a:cs typeface="Arial" charset="0"/>
+              <a:sym typeface="Cabin"/>
+            </a:endParaRPr>
           </a:p>
           <a:p>
             <a:pPr marL="0" marR="0" lvl="0" indent="0" algn="l" rtl="0">
@@ -49186,8 +50265,29 @@
                 <a:cs typeface="Arial" charset="0"/>
                 <a:sym typeface="Cabin"/>
               </a:rPr>
-              <a:t># don't print this</a:t>
-            </a:r>
+              <a:t># </a:t>
+            </a:r>
+            <a:r>
+              <a:rPr lang="el-GR" sz="3200" u="none" strike="noStrike" cap="none" dirty="0">
+                <a:solidFill>
+                  <a:srgbClr val="00FF00"/>
+                </a:solidFill>
+                <a:latin typeface="Arial" charset="0"/>
+                <a:ea typeface="Arial" charset="0"/>
+                <a:cs typeface="Arial" charset="0"/>
+                <a:sym typeface="Cabin"/>
+              </a:rPr>
+              <a:t>μην το εκτυπώσεις αυτό</a:t>
+            </a:r>
+            <a:endParaRPr lang="en-US" sz="3200" u="none" strike="noStrike" cap="none" dirty="0">
+              <a:solidFill>
+                <a:srgbClr val="00FF00"/>
+              </a:solidFill>
+              <a:latin typeface="Arial" charset="0"/>
+              <a:ea typeface="Arial" charset="0"/>
+              <a:cs typeface="Arial" charset="0"/>
+              <a:sym typeface="Cabin"/>
+            </a:endParaRPr>
           </a:p>
           <a:p>
             <a:pPr marL="0" marR="0" lvl="0" indent="0" algn="l" rtl="0">
@@ -49220,6 +50320,18 @@
               <a:t>&gt; </a:t>
             </a:r>
             <a:r>
+              <a:rPr lang="el-GR" sz="3200" u="none" strike="noStrike" cap="none" dirty="0">
+                <a:solidFill>
+                  <a:srgbClr val="00FF00"/>
+                </a:solidFill>
+                <a:latin typeface="Arial" charset="0"/>
+                <a:ea typeface="Arial" charset="0"/>
+                <a:cs typeface="Arial" charset="0"/>
+                <a:sym typeface="Cabin"/>
+              </a:rPr>
+              <a:t>εκτύπωσε αυτό</a:t>
+            </a:r>
+            <a:r>
               <a:rPr lang="en-US" sz="3200" u="none" strike="noStrike" cap="none" dirty="0">
                 <a:solidFill>
                   <a:srgbClr val="00FF00"/>
@@ -49229,7 +50341,7 @@
                 <a:cs typeface="Arial" charset="0"/>
                 <a:sym typeface="Cabin"/>
               </a:rPr>
-              <a:t>print this!</a:t>
+              <a:t>!</a:t>
             </a:r>
           </a:p>
           <a:p>
@@ -49251,6 +50363,18 @@
               <a:buNone/>
             </a:pPr>
             <a:r>
+              <a:rPr lang="el-GR" sz="3200" u="none" strike="noStrike" cap="none" dirty="0">
+                <a:solidFill>
+                  <a:schemeClr val="lt1"/>
+                </a:solidFill>
+                <a:latin typeface="Arial" charset="0"/>
+                <a:ea typeface="Arial" charset="0"/>
+                <a:cs typeface="Arial" charset="0"/>
+                <a:sym typeface="Cabin"/>
+              </a:rPr>
+              <a:t>εκτύπωσε αυτό</a:t>
+            </a:r>
+            <a:r>
               <a:rPr lang="en-US" sz="3200" u="none" strike="noStrike" cap="none" dirty="0">
                 <a:solidFill>
                   <a:schemeClr val="lt1"/>
@@ -49260,7 +50384,7 @@
                 <a:cs typeface="Arial" charset="0"/>
                 <a:sym typeface="Cabin"/>
               </a:rPr>
-              <a:t>print this!</a:t>
+              <a:t>!</a:t>
             </a:r>
           </a:p>
           <a:p>
@@ -49294,7 +50418,7 @@
               <a:t>&gt; </a:t>
             </a:r>
             <a:r>
-              <a:rPr lang="en-US" sz="3200" u="none" strike="noStrike" cap="none" dirty="0">
+              <a:rPr lang="el-GR" sz="3200" u="none" strike="noStrike" cap="none" dirty="0">
                 <a:solidFill>
                   <a:srgbClr val="00FF00"/>
                 </a:solidFill>
@@ -49303,8 +50427,17 @@
                 <a:cs typeface="Arial" charset="0"/>
                 <a:sym typeface="Cabin"/>
               </a:rPr>
-              <a:t>done</a:t>
-            </a:r>
+              <a:t>τέλος</a:t>
+            </a:r>
+            <a:endParaRPr lang="en-US" sz="3200" u="none" strike="noStrike" cap="none" dirty="0">
+              <a:solidFill>
+                <a:srgbClr val="00FF00"/>
+              </a:solidFill>
+              <a:latin typeface="Arial" charset="0"/>
+              <a:ea typeface="Arial" charset="0"/>
+              <a:cs typeface="Arial" charset="0"/>
+              <a:sym typeface="Cabin"/>
+            </a:endParaRPr>
           </a:p>
           <a:p>
             <a:pPr marL="0" marR="0" lvl="0" indent="0" algn="l" rtl="0">
@@ -49325,6 +50458,18 @@
               <a:buNone/>
             </a:pPr>
             <a:r>
+              <a:rPr lang="el-GR" sz="3200" u="none" strike="noStrike" cap="none" dirty="0">
+                <a:solidFill>
+                  <a:schemeClr val="lt1"/>
+                </a:solidFill>
+                <a:latin typeface="Arial" charset="0"/>
+                <a:ea typeface="Arial" charset="0"/>
+                <a:cs typeface="Arial" charset="0"/>
+                <a:sym typeface="Cabin"/>
+              </a:rPr>
+              <a:t>Τέλος</a:t>
+            </a:r>
+            <a:r>
               <a:rPr lang="en-US" sz="3200" u="none" strike="noStrike" cap="none" dirty="0">
                 <a:solidFill>
                   <a:schemeClr val="lt1"/>
@@ -49334,7 +50479,7 @@
                 <a:cs typeface="Arial" charset="0"/>
                 <a:sym typeface="Cabin"/>
               </a:rPr>
-              <a:t>Done!</a:t>
+              <a:t>!</a:t>
             </a:r>
           </a:p>
         </p:txBody>
@@ -49753,7 +50898,7 @@
               <a:t>    </a:t>
             </a:r>
             <a:r>
-              <a:rPr lang="en-US" sz="3000" i="0" u="none" strike="noStrike" cap="none" dirty="0">
+              <a:rPr lang="el-GR" sz="3000" i="0" u="none" strike="noStrike" cap="none" dirty="0">
                 <a:solidFill>
                   <a:srgbClr val="00FF00"/>
                 </a:solidFill>
@@ -49762,7 +50907,7 @@
                 <a:cs typeface="Courier"/>
                 <a:sym typeface="Courier New"/>
               </a:rPr>
-              <a:t>line</a:t>
+              <a:t>γραμμή</a:t>
             </a:r>
             <a:r>
               <a:rPr lang="en-US" sz="3000" i="0" u="none" strike="noStrike" cap="none" dirty="0">
@@ -49889,7 +51034,31 @@
                 <a:cs typeface="Courier"/>
                 <a:sym typeface="Courier New"/>
               </a:rPr>
-              <a:t> line[0]</a:t>
+              <a:t> </a:t>
+            </a:r>
+            <a:r>
+              <a:rPr lang="el-GR" sz="3000" i="0" u="none" strike="noStrike" cap="none" dirty="0">
+                <a:solidFill>
+                  <a:srgbClr val="00FF00"/>
+                </a:solidFill>
+                <a:latin typeface="Courier"/>
+                <a:ea typeface="Courier"/>
+                <a:cs typeface="Courier"/>
+                <a:sym typeface="Courier New"/>
+              </a:rPr>
+              <a:t>γραμμή</a:t>
+            </a:r>
+            <a:r>
+              <a:rPr lang="en-US" sz="3000" i="0" u="none" strike="noStrike" cap="none" dirty="0">
+                <a:solidFill>
+                  <a:srgbClr val="00FF00"/>
+                </a:solidFill>
+                <a:latin typeface="Courier"/>
+                <a:ea typeface="Courier"/>
+                <a:cs typeface="Courier"/>
+                <a:sym typeface="Courier New"/>
+              </a:rPr>
+              <a:t>[0]</a:t>
             </a:r>
             <a:r>
               <a:rPr lang="en-US" sz="3000" i="0" u="none" strike="noStrike" cap="none" dirty="0">
@@ -50050,20 +51219,44 @@
               <a:t>if </a:t>
             </a:r>
             <a:r>
+              <a:rPr lang="el-GR" sz="3000" i="0" u="none" strike="noStrike" cap="none" dirty="0">
+                <a:solidFill>
+                  <a:srgbClr val="00FF00"/>
+                </a:solidFill>
+                <a:latin typeface="Courier"/>
+                <a:ea typeface="Courier"/>
+                <a:cs typeface="Courier"/>
+                <a:sym typeface="Courier New"/>
+              </a:rPr>
+              <a:t>γραμμή</a:t>
+            </a:r>
+            <a:r>
               <a:rPr lang="en-US" sz="3000" i="0" u="none" strike="noStrike" cap="none" dirty="0">
                 <a:solidFill>
-                  <a:srgbClr val="00FF00"/>
-                </a:solidFill>
-                <a:latin typeface="Courier"/>
-                <a:ea typeface="Courier"/>
-                <a:cs typeface="Courier"/>
-                <a:sym typeface="Courier New"/>
-              </a:rPr>
-              <a:t>line</a:t>
+                  <a:schemeClr val="lt1"/>
+                </a:solidFill>
+                <a:latin typeface="Courier"/>
+                <a:ea typeface="Courier"/>
+                <a:cs typeface="Courier"/>
+                <a:sym typeface="Courier New"/>
+              </a:rPr>
+              <a:t> </a:t>
             </a:r>
             <a:r>
               <a:rPr lang="en-US" sz="3000" i="0" u="none" strike="noStrike" cap="none" dirty="0">
                 <a:solidFill>
+                  <a:srgbClr val="00FFFF"/>
+                </a:solidFill>
+                <a:latin typeface="Courier"/>
+                <a:ea typeface="Courier"/>
+                <a:cs typeface="Courier"/>
+                <a:sym typeface="Courier New"/>
+              </a:rPr>
+              <a:t>==</a:t>
+            </a:r>
+            <a:r>
+              <a:rPr lang="en-US" sz="3000" i="0" u="none" strike="noStrike" cap="none" dirty="0">
+                <a:solidFill>
                   <a:schemeClr val="lt1"/>
                 </a:solidFill>
                 <a:latin typeface="Courier"/>
@@ -50076,30 +51269,30 @@
             <a:r>
               <a:rPr lang="en-US" sz="3000" i="0" u="none" strike="noStrike" cap="none" dirty="0">
                 <a:solidFill>
-                  <a:srgbClr val="00FFFF"/>
-                </a:solidFill>
-                <a:latin typeface="Courier"/>
-                <a:ea typeface="Courier"/>
-                <a:cs typeface="Courier"/>
-                <a:sym typeface="Courier New"/>
-              </a:rPr>
-              <a:t>==</a:t>
+                  <a:srgbClr val="FFFFFF"/>
+                </a:solidFill>
+                <a:latin typeface="Courier"/>
+                <a:ea typeface="Courier"/>
+                <a:cs typeface="Courier"/>
+                <a:sym typeface="Courier New"/>
+              </a:rPr>
+              <a:t>'</a:t>
+            </a:r>
+            <a:r>
+              <a:rPr lang="el-GR" sz="3000" i="0" u="none" strike="noStrike" cap="none" dirty="0">
+                <a:solidFill>
+                  <a:srgbClr val="FFFFFF"/>
+                </a:solidFill>
+                <a:latin typeface="Courier"/>
+                <a:ea typeface="Courier"/>
+                <a:cs typeface="Courier"/>
+                <a:sym typeface="Courier New"/>
+              </a:rPr>
+              <a:t>τέλος</a:t>
             </a:r>
             <a:r>
               <a:rPr lang="en-US" sz="3000" i="0" u="none" strike="noStrike" cap="none" dirty="0">
                 <a:solidFill>
-                  <a:schemeClr val="lt1"/>
-                </a:solidFill>
-                <a:latin typeface="Courier"/>
-                <a:ea typeface="Courier"/>
-                <a:cs typeface="Courier"/>
-                <a:sym typeface="Courier New"/>
-              </a:rPr>
-              <a:t> </a:t>
-            </a:r>
-            <a:r>
-              <a:rPr lang="en-US" sz="3000" i="0" u="none" strike="noStrike" cap="none" dirty="0">
-                <a:solidFill>
                   <a:srgbClr val="FFFFFF"/>
                 </a:solidFill>
                 <a:latin typeface="Courier"/>
@@ -50107,7 +51300,7 @@
                 <a:cs typeface="Courier"/>
                 <a:sym typeface="Courier New"/>
               </a:rPr>
-              <a:t>'done'</a:t>
+              <a:t>'</a:t>
             </a:r>
             <a:r>
               <a:rPr lang="en-US" sz="3000" i="0" u="none" strike="noStrike" cap="none" dirty="0">
@@ -50232,7 +51425,7 @@
               <a:t>(</a:t>
             </a:r>
             <a:r>
-              <a:rPr lang="en-US" sz="3000" i="0" u="none" strike="noStrike" cap="none" dirty="0">
+              <a:rPr lang="el-GR" sz="3000" i="0" u="none" strike="noStrike" cap="none" dirty="0">
                 <a:solidFill>
                   <a:srgbClr val="00FF00"/>
                 </a:solidFill>
@@ -50241,7 +51434,7 @@
                 <a:cs typeface="Courier"/>
                 <a:sym typeface="Courier New"/>
               </a:rPr>
-              <a:t>line</a:t>
+              <a:t>γραμμή</a:t>
             </a:r>
             <a:r>
               <a:rPr lang="en-US" sz="3000" i="0" u="none" strike="noStrike" cap="none" dirty="0">
@@ -50308,298 +51501,31 @@
                 <a:cs typeface="Courier"/>
                 <a:sym typeface="Courier New"/>
               </a:rPr>
-              <a:t>'Done!')</a:t>
-            </a:r>
-          </a:p>
-        </p:txBody>
-      </p:sp>
-      <p:sp>
-        <p:nvSpPr>
-          <p:cNvPr id="351" name="Shape 351"/>
-          <p:cNvSpPr txBox="1"/>
-          <p:nvPr/>
-        </p:nvSpPr>
-        <p:spPr>
-          <a:xfrm>
-            <a:off x="11172825" y="4494212"/>
-            <a:ext cx="3576637" cy="3876675"/>
-          </a:xfrm>
-          <a:prstGeom prst="rect">
-            <a:avLst/>
-          </a:prstGeom>
-          <a:noFill/>
-          <a:ln>
-            <a:noFill/>
-          </a:ln>
-        </p:spPr>
-        <p:txBody>
-          <a:bodyPr lIns="0" tIns="0" rIns="0" bIns="0" anchor="ctr" anchorCtr="0">
-            <a:noAutofit/>
-          </a:bodyPr>
-          <a:lstStyle/>
-          <a:p>
-            <a:pPr marL="0" marR="0" lvl="0" indent="0" algn="l" rtl="0">
-              <a:lnSpc>
-                <a:spcPct val="100000"/>
-              </a:lnSpc>
-              <a:spcBef>
-                <a:spcPts val="0"/>
-              </a:spcBef>
-              <a:spcAft>
-                <a:spcPts val="0"/>
-              </a:spcAft>
-              <a:buClr>
-                <a:schemeClr val="lt1"/>
-              </a:buClr>
-              <a:buSzPct val="25000"/>
-              <a:buFont typeface="Cabin"/>
-              <a:buNone/>
-            </a:pPr>
-            <a:r>
-              <a:rPr lang="en-US" sz="3200" u="none" strike="noStrike" cap="none" dirty="0">
-                <a:solidFill>
-                  <a:schemeClr val="lt1"/>
-                </a:solidFill>
-                <a:latin typeface="Arial" charset="0"/>
-                <a:ea typeface="Arial" charset="0"/>
-                <a:cs typeface="Arial" charset="0"/>
-                <a:sym typeface="Cabin"/>
-              </a:rPr>
-              <a:t>&gt; </a:t>
-            </a:r>
-            <a:r>
-              <a:rPr lang="en-US" sz="3200" u="none" strike="noStrike" cap="none" dirty="0">
-                <a:solidFill>
-                  <a:srgbClr val="00FF00"/>
-                </a:solidFill>
-                <a:latin typeface="Arial" charset="0"/>
-                <a:ea typeface="Arial" charset="0"/>
-                <a:cs typeface="Arial" charset="0"/>
-                <a:sym typeface="Cabin"/>
-              </a:rPr>
-              <a:t>hello there</a:t>
-            </a:r>
-          </a:p>
-          <a:p>
-            <a:pPr marL="0" marR="0" lvl="0" indent="0" algn="l" rtl="0">
-              <a:lnSpc>
-                <a:spcPct val="100000"/>
-              </a:lnSpc>
-              <a:spcBef>
-                <a:spcPts val="0"/>
-              </a:spcBef>
-              <a:spcAft>
-                <a:spcPts val="0"/>
-              </a:spcAft>
-              <a:buClr>
-                <a:schemeClr val="lt1"/>
-              </a:buClr>
-              <a:buSzPct val="25000"/>
-              <a:buFont typeface="Cabin"/>
-              <a:buNone/>
-            </a:pPr>
-            <a:r>
-              <a:rPr lang="en-US" sz="3200" u="none" strike="noStrike" cap="none" dirty="0">
-                <a:solidFill>
-                  <a:schemeClr val="lt1"/>
-                </a:solidFill>
-                <a:latin typeface="Arial" charset="0"/>
-                <a:ea typeface="Arial" charset="0"/>
-                <a:cs typeface="Arial" charset="0"/>
-                <a:sym typeface="Cabin"/>
-              </a:rPr>
-              <a:t>hello there</a:t>
-            </a:r>
-          </a:p>
-          <a:p>
-            <a:pPr marL="0" marR="0" lvl="0" indent="0" algn="l" rtl="0">
-              <a:lnSpc>
-                <a:spcPct val="100000"/>
-              </a:lnSpc>
-              <a:spcBef>
-                <a:spcPts val="0"/>
-              </a:spcBef>
-              <a:spcAft>
-                <a:spcPts val="0"/>
-              </a:spcAft>
-              <a:buClr>
-                <a:schemeClr val="lt1"/>
-              </a:buClr>
-              <a:buSzPct val="25000"/>
-              <a:buFont typeface="Cabin"/>
-              <a:buNone/>
-            </a:pPr>
-            <a:r>
-              <a:rPr lang="en-US" sz="3200" u="none" strike="noStrike" cap="none" dirty="0">
-                <a:solidFill>
-                  <a:schemeClr val="lt1"/>
-                </a:solidFill>
-                <a:latin typeface="Arial" charset="0"/>
-                <a:ea typeface="Arial" charset="0"/>
-                <a:cs typeface="Arial" charset="0"/>
-                <a:sym typeface="Cabin"/>
-              </a:rPr>
-              <a:t>&gt; </a:t>
-            </a:r>
-            <a:r>
-              <a:rPr lang="en-US" sz="3200" u="none" strike="noStrike" cap="none" dirty="0">
-                <a:solidFill>
-                  <a:srgbClr val="00FF00"/>
-                </a:solidFill>
-                <a:latin typeface="Arial" charset="0"/>
-                <a:ea typeface="Arial" charset="0"/>
-                <a:cs typeface="Arial" charset="0"/>
-                <a:sym typeface="Cabin"/>
-              </a:rPr>
-              <a:t># don't print this</a:t>
-            </a:r>
-          </a:p>
-          <a:p>
-            <a:pPr marL="0" marR="0" lvl="0" indent="0" algn="l" rtl="0">
-              <a:lnSpc>
-                <a:spcPct val="100000"/>
-              </a:lnSpc>
-              <a:spcBef>
-                <a:spcPts val="0"/>
-              </a:spcBef>
-              <a:spcAft>
-                <a:spcPts val="0"/>
-              </a:spcAft>
-              <a:buClr>
-                <a:schemeClr val="lt1"/>
-              </a:buClr>
-              <a:buSzPct val="25000"/>
-              <a:buFont typeface="Cabin"/>
-              <a:buNone/>
-            </a:pPr>
-            <a:r>
-              <a:rPr lang="en-US" sz="3200" u="none" strike="noStrike" cap="none" dirty="0">
-                <a:solidFill>
-                  <a:schemeClr val="lt1"/>
-                </a:solidFill>
-                <a:latin typeface="Arial" charset="0"/>
-                <a:ea typeface="Arial" charset="0"/>
-                <a:cs typeface="Arial" charset="0"/>
-                <a:sym typeface="Cabin"/>
-              </a:rPr>
-              <a:t>&gt; </a:t>
-            </a:r>
-            <a:r>
-              <a:rPr lang="en-US" sz="3200" u="none" strike="noStrike" cap="none" dirty="0">
-                <a:solidFill>
-                  <a:srgbClr val="00FF00"/>
-                </a:solidFill>
-                <a:latin typeface="Arial" charset="0"/>
-                <a:ea typeface="Arial" charset="0"/>
-                <a:cs typeface="Arial" charset="0"/>
-                <a:sym typeface="Cabin"/>
-              </a:rPr>
-              <a:t>print this!</a:t>
-            </a:r>
-          </a:p>
-          <a:p>
-            <a:pPr marL="0" marR="0" lvl="0" indent="0" algn="l" rtl="0">
-              <a:lnSpc>
-                <a:spcPct val="100000"/>
-              </a:lnSpc>
-              <a:spcBef>
-                <a:spcPts val="0"/>
-              </a:spcBef>
-              <a:spcAft>
-                <a:spcPts val="0"/>
-              </a:spcAft>
-              <a:buClr>
-                <a:schemeClr val="lt1"/>
-              </a:buClr>
-              <a:buSzPct val="25000"/>
-              <a:buFont typeface="Cabin"/>
-              <a:buNone/>
-            </a:pPr>
-            <a:r>
-              <a:rPr lang="en-US" sz="3200" u="none" strike="noStrike" cap="none" dirty="0">
-                <a:solidFill>
-                  <a:schemeClr val="lt1"/>
-                </a:solidFill>
-                <a:latin typeface="Arial" charset="0"/>
-                <a:ea typeface="Arial" charset="0"/>
-                <a:cs typeface="Arial" charset="0"/>
-                <a:sym typeface="Cabin"/>
-              </a:rPr>
-              <a:t>print this!</a:t>
-            </a:r>
-          </a:p>
-          <a:p>
-            <a:pPr marL="0" marR="0" lvl="0" indent="0" algn="l" rtl="0">
-              <a:lnSpc>
-                <a:spcPct val="100000"/>
-              </a:lnSpc>
-              <a:spcBef>
-                <a:spcPts val="0"/>
-              </a:spcBef>
-              <a:spcAft>
-                <a:spcPts val="0"/>
-              </a:spcAft>
-              <a:buClr>
-                <a:schemeClr val="lt1"/>
-              </a:buClr>
-              <a:buSzPct val="25000"/>
-              <a:buFont typeface="Cabin"/>
-              <a:buNone/>
-            </a:pPr>
-            <a:r>
-              <a:rPr lang="en-US" sz="3200" u="none" strike="noStrike" cap="none" dirty="0">
-                <a:solidFill>
-                  <a:schemeClr val="lt1"/>
-                </a:solidFill>
-                <a:latin typeface="Arial" charset="0"/>
-                <a:ea typeface="Arial" charset="0"/>
-                <a:cs typeface="Arial" charset="0"/>
-                <a:sym typeface="Cabin"/>
-              </a:rPr>
-              <a:t>&gt; </a:t>
-            </a:r>
-            <a:r>
-              <a:rPr lang="en-US" sz="3200" u="none" strike="noStrike" cap="none" dirty="0">
-                <a:solidFill>
-                  <a:srgbClr val="00FF00"/>
-                </a:solidFill>
-                <a:latin typeface="Arial" charset="0"/>
-                <a:ea typeface="Arial" charset="0"/>
-                <a:cs typeface="Arial" charset="0"/>
-                <a:sym typeface="Cabin"/>
-              </a:rPr>
-              <a:t>done</a:t>
-            </a:r>
-          </a:p>
-          <a:p>
-            <a:pPr marL="0" marR="0" lvl="0" indent="0" algn="l" rtl="0">
-              <a:lnSpc>
-                <a:spcPct val="100000"/>
-              </a:lnSpc>
-              <a:spcBef>
-                <a:spcPts val="0"/>
-              </a:spcBef>
-              <a:spcAft>
-                <a:spcPts val="0"/>
-              </a:spcAft>
-              <a:buClr>
-                <a:schemeClr val="lt1"/>
-              </a:buClr>
-              <a:buSzPct val="25000"/>
-              <a:buFont typeface="Cabin"/>
-              <a:buNone/>
-            </a:pPr>
-            <a:r>
-              <a:rPr lang="en-US" sz="3200" u="none" strike="noStrike" cap="none" dirty="0">
-                <a:solidFill>
-                  <a:schemeClr val="lt1"/>
-                </a:solidFill>
-                <a:latin typeface="Arial" charset="0"/>
-                <a:ea typeface="Arial" charset="0"/>
-                <a:cs typeface="Arial" charset="0"/>
-                <a:sym typeface="Cabin"/>
-              </a:rPr>
-              <a:t>Done!</a:t>
+              <a:t>'</a:t>
+            </a:r>
+            <a:r>
+              <a:rPr lang="el-GR" sz="3000" i="0" u="none" strike="noStrike" cap="none" dirty="0">
+                <a:solidFill>
+                  <a:srgbClr val="FFFFFF"/>
+                </a:solidFill>
+                <a:latin typeface="Courier"/>
+                <a:ea typeface="Courier"/>
+                <a:cs typeface="Courier"/>
+                <a:sym typeface="Courier New"/>
+              </a:rPr>
+              <a:t>Τέλος</a:t>
+            </a:r>
+            <a:r>
+              <a:rPr lang="en-US" sz="3000" i="0" u="none" strike="noStrike" cap="none" dirty="0">
+                <a:solidFill>
+                  <a:srgbClr val="FFFFFF"/>
+                </a:solidFill>
+                <a:latin typeface="Courier"/>
+                <a:ea typeface="Courier"/>
+                <a:cs typeface="Courier"/>
+                <a:sym typeface="Courier New"/>
+              </a:rPr>
+              <a:t>!')</a:t>
             </a:r>
           </a:p>
         </p:txBody>
@@ -50656,6 +51582,387 @@
           </a:ln>
         </p:spPr>
       </p:cxnSp>
+      <p:sp>
+        <p:nvSpPr>
+          <p:cNvPr id="8" name="Shape 342">
+            <a:extLst>
+              <a:ext uri="{FF2B5EF4-FFF2-40B4-BE49-F238E27FC236}">
+                <a16:creationId xmlns:a16="http://schemas.microsoft.com/office/drawing/2014/main" id="{CF88C64A-136D-46B3-8C65-9A56A4185B0B}"/>
+              </a:ext>
+            </a:extLst>
+          </p:cNvPr>
+          <p:cNvSpPr txBox="1"/>
+          <p:nvPr/>
+        </p:nvSpPr>
+        <p:spPr>
+          <a:xfrm>
+            <a:off x="9996805" y="4371246"/>
+            <a:ext cx="5103495" cy="3876599"/>
+          </a:xfrm>
+          <a:prstGeom prst="rect">
+            <a:avLst/>
+          </a:prstGeom>
+          <a:noFill/>
+          <a:ln>
+            <a:noFill/>
+          </a:ln>
+        </p:spPr>
+        <p:txBody>
+          <a:bodyPr lIns="0" tIns="0" rIns="0" bIns="0" anchor="ctr" anchorCtr="0">
+            <a:noAutofit/>
+          </a:bodyPr>
+          <a:lstStyle/>
+          <a:p>
+            <a:pPr marL="0" marR="0" lvl="0" indent="0" algn="l" rtl="0">
+              <a:lnSpc>
+                <a:spcPct val="100000"/>
+              </a:lnSpc>
+              <a:spcBef>
+                <a:spcPts val="0"/>
+              </a:spcBef>
+              <a:spcAft>
+                <a:spcPts val="0"/>
+              </a:spcAft>
+              <a:buClr>
+                <a:schemeClr val="lt1"/>
+              </a:buClr>
+              <a:buSzPct val="25000"/>
+              <a:buFont typeface="Cabin"/>
+              <a:buNone/>
+            </a:pPr>
+            <a:r>
+              <a:rPr lang="en-US" sz="3600" u="none" strike="noStrike" cap="none" dirty="0">
+                <a:solidFill>
+                  <a:schemeClr val="lt1"/>
+                </a:solidFill>
+                <a:latin typeface="Arial" charset="0"/>
+                <a:ea typeface="Arial" charset="0"/>
+                <a:cs typeface="Arial" charset="0"/>
+                <a:sym typeface="Cabin"/>
+              </a:rPr>
+              <a:t>&gt; </a:t>
+            </a:r>
+            <a:r>
+              <a:rPr lang="el-GR" sz="3200" u="none" strike="noStrike" cap="none" dirty="0">
+                <a:solidFill>
+                  <a:srgbClr val="00FF00"/>
+                </a:solidFill>
+                <a:latin typeface="Arial" charset="0"/>
+                <a:ea typeface="Arial" charset="0"/>
+                <a:cs typeface="Arial" charset="0"/>
+                <a:sym typeface="Cabin"/>
+              </a:rPr>
+              <a:t>Γειά σας</a:t>
+            </a:r>
+            <a:endParaRPr lang="en-US" sz="3200" u="none" strike="noStrike" cap="none" dirty="0">
+              <a:solidFill>
+                <a:srgbClr val="00FF00"/>
+              </a:solidFill>
+              <a:latin typeface="Arial" charset="0"/>
+              <a:ea typeface="Arial" charset="0"/>
+              <a:cs typeface="Arial" charset="0"/>
+              <a:sym typeface="Cabin"/>
+            </a:endParaRPr>
+          </a:p>
+          <a:p>
+            <a:pPr marL="0" marR="0" lvl="0" indent="0" algn="l" rtl="0">
+              <a:lnSpc>
+                <a:spcPct val="100000"/>
+              </a:lnSpc>
+              <a:spcBef>
+                <a:spcPts val="0"/>
+              </a:spcBef>
+              <a:spcAft>
+                <a:spcPts val="0"/>
+              </a:spcAft>
+              <a:buClr>
+                <a:schemeClr val="lt1"/>
+              </a:buClr>
+              <a:buSzPct val="25000"/>
+              <a:buFont typeface="Cabin"/>
+              <a:buNone/>
+            </a:pPr>
+            <a:r>
+              <a:rPr lang="el-GR" sz="3200" u="none" strike="noStrike" cap="none" dirty="0">
+                <a:solidFill>
+                  <a:schemeClr val="lt1"/>
+                </a:solidFill>
+                <a:latin typeface="Arial" charset="0"/>
+                <a:ea typeface="Arial" charset="0"/>
+                <a:cs typeface="Arial" charset="0"/>
+                <a:sym typeface="Cabin"/>
+              </a:rPr>
+              <a:t>Γειά σας</a:t>
+            </a:r>
+            <a:endParaRPr lang="en-US" sz="3200" u="none" strike="noStrike" cap="none" dirty="0">
+              <a:solidFill>
+                <a:schemeClr val="lt1"/>
+              </a:solidFill>
+              <a:latin typeface="Arial" charset="0"/>
+              <a:ea typeface="Arial" charset="0"/>
+              <a:cs typeface="Arial" charset="0"/>
+              <a:sym typeface="Cabin"/>
+            </a:endParaRPr>
+          </a:p>
+          <a:p>
+            <a:pPr marL="0" marR="0" lvl="0" indent="0" algn="l" rtl="0">
+              <a:lnSpc>
+                <a:spcPct val="100000"/>
+              </a:lnSpc>
+              <a:spcBef>
+                <a:spcPts val="0"/>
+              </a:spcBef>
+              <a:spcAft>
+                <a:spcPts val="0"/>
+              </a:spcAft>
+              <a:buClr>
+                <a:schemeClr val="lt1"/>
+              </a:buClr>
+              <a:buSzPct val="25000"/>
+              <a:buFont typeface="Cabin"/>
+              <a:buNone/>
+            </a:pPr>
+            <a:r>
+              <a:rPr lang="en-US" sz="3200" u="none" strike="noStrike" cap="none" dirty="0">
+                <a:solidFill>
+                  <a:schemeClr val="lt1"/>
+                </a:solidFill>
+                <a:latin typeface="Arial" charset="0"/>
+                <a:ea typeface="Arial" charset="0"/>
+                <a:cs typeface="Arial" charset="0"/>
+                <a:sym typeface="Cabin"/>
+              </a:rPr>
+              <a:t>&gt; </a:t>
+            </a:r>
+            <a:r>
+              <a:rPr lang="en-US" sz="3200" u="none" strike="noStrike" cap="none" dirty="0">
+                <a:solidFill>
+                  <a:srgbClr val="00FF00"/>
+                </a:solidFill>
+                <a:latin typeface="Arial" charset="0"/>
+                <a:ea typeface="Arial" charset="0"/>
+                <a:cs typeface="Arial" charset="0"/>
+                <a:sym typeface="Cabin"/>
+              </a:rPr>
+              <a:t># </a:t>
+            </a:r>
+            <a:r>
+              <a:rPr lang="el-GR" sz="3200" u="none" strike="noStrike" cap="none" dirty="0">
+                <a:solidFill>
+                  <a:srgbClr val="00FF00"/>
+                </a:solidFill>
+                <a:latin typeface="Arial" charset="0"/>
+                <a:ea typeface="Arial" charset="0"/>
+                <a:cs typeface="Arial" charset="0"/>
+                <a:sym typeface="Cabin"/>
+              </a:rPr>
+              <a:t>μην το εκτυπώσεις αυτό</a:t>
+            </a:r>
+            <a:endParaRPr lang="en-US" sz="3200" u="none" strike="noStrike" cap="none" dirty="0">
+              <a:solidFill>
+                <a:srgbClr val="00FF00"/>
+              </a:solidFill>
+              <a:latin typeface="Arial" charset="0"/>
+              <a:ea typeface="Arial" charset="0"/>
+              <a:cs typeface="Arial" charset="0"/>
+              <a:sym typeface="Cabin"/>
+            </a:endParaRPr>
+          </a:p>
+          <a:p>
+            <a:pPr marL="0" marR="0" lvl="0" indent="0" algn="l" rtl="0">
+              <a:lnSpc>
+                <a:spcPct val="100000"/>
+              </a:lnSpc>
+              <a:spcBef>
+                <a:spcPts val="0"/>
+              </a:spcBef>
+              <a:spcAft>
+                <a:spcPts val="0"/>
+              </a:spcAft>
+              <a:buClr>
+                <a:schemeClr val="lt1"/>
+              </a:buClr>
+              <a:buSzPct val="25000"/>
+              <a:buFont typeface="Cabin"/>
+              <a:buNone/>
+            </a:pPr>
+            <a:r>
+              <a:rPr lang="en-US" sz="3200" u="none" strike="noStrike" cap="none" dirty="0">
+                <a:solidFill>
+                  <a:schemeClr val="lt1"/>
+                </a:solidFill>
+                <a:latin typeface="Arial" charset="0"/>
+                <a:ea typeface="Arial" charset="0"/>
+                <a:cs typeface="Arial" charset="0"/>
+                <a:sym typeface="Cabin"/>
+              </a:rPr>
+              <a:t>&gt; </a:t>
+            </a:r>
+            <a:r>
+              <a:rPr lang="el-GR" sz="3200" u="none" strike="noStrike" cap="none" dirty="0">
+                <a:solidFill>
+                  <a:srgbClr val="00FF00"/>
+                </a:solidFill>
+                <a:latin typeface="Arial" charset="0"/>
+                <a:ea typeface="Arial" charset="0"/>
+                <a:cs typeface="Arial" charset="0"/>
+                <a:sym typeface="Cabin"/>
+              </a:rPr>
+              <a:t>εκτύπωσε αυτό</a:t>
+            </a:r>
+            <a:r>
+              <a:rPr lang="en-US" sz="3200" u="none" strike="noStrike" cap="none" dirty="0">
+                <a:solidFill>
+                  <a:srgbClr val="00FF00"/>
+                </a:solidFill>
+                <a:latin typeface="Arial" charset="0"/>
+                <a:ea typeface="Arial" charset="0"/>
+                <a:cs typeface="Arial" charset="0"/>
+                <a:sym typeface="Cabin"/>
+              </a:rPr>
+              <a:t>!</a:t>
+            </a:r>
+          </a:p>
+          <a:p>
+            <a:pPr marL="0" marR="0" lvl="0" indent="0" algn="l" rtl="0">
+              <a:lnSpc>
+                <a:spcPct val="100000"/>
+              </a:lnSpc>
+              <a:spcBef>
+                <a:spcPts val="0"/>
+              </a:spcBef>
+              <a:spcAft>
+                <a:spcPts val="0"/>
+              </a:spcAft>
+              <a:buClr>
+                <a:schemeClr val="lt1"/>
+              </a:buClr>
+              <a:buSzPct val="25000"/>
+              <a:buFont typeface="Cabin"/>
+              <a:buNone/>
+            </a:pPr>
+            <a:r>
+              <a:rPr lang="el-GR" sz="3200" u="none" strike="noStrike" cap="none" dirty="0">
+                <a:solidFill>
+                  <a:schemeClr val="lt1"/>
+                </a:solidFill>
+                <a:latin typeface="Arial" charset="0"/>
+                <a:ea typeface="Arial" charset="0"/>
+                <a:cs typeface="Arial" charset="0"/>
+                <a:sym typeface="Cabin"/>
+              </a:rPr>
+              <a:t>εκτύπωσε αυτό</a:t>
+            </a:r>
+            <a:r>
+              <a:rPr lang="en-US" sz="3200" u="none" strike="noStrike" cap="none" dirty="0">
+                <a:solidFill>
+                  <a:schemeClr val="lt1"/>
+                </a:solidFill>
+                <a:latin typeface="Arial" charset="0"/>
+                <a:ea typeface="Arial" charset="0"/>
+                <a:cs typeface="Arial" charset="0"/>
+                <a:sym typeface="Cabin"/>
+              </a:rPr>
+              <a:t>!</a:t>
+            </a:r>
+          </a:p>
+          <a:p>
+            <a:pPr marL="0" marR="0" lvl="0" indent="0" algn="l" rtl="0">
+              <a:lnSpc>
+                <a:spcPct val="100000"/>
+              </a:lnSpc>
+              <a:spcBef>
+                <a:spcPts val="0"/>
+              </a:spcBef>
+              <a:spcAft>
+                <a:spcPts val="0"/>
+              </a:spcAft>
+              <a:buClr>
+                <a:schemeClr val="lt1"/>
+              </a:buClr>
+              <a:buSzPct val="25000"/>
+              <a:buFont typeface="Cabin"/>
+              <a:buNone/>
+            </a:pPr>
+            <a:r>
+              <a:rPr lang="en-US" sz="3200" u="none" strike="noStrike" cap="none" dirty="0">
+                <a:solidFill>
+                  <a:schemeClr val="lt1"/>
+                </a:solidFill>
+                <a:latin typeface="Arial" charset="0"/>
+                <a:ea typeface="Arial" charset="0"/>
+                <a:cs typeface="Arial" charset="0"/>
+                <a:sym typeface="Cabin"/>
+              </a:rPr>
+              <a:t>&gt; </a:t>
+            </a:r>
+            <a:r>
+              <a:rPr lang="el-GR" sz="3200" u="none" strike="noStrike" cap="none" dirty="0">
+                <a:solidFill>
+                  <a:srgbClr val="00FF00"/>
+                </a:solidFill>
+                <a:latin typeface="Arial" charset="0"/>
+                <a:ea typeface="Arial" charset="0"/>
+                <a:cs typeface="Arial" charset="0"/>
+                <a:sym typeface="Cabin"/>
+              </a:rPr>
+              <a:t>τέλος</a:t>
+            </a:r>
+            <a:endParaRPr lang="en-US" sz="3200" u="none" strike="noStrike" cap="none" dirty="0">
+              <a:solidFill>
+                <a:srgbClr val="00FF00"/>
+              </a:solidFill>
+              <a:latin typeface="Arial" charset="0"/>
+              <a:ea typeface="Arial" charset="0"/>
+              <a:cs typeface="Arial" charset="0"/>
+              <a:sym typeface="Cabin"/>
+            </a:endParaRPr>
+          </a:p>
+          <a:p>
+            <a:pPr marL="0" marR="0" lvl="0" indent="0" algn="l" rtl="0">
+              <a:lnSpc>
+                <a:spcPct val="100000"/>
+              </a:lnSpc>
+              <a:spcBef>
+                <a:spcPts val="0"/>
+              </a:spcBef>
+              <a:spcAft>
+                <a:spcPts val="0"/>
+              </a:spcAft>
+              <a:buClr>
+                <a:schemeClr val="lt1"/>
+              </a:buClr>
+              <a:buSzPct val="25000"/>
+              <a:buFont typeface="Cabin"/>
+              <a:buNone/>
+            </a:pPr>
+            <a:r>
+              <a:rPr lang="el-GR" sz="3200" u="none" strike="noStrike" cap="none" dirty="0">
+                <a:solidFill>
+                  <a:schemeClr val="lt1"/>
+                </a:solidFill>
+                <a:latin typeface="Arial" charset="0"/>
+                <a:ea typeface="Arial" charset="0"/>
+                <a:cs typeface="Arial" charset="0"/>
+                <a:sym typeface="Cabin"/>
+              </a:rPr>
+              <a:t>Τέλος</a:t>
+            </a:r>
+            <a:r>
+              <a:rPr lang="en-US" sz="3200" u="none" strike="noStrike" cap="none" dirty="0">
+                <a:solidFill>
+                  <a:schemeClr val="lt1"/>
+                </a:solidFill>
+                <a:latin typeface="Arial" charset="0"/>
+                <a:ea typeface="Arial" charset="0"/>
+                <a:cs typeface="Arial" charset="0"/>
+                <a:sym typeface="Cabin"/>
+              </a:rPr>
+              <a:t>!</a:t>
+            </a:r>
+          </a:p>
+        </p:txBody>
+      </p:sp>
     </p:spTree>
   </p:cSld>
   <p:clrMapOvr>

--- a/lectures3/gr/Pythonlearn-05-Iterations.pptx
+++ b/lectures3/gr/Pythonlearn-05-Iterations.pptx
@@ -603,28 +603,44 @@
               <a:buNone/>
             </a:pPr>
             <a:r>
+              <a:rPr lang="el-GR" dirty="0">
+                <a:solidFill>
+                  <a:schemeClr val="dk2"/>
+                </a:solidFill>
+              </a:rPr>
+              <a:t>Σημείωση από τον </a:t>
+            </a:r>
+            <a:r>
               <a:rPr lang="en-US" dirty="0">
                 <a:solidFill>
                   <a:schemeClr val="dk2"/>
                 </a:solidFill>
               </a:rPr>
-              <a:t>Note from Chuck.  </a:t>
-            </a:r>
-            <a:r>
-              <a:rPr lang="en-US">
+              <a:t> Chuck</a:t>
+            </a:r>
+            <a:r>
+              <a:rPr lang="el-GR" dirty="0">
                 <a:solidFill>
                   <a:schemeClr val="dk2"/>
                 </a:solidFill>
               </a:rPr>
-              <a:t>If you are using these materials, you can remove the UM logo and replace it with your own, but please retain the CC-BY logo on the first page as well as retain the acknowledgement page(s)</a:t>
-            </a:r>
-            <a:r>
-              <a:rPr lang="en-US" baseline="0">
+              <a:t>. Εάν χρησιμοποιείτε αυτό το υλικό, μπορείτε να αφαιρέσετε το λογότυπο UM και να το αντικαταστήσετε με το δικό σας, αλλά διατηρήστε το λογότυπο CC-BY στην πρώτη σελίδα καθώς την/τις σελίδα/</a:t>
+            </a:r>
+            <a:r>
+              <a:rPr lang="el-GR" dirty="0" err="1">
                 <a:solidFill>
                   <a:schemeClr val="dk2"/>
                 </a:solidFill>
               </a:rPr>
-              <a:t> at the end.</a:t>
+              <a:t>ες</a:t>
+            </a:r>
+            <a:r>
+              <a:rPr lang="el-GR">
+                <a:solidFill>
+                  <a:schemeClr val="dk2"/>
+                </a:solidFill>
+              </a:rPr>
+              <a:t> αναγνώρισης.</a:t>
             </a:r>
             <a:endParaRPr lang="en-US" dirty="0">
               <a:solidFill>

--- a/lectures3/gr/Pythonlearn-05-Iterations.pptx
+++ b/lectures3/gr/Pythonlearn-05-Iterations.pptx
@@ -9192,7 +9192,7 @@
               <a:t> </a:t>
             </a:r>
             <a:r>
-              <a:rPr lang="en-US" sz="3000" i="0" u="none" strike="noStrike" cap="none" dirty="0" err="1">
+              <a:rPr lang="en-US" sz="3000" i="0" u="none" strike="noStrike" cap="none" dirty="0">
                 <a:solidFill>
                   <a:srgbClr val="FF9900"/>
                 </a:solidFill>
@@ -9201,19 +9201,7 @@
                 <a:cs typeface="Courier"/>
                 <a:sym typeface="Courier New"/>
               </a:rPr>
-              <a:t>raw_input</a:t>
-            </a:r>
-            <a:r>
-              <a:rPr lang="en-US" sz="3000" i="0" u="none" strike="noStrike" cap="none" dirty="0">
-                <a:solidFill>
-                  <a:srgbClr val="FF9900"/>
-                </a:solidFill>
-                <a:latin typeface="Courier"/>
-                <a:ea typeface="Courier"/>
-                <a:cs typeface="Courier"/>
-                <a:sym typeface="Courier New"/>
-              </a:rPr>
-              <a:t>(</a:t>
+              <a:t>input(</a:t>
             </a:r>
             <a:r>
               <a:rPr lang="en-US" sz="3000" i="0" u="none" strike="noStrike" cap="none" dirty="0">
